--- a/CSE 111_ Phase 1 Presentation.pptx
+++ b/CSE 111_ Phase 1 Presentation.pptx
@@ -2,37 +2,39 @@
 <file path=ppt/presentation.xml><?xml version="1.0" encoding="utf-8"?>
 <p:presentation xmlns:a="http://schemas.openxmlformats.org/drawingml/2006/main" xmlns:r="http://schemas.openxmlformats.org/officeDocument/2006/relationships" xmlns:mc="http://schemas.openxmlformats.org/markup-compatibility/2006" xmlns:mv="urn:schemas-microsoft-com:mac:vml" xmlns:p="http://schemas.openxmlformats.org/presentationml/2006/main" xmlns:c="http://schemas.openxmlformats.org/drawingml/2006/chart" xmlns:dgm="http://schemas.openxmlformats.org/drawingml/2006/diagram" xmlns:o="urn:schemas-microsoft-com:office:office" xmlns:v="urn:schemas-microsoft-com:vml" xmlns:pvml="urn:schemas-microsoft-com:office:powerpoint" xmlns:com="http://schemas.openxmlformats.org/drawingml/2006/compatibility" xmlns:p14="http://schemas.microsoft.com/office/powerpoint/2010/main" xmlns:p15="http://schemas.microsoft.com/office/powerpoint/2012/main" xmlns:ahyp="http://schemas.microsoft.com/office/drawing/2018/hyperlinkcolor" autoCompressPictures="0" embedTrueTypeFonts="1" strictFirstAndLastChars="0" saveSubsetFonts="1">
   <p:sldMasterIdLst>
-    <p:sldMasterId id="2147483670" r:id="rId4"/>
+    <p:sldMasterId id="2147483670" r:id="rId3"/>
   </p:sldMasterIdLst>
   <p:notesMasterIdLst>
-    <p:notesMasterId r:id="rId5"/>
+    <p:notesMasterId r:id="rId4"/>
   </p:notesMasterIdLst>
   <p:sldIdLst>
-    <p:sldId id="256" r:id="rId6"/>
-    <p:sldId id="257" r:id="rId7"/>
-    <p:sldId id="258" r:id="rId8"/>
-    <p:sldId id="259" r:id="rId9"/>
-    <p:sldId id="260" r:id="rId10"/>
+    <p:sldId id="256" r:id="rId5"/>
+    <p:sldId id="257" r:id="rId6"/>
+    <p:sldId id="258" r:id="rId7"/>
+    <p:sldId id="259" r:id="rId8"/>
+    <p:sldId id="260" r:id="rId9"/>
+    <p:sldId id="261" r:id="rId10"/>
+    <p:sldId id="262" r:id="rId11"/>
   </p:sldIdLst>
   <p:sldSz cy="5143500" cx="9144000"/>
   <p:notesSz cx="6858000" cy="9144000"/>
   <p:embeddedFontLst>
     <p:embeddedFont>
       <p:font typeface="Poppins"/>
-      <p:regular r:id="rId11"/>
-      <p:bold r:id="rId12"/>
-      <p:italic r:id="rId13"/>
-      <p:boldItalic r:id="rId14"/>
+      <p:regular r:id="rId12"/>
+      <p:bold r:id="rId13"/>
+      <p:italic r:id="rId14"/>
+      <p:boldItalic r:id="rId15"/>
     </p:embeddedFont>
     <p:embeddedFont>
       <p:font typeface="Palanquin Dark"/>
-      <p:regular r:id="rId15"/>
-      <p:bold r:id="rId16"/>
+      <p:regular r:id="rId16"/>
+      <p:bold r:id="rId17"/>
     </p:embeddedFont>
     <p:embeddedFont>
       <p:font typeface="Poppins Black"/>
-      <p:bold r:id="rId17"/>
-      <p:boldItalic r:id="rId18"/>
+      <p:bold r:id="rId18"/>
+      <p:boldItalic r:id="rId19"/>
     </p:embeddedFont>
   </p:embeddedFontLst>
   <p:defaultTextStyle>
@@ -910,7 +912,7 @@
       </p:grpSpPr>
       <p:sp>
         <p:nvSpPr>
-          <p:cNvPr id="202" name="Google Shape;202;gf9ae309133_0_74:notes"/>
+          <p:cNvPr id="202" name="Google Shape;202;g106cc723152_0_41:notes"/>
           <p:cNvSpPr/>
           <p:nvPr>
             <p:ph idx="2" type="sldImg"/>
@@ -945,7 +947,7 @@
       </p:sp>
       <p:sp>
         <p:nvSpPr>
-          <p:cNvPr id="203" name="Google Shape;203;gf9ae309133_0_74:notes"/>
+          <p:cNvPr id="203" name="Google Shape;203;g106cc723152_0_41:notes"/>
           <p:cNvSpPr txBox="1"/>
           <p:nvPr>
             <p:ph idx="1" type="body"/>
@@ -995,7 +997,7 @@
   <p:cSld>
     <p:spTree>
       <p:nvGrpSpPr>
-        <p:cNvPr id="231" name="Shape 231"/>
+        <p:cNvPr id="207" name="Shape 207"/>
         <p:cNvGrpSpPr/>
         <p:nvPr/>
       </p:nvGrpSpPr>
@@ -1009,7 +1011,7 @@
       </p:grpSpPr>
       <p:sp>
         <p:nvSpPr>
-          <p:cNvPr id="232" name="Google Shape;232;ga4b3b7ab8f_0_180:notes"/>
+          <p:cNvPr id="208" name="Google Shape;208;g106cc723152_0_59:notes"/>
           <p:cNvSpPr/>
           <p:nvPr>
             <p:ph idx="2" type="sldImg"/>
@@ -1044,7 +1046,7 @@
       </p:sp>
       <p:sp>
         <p:nvSpPr>
-          <p:cNvPr id="233" name="Google Shape;233;ga4b3b7ab8f_0_180:notes"/>
+          <p:cNvPr id="209" name="Google Shape;209;g106cc723152_0_59:notes"/>
           <p:cNvSpPr txBox="1"/>
           <p:nvPr>
             <p:ph idx="1" type="body"/>
@@ -1094,7 +1096,7 @@
   <p:cSld>
     <p:spTree>
       <p:nvGrpSpPr>
-        <p:cNvPr id="273" name="Shape 273"/>
+        <p:cNvPr id="213" name="Shape 213"/>
         <p:cNvGrpSpPr/>
         <p:nvPr/>
       </p:nvGrpSpPr>
@@ -1108,7 +1110,7 @@
       </p:grpSpPr>
       <p:sp>
         <p:nvSpPr>
-          <p:cNvPr id="274" name="Google Shape;274;g877b642fd3_0_258:notes"/>
+          <p:cNvPr id="214" name="Google Shape;214;gf9ae309133_0_74:notes"/>
           <p:cNvSpPr/>
           <p:nvPr>
             <p:ph idx="2" type="sldImg"/>
@@ -1143,7 +1145,205 @@
       </p:sp>
       <p:sp>
         <p:nvSpPr>
-          <p:cNvPr id="275" name="Google Shape;275;g877b642fd3_0_258:notes"/>
+          <p:cNvPr id="215" name="Google Shape;215;gf9ae309133_0_74:notes"/>
+          <p:cNvSpPr txBox="1"/>
+          <p:nvPr>
+            <p:ph idx="1" type="body"/>
+          </p:nvPr>
+        </p:nvSpPr>
+        <p:spPr>
+          <a:xfrm>
+            <a:off x="685800" y="4343400"/>
+            <a:ext cx="5486400" cy="4114800"/>
+          </a:xfrm>
+          <a:prstGeom prst="rect">
+            <a:avLst/>
+          </a:prstGeom>
+        </p:spPr>
+        <p:txBody>
+          <a:bodyPr anchorCtr="0" anchor="t" bIns="91425" lIns="91425" spcFirstLastPara="1" rIns="91425" wrap="square" tIns="91425">
+            <a:noAutofit/>
+          </a:bodyPr>
+          <a:lstStyle/>
+          <a:p>
+            <a:pPr indent="0" lvl="0" marL="0" rtl="0" algn="l">
+              <a:spcBef>
+                <a:spcPts val="0"/>
+              </a:spcBef>
+              <a:spcAft>
+                <a:spcPts val="0"/>
+              </a:spcAft>
+              <a:buNone/>
+            </a:pPr>
+            <a:r>
+              <a:t/>
+            </a:r>
+            <a:endParaRPr/>
+          </a:p>
+        </p:txBody>
+      </p:sp>
+    </p:spTree>
+  </p:cSld>
+  <p:clrMapOvr>
+    <a:masterClrMapping/>
+  </p:clrMapOvr>
+</p:notes>
+</file>
+
+<file path=ppt/notesSlides/notesSlide6.xml><?xml version="1.0" encoding="utf-8"?>
+<p:notes xmlns:a="http://schemas.openxmlformats.org/drawingml/2006/main" xmlns:r="http://schemas.openxmlformats.org/officeDocument/2006/relationships" xmlns:mc="http://schemas.openxmlformats.org/markup-compatibility/2006" xmlns:mv="urn:schemas-microsoft-com:mac:vml" xmlns:p="http://schemas.openxmlformats.org/presentationml/2006/main" xmlns:c="http://schemas.openxmlformats.org/drawingml/2006/chart" xmlns:dgm="http://schemas.openxmlformats.org/drawingml/2006/diagram" xmlns:o="urn:schemas-microsoft-com:office:office" xmlns:v="urn:schemas-microsoft-com:vml" xmlns:pvml="urn:schemas-microsoft-com:office:powerpoint" xmlns:com="http://schemas.openxmlformats.org/drawingml/2006/compatibility" xmlns:p14="http://schemas.microsoft.com/office/powerpoint/2010/main" xmlns:p15="http://schemas.microsoft.com/office/powerpoint/2012/main" xmlns:ahyp="http://schemas.microsoft.com/office/drawing/2018/hyperlinkcolor" showMasterPhAnim="0" showMasterSp="0">
+  <p:cSld>
+    <p:spTree>
+      <p:nvGrpSpPr>
+        <p:cNvPr id="255" name="Shape 255"/>
+        <p:cNvGrpSpPr/>
+        <p:nvPr/>
+      </p:nvGrpSpPr>
+      <p:grpSpPr>
+        <a:xfrm>
+          <a:off x="0" y="0"/>
+          <a:ext cx="0" cy="0"/>
+          <a:chOff x="0" y="0"/>
+          <a:chExt cx="0" cy="0"/>
+        </a:xfrm>
+      </p:grpSpPr>
+      <p:sp>
+        <p:nvSpPr>
+          <p:cNvPr id="256" name="Google Shape;256;g106cc723152_0_0:notes"/>
+          <p:cNvSpPr/>
+          <p:nvPr>
+            <p:ph idx="2" type="sldImg"/>
+          </p:nvPr>
+        </p:nvSpPr>
+        <p:spPr>
+          <a:xfrm>
+            <a:off x="381300" y="685800"/>
+            <a:ext cx="6096000" cy="3429000"/>
+          </a:xfrm>
+          <a:custGeom>
+            <a:rect b="b" l="l" r="r" t="t"/>
+            <a:pathLst>
+              <a:path extrusionOk="0" h="120000" w="120000">
+                <a:moveTo>
+                  <a:pt x="0" y="0"/>
+                </a:moveTo>
+                <a:lnTo>
+                  <a:pt x="120000" y="0"/>
+                </a:lnTo>
+                <a:lnTo>
+                  <a:pt x="120000" y="120000"/>
+                </a:lnTo>
+                <a:lnTo>
+                  <a:pt x="0" y="120000"/>
+                </a:lnTo>
+                <a:close/>
+              </a:path>
+            </a:pathLst>
+          </a:custGeom>
+        </p:spPr>
+      </p:sp>
+      <p:sp>
+        <p:nvSpPr>
+          <p:cNvPr id="257" name="Google Shape;257;g106cc723152_0_0:notes"/>
+          <p:cNvSpPr txBox="1"/>
+          <p:nvPr>
+            <p:ph idx="1" type="body"/>
+          </p:nvPr>
+        </p:nvSpPr>
+        <p:spPr>
+          <a:xfrm>
+            <a:off x="685800" y="4343400"/>
+            <a:ext cx="5486400" cy="4114800"/>
+          </a:xfrm>
+          <a:prstGeom prst="rect">
+            <a:avLst/>
+          </a:prstGeom>
+        </p:spPr>
+        <p:txBody>
+          <a:bodyPr anchorCtr="0" anchor="t" bIns="91425" lIns="91425" spcFirstLastPara="1" rIns="91425" wrap="square" tIns="91425">
+            <a:noAutofit/>
+          </a:bodyPr>
+          <a:lstStyle/>
+          <a:p>
+            <a:pPr indent="0" lvl="0" marL="0" rtl="0" algn="l">
+              <a:spcBef>
+                <a:spcPts val="0"/>
+              </a:spcBef>
+              <a:spcAft>
+                <a:spcPts val="0"/>
+              </a:spcAft>
+              <a:buNone/>
+            </a:pPr>
+            <a:r>
+              <a:t/>
+            </a:r>
+            <a:endParaRPr/>
+          </a:p>
+        </p:txBody>
+      </p:sp>
+    </p:spTree>
+  </p:cSld>
+  <p:clrMapOvr>
+    <a:masterClrMapping/>
+  </p:clrMapOvr>
+</p:notes>
+</file>
+
+<file path=ppt/notesSlides/notesSlide7.xml><?xml version="1.0" encoding="utf-8"?>
+<p:notes xmlns:a="http://schemas.openxmlformats.org/drawingml/2006/main" xmlns:r="http://schemas.openxmlformats.org/officeDocument/2006/relationships" xmlns:mc="http://schemas.openxmlformats.org/markup-compatibility/2006" xmlns:mv="urn:schemas-microsoft-com:mac:vml" xmlns:p="http://schemas.openxmlformats.org/presentationml/2006/main" xmlns:c="http://schemas.openxmlformats.org/drawingml/2006/chart" xmlns:dgm="http://schemas.openxmlformats.org/drawingml/2006/diagram" xmlns:o="urn:schemas-microsoft-com:office:office" xmlns:v="urn:schemas-microsoft-com:vml" xmlns:pvml="urn:schemas-microsoft-com:office:powerpoint" xmlns:com="http://schemas.openxmlformats.org/drawingml/2006/compatibility" xmlns:p14="http://schemas.microsoft.com/office/powerpoint/2010/main" xmlns:p15="http://schemas.microsoft.com/office/powerpoint/2012/main" xmlns:ahyp="http://schemas.microsoft.com/office/drawing/2018/hyperlinkcolor" showMasterPhAnim="0" showMasterSp="0">
+  <p:cSld>
+    <p:spTree>
+      <p:nvGrpSpPr>
+        <p:cNvPr id="262" name="Shape 262"/>
+        <p:cNvGrpSpPr/>
+        <p:nvPr/>
+      </p:nvGrpSpPr>
+      <p:grpSpPr>
+        <a:xfrm>
+          <a:off x="0" y="0"/>
+          <a:ext cx="0" cy="0"/>
+          <a:chOff x="0" y="0"/>
+          <a:chExt cx="0" cy="0"/>
+        </a:xfrm>
+      </p:grpSpPr>
+      <p:sp>
+        <p:nvSpPr>
+          <p:cNvPr id="263" name="Google Shape;263;g106cc723152_0_105:notes"/>
+          <p:cNvSpPr/>
+          <p:nvPr>
+            <p:ph idx="2" type="sldImg"/>
+          </p:nvPr>
+        </p:nvSpPr>
+        <p:spPr>
+          <a:xfrm>
+            <a:off x="381300" y="685800"/>
+            <a:ext cx="6096000" cy="3429000"/>
+          </a:xfrm>
+          <a:custGeom>
+            <a:rect b="b" l="l" r="r" t="t"/>
+            <a:pathLst>
+              <a:path extrusionOk="0" h="120000" w="120000">
+                <a:moveTo>
+                  <a:pt x="0" y="0"/>
+                </a:moveTo>
+                <a:lnTo>
+                  <a:pt x="120000" y="0"/>
+                </a:lnTo>
+                <a:lnTo>
+                  <a:pt x="120000" y="120000"/>
+                </a:lnTo>
+                <a:lnTo>
+                  <a:pt x="0" y="120000"/>
+                </a:lnTo>
+                <a:close/>
+              </a:path>
+            </a:pathLst>
+          </a:custGeom>
+        </p:spPr>
+      </p:sp>
+      <p:sp>
+        <p:nvSpPr>
+          <p:cNvPr id="264" name="Google Shape;264;g106cc723152_0_105:notes"/>
           <p:cNvSpPr txBox="1"/>
           <p:nvPr>
             <p:ph idx="1" type="body"/>
@@ -21074,8 +21274,8 @@
         </p:nvSpPr>
         <p:spPr>
           <a:xfrm>
-            <a:off x="720000" y="1778170"/>
-            <a:ext cx="2831100" cy="272400"/>
+            <a:off x="720000" y="1778175"/>
+            <a:ext cx="3919200" cy="272400"/>
           </a:xfrm>
           <a:prstGeom prst="roundRect">
             <a:avLst>
@@ -21121,7 +21321,7 @@
         </p:nvSpPr>
         <p:spPr>
           <a:xfrm>
-            <a:off x="720000" y="1091400"/>
+            <a:off x="720000" y="1081025"/>
             <a:ext cx="4138800" cy="2021400"/>
           </a:xfrm>
           <a:prstGeom prst="rect">
@@ -21145,7 +21345,7 @@
             </a:pPr>
             <a:r>
               <a:rPr lang="en"/>
-              <a:t>Netflix Application</a:t>
+              <a:t>FlixFinder Application</a:t>
             </a:r>
             <a:endParaRPr b="0" sz="5000">
               <a:latin typeface="Poppins Black"/>
@@ -23271,11 +23471,11 @@
             </a:pPr>
             <a:r>
               <a:rPr lang="en"/>
-              <a:t>Project </a:t>
+              <a:t>System </a:t>
             </a:r>
             <a:r>
               <a:rPr lang="en"/>
-              <a:t>Explanation</a:t>
+              <a:t>Description</a:t>
             </a:r>
             <a:endParaRPr/>
           </a:p>
@@ -23314,14 +23514,9 @@
               <a:buNone/>
             </a:pPr>
             <a:r>
-              <a:rPr lang="en"/>
-              <a:t>Brief Explanation of our topic and application</a:t>
+              <a:t/>
             </a:r>
-            <a:r>
-              <a:rPr lang="en"/>
-              <a:t>:</a:t>
-            </a:r>
-            <a:endParaRPr/>
+            <a:endParaRPr sz="1500"/>
           </a:p>
           <a:p>
             <a:pPr indent="0" lvl="0" marL="0" rtl="0" algn="l">
@@ -23334,68 +23529,40 @@
               <a:buNone/>
             </a:pPr>
             <a:r>
-              <a:t/>
-            </a:r>
-            <a:endParaRPr/>
-          </a:p>
-          <a:p>
-            <a:pPr indent="-304800" lvl="0" marL="457200" rtl="0" algn="l">
-              <a:spcBef>
-                <a:spcPts val="0"/>
-              </a:spcBef>
-              <a:spcAft>
-                <a:spcPts val="0"/>
-              </a:spcAft>
-              <a:buClr>
-                <a:srgbClr val="000000"/>
-              </a:buClr>
-              <a:buSzPts val="1200"/>
-              <a:buChar char="●"/>
-            </a:pPr>
-            <a:r>
-              <a:rPr lang="en">
+              <a:rPr lang="en" sz="1500">
                 <a:solidFill>
                   <a:srgbClr val="000000"/>
                 </a:solidFill>
               </a:rPr>
-              <a:t>Our project is a show recommendation based on a variety of criteria from different shows available on Netflix</a:t>
+              <a:t>Our application is a show/movie recommendation and finder based on a variety of criteria from different shows available on Netflix</a:t>
             </a:r>
-            <a:endParaRPr>
+            <a:endParaRPr sz="1500">
               <a:solidFill>
                 <a:srgbClr val="000000"/>
               </a:solidFill>
             </a:endParaRPr>
           </a:p>
           <a:p>
-            <a:pPr indent="-304800" lvl="0" marL="457200" rtl="0" algn="l">
-              <a:spcBef>
-                <a:spcPts val="0"/>
-              </a:spcBef>
-              <a:spcAft>
-                <a:spcPts val="0"/>
-              </a:spcAft>
-              <a:buClr>
-                <a:srgbClr val="000000"/>
-              </a:buClr>
-              <a:buSzPts val="1200"/>
-              <a:buChar char="●"/>
+            <a:pPr indent="0" lvl="0" marL="0" rtl="0" algn="l">
+              <a:spcBef>
+                <a:spcPts val="0"/>
+              </a:spcBef>
+              <a:spcAft>
+                <a:spcPts val="0"/>
+              </a:spcAft>
+              <a:buNone/>
             </a:pPr>
             <a:r>
-              <a:rPr lang="en">
-                <a:solidFill>
-                  <a:srgbClr val="000000"/>
-                </a:solidFill>
-              </a:rPr>
-              <a:t>User can search for a specific movie title</a:t>
+              <a:t/>
             </a:r>
-            <a:endParaRPr>
+            <a:endParaRPr sz="1500">
               <a:solidFill>
                 <a:srgbClr val="000000"/>
               </a:solidFill>
             </a:endParaRPr>
           </a:p>
           <a:p>
-            <a:pPr indent="-304800" lvl="0" marL="457200" rtl="0" algn="l">
+            <a:pPr indent="-323850" lvl="0" marL="457200" rtl="0" algn="l">
               <a:spcBef>
                 <a:spcPts val="0"/>
               </a:spcBef>
@@ -23405,53 +23572,44 @@
               <a:buClr>
                 <a:srgbClr val="000000"/>
               </a:buClr>
-              <a:buSzPts val="1200"/>
+              <a:buSzPts val="1500"/>
               <a:buChar char="●"/>
             </a:pPr>
             <a:r>
-              <a:rPr lang="en">
+              <a:rPr lang="en" sz="1500">
                 <a:solidFill>
                   <a:srgbClr val="000000"/>
                 </a:solidFill>
               </a:rPr>
-              <a:t>User can filter a show recommendation based on different criterias</a:t>
+              <a:t>Terminal use with python code </a:t>
             </a:r>
-            <a:endParaRPr>
+            <a:endParaRPr sz="1500">
               <a:solidFill>
                 <a:srgbClr val="000000"/>
               </a:solidFill>
             </a:endParaRPr>
           </a:p>
           <a:p>
-            <a:pPr indent="-304800" lvl="0" marL="457200" rtl="0" algn="l">
-              <a:spcBef>
-                <a:spcPts val="0"/>
-              </a:spcBef>
-              <a:spcAft>
-                <a:spcPts val="0"/>
-              </a:spcAft>
-              <a:buClr>
-                <a:srgbClr val="000000"/>
-              </a:buClr>
-              <a:buSzPts val="1200"/>
-              <a:buChar char="●"/>
+            <a:pPr indent="0" lvl="0" marL="0" rtl="0" algn="l">
+              <a:spcBef>
+                <a:spcPts val="0"/>
+              </a:spcBef>
+              <a:spcAft>
+                <a:spcPts val="0"/>
+              </a:spcAft>
+              <a:buNone/>
             </a:pPr>
             <a:r>
-              <a:rPr lang="en">
-                <a:solidFill>
-                  <a:srgbClr val="000000"/>
-                </a:solidFill>
-              </a:rPr>
-              <a:t>User can add shows to a like and dislike list</a:t>
+              <a:t/>
             </a:r>
-            <a:endParaRPr>
+            <a:endParaRPr sz="1500">
               <a:solidFill>
                 <a:srgbClr val="000000"/>
               </a:solidFill>
             </a:endParaRPr>
           </a:p>
           <a:p>
-            <a:pPr indent="-304800" lvl="0" marL="457200" rtl="0" algn="l">
+            <a:pPr indent="-323850" lvl="0" marL="457200" rtl="0" algn="l">
               <a:spcBef>
                 <a:spcPts val="0"/>
               </a:spcBef>
@@ -23461,21 +23619,133 @@
               <a:buClr>
                 <a:srgbClr val="000000"/>
               </a:buClr>
-              <a:buSzPts val="1200"/>
+              <a:buSzPts val="1500"/>
               <a:buChar char="●"/>
             </a:pPr>
             <a:r>
-              <a:rPr lang="en">
+              <a:rPr lang="en" sz="1500">
                 <a:solidFill>
                   <a:srgbClr val="000000"/>
                 </a:solidFill>
               </a:rPr>
-              <a:t>User can have a random show be recommended to them</a:t>
+              <a:t>With the many titles involved a user can: </a:t>
             </a:r>
-            <a:endParaRPr/>
+            <a:endParaRPr sz="1500">
+              <a:solidFill>
+                <a:srgbClr val="000000"/>
+              </a:solidFill>
+            </a:endParaRPr>
           </a:p>
           <a:p>
-            <a:pPr indent="0" lvl="0" marL="457200" rtl="0" algn="l">
+            <a:pPr indent="-323850" lvl="1" marL="914400" rtl="0" algn="l">
+              <a:spcBef>
+                <a:spcPts val="0"/>
+              </a:spcBef>
+              <a:spcAft>
+                <a:spcPts val="0"/>
+              </a:spcAft>
+              <a:buClr>
+                <a:srgbClr val="000000"/>
+              </a:buClr>
+              <a:buSzPts val="1500"/>
+              <a:buChar char="○"/>
+            </a:pPr>
+            <a:r>
+              <a:rPr lang="en" sz="1500">
+                <a:solidFill>
+                  <a:srgbClr val="000000"/>
+                </a:solidFill>
+              </a:rPr>
+              <a:t>Search for a specific movie title</a:t>
+            </a:r>
+            <a:endParaRPr sz="1500">
+              <a:solidFill>
+                <a:srgbClr val="000000"/>
+              </a:solidFill>
+            </a:endParaRPr>
+          </a:p>
+          <a:p>
+            <a:pPr indent="-323850" lvl="1" marL="914400" rtl="0" algn="l">
+              <a:spcBef>
+                <a:spcPts val="0"/>
+              </a:spcBef>
+              <a:spcAft>
+                <a:spcPts val="0"/>
+              </a:spcAft>
+              <a:buClr>
+                <a:srgbClr val="000000"/>
+              </a:buClr>
+              <a:buSzPts val="1500"/>
+              <a:buChar char="○"/>
+            </a:pPr>
+            <a:r>
+              <a:rPr lang="en" sz="1500">
+                <a:solidFill>
+                  <a:srgbClr val="000000"/>
+                </a:solidFill>
+              </a:rPr>
+              <a:t>Filter a show recommendation based on different criterias</a:t>
+            </a:r>
+            <a:endParaRPr sz="1500">
+              <a:solidFill>
+                <a:srgbClr val="000000"/>
+              </a:solidFill>
+            </a:endParaRPr>
+          </a:p>
+          <a:p>
+            <a:pPr indent="-323850" lvl="1" marL="914400" rtl="0" algn="l">
+              <a:spcBef>
+                <a:spcPts val="0"/>
+              </a:spcBef>
+              <a:spcAft>
+                <a:spcPts val="0"/>
+              </a:spcAft>
+              <a:buClr>
+                <a:srgbClr val="000000"/>
+              </a:buClr>
+              <a:buSzPts val="1500"/>
+              <a:buChar char="○"/>
+            </a:pPr>
+            <a:r>
+              <a:rPr lang="en" sz="1500">
+                <a:solidFill>
+                  <a:srgbClr val="000000"/>
+                </a:solidFill>
+              </a:rPr>
+              <a:t>Add shows to a favorite list and view the list</a:t>
+            </a:r>
+            <a:endParaRPr sz="1500">
+              <a:solidFill>
+                <a:srgbClr val="000000"/>
+              </a:solidFill>
+            </a:endParaRPr>
+          </a:p>
+          <a:p>
+            <a:pPr indent="-323850" lvl="1" marL="914400" rtl="0" algn="l">
+              <a:spcBef>
+                <a:spcPts val="0"/>
+              </a:spcBef>
+              <a:spcAft>
+                <a:spcPts val="0"/>
+              </a:spcAft>
+              <a:buClr>
+                <a:srgbClr val="000000"/>
+              </a:buClr>
+              <a:buSzPts val="1500"/>
+              <a:buChar char="○"/>
+            </a:pPr>
+            <a:r>
+              <a:rPr lang="en" sz="1500">
+                <a:solidFill>
+                  <a:srgbClr val="000000"/>
+                </a:solidFill>
+              </a:rPr>
+              <a:t>Have a random show be recommended to them</a:t>
+            </a:r>
+            <a:endParaRPr sz="1500"/>
+          </a:p>
+          <a:p>
+            <a:pPr indent="0" lvl="0" marL="0" rtl="0" algn="l">
               <a:spcBef>
                 <a:spcPts val="0"/>
               </a:spcBef>
@@ -23487,50 +23757,7 @@
             <a:r>
               <a:t/>
             </a:r>
-            <a:endParaRPr/>
-          </a:p>
-          <a:p>
-            <a:pPr indent="-304800" lvl="0" marL="457200" rtl="0" algn="l">
-              <a:spcBef>
-                <a:spcPts val="0"/>
-              </a:spcBef>
-              <a:spcAft>
-                <a:spcPts val="0"/>
-              </a:spcAft>
-              <a:buClr>
-                <a:schemeClr val="dk1"/>
-              </a:buClr>
-              <a:buSzPts val="1200"/>
-              <a:buChar char="●"/>
-            </a:pPr>
-            <a:r>
-              <a:rPr lang="en"/>
-              <a:t>Data </a:t>
-            </a:r>
-            <a:r>
-              <a:rPr lang="en">
-                <a:solidFill>
-                  <a:srgbClr val="000000"/>
-                </a:solidFill>
-              </a:rPr>
-              <a:t>consists of listings of all the movies and tv shows available on Netflix, along with details such as - cast, directors, ratings, release year, duration, title, country, date added, genre, and description</a:t>
-            </a:r>
-            <a:endParaRPr/>
-          </a:p>
-          <a:p>
-            <a:pPr indent="0" lvl="0" marL="457200" rtl="0" algn="l">
-              <a:spcBef>
-                <a:spcPts val="0"/>
-              </a:spcBef>
-              <a:spcAft>
-                <a:spcPts val="0"/>
-              </a:spcAft>
-              <a:buNone/>
-            </a:pPr>
-            <a:r>
-              <a:t/>
-            </a:r>
-            <a:endParaRPr/>
+            <a:endParaRPr sz="1500"/>
           </a:p>
         </p:txBody>
       </p:sp>
@@ -23562,6 +23789,676 @@
       <p:sp>
         <p:nvSpPr>
           <p:cNvPr id="205" name="Google Shape;205;p26"/>
+          <p:cNvSpPr txBox="1"/>
+          <p:nvPr>
+            <p:ph type="title"/>
+          </p:nvPr>
+        </p:nvSpPr>
+        <p:spPr>
+          <a:xfrm>
+            <a:off x="903675" y="499100"/>
+            <a:ext cx="5483700" cy="612600"/>
+          </a:xfrm>
+          <a:prstGeom prst="rect">
+            <a:avLst/>
+          </a:prstGeom>
+        </p:spPr>
+        <p:txBody>
+          <a:bodyPr anchorCtr="0" anchor="t" bIns="91425" lIns="91425" spcFirstLastPara="1" rIns="91425" wrap="square" tIns="91425">
+            <a:noAutofit/>
+          </a:bodyPr>
+          <a:lstStyle/>
+          <a:p>
+            <a:pPr indent="0" lvl="0" marL="0" rtl="0" algn="l">
+              <a:spcBef>
+                <a:spcPts val="0"/>
+              </a:spcBef>
+              <a:spcAft>
+                <a:spcPts val="0"/>
+              </a:spcAft>
+              <a:buNone/>
+            </a:pPr>
+            <a:r>
+              <a:rPr lang="en"/>
+              <a:t>Implementation Details</a:t>
+            </a:r>
+            <a:endParaRPr/>
+          </a:p>
+        </p:txBody>
+      </p:sp>
+      <p:sp>
+        <p:nvSpPr>
+          <p:cNvPr id="206" name="Google Shape;206;p26"/>
+          <p:cNvSpPr txBox="1"/>
+          <p:nvPr>
+            <p:ph idx="1" type="body"/>
+          </p:nvPr>
+        </p:nvSpPr>
+        <p:spPr>
+          <a:xfrm>
+            <a:off x="720000" y="1111700"/>
+            <a:ext cx="7901400" cy="3666000"/>
+          </a:xfrm>
+          <a:prstGeom prst="rect">
+            <a:avLst/>
+          </a:prstGeom>
+        </p:spPr>
+        <p:txBody>
+          <a:bodyPr anchorCtr="0" anchor="t" bIns="91425" lIns="91425" spcFirstLastPara="1" rIns="91425" wrap="square" tIns="91425">
+            <a:noAutofit/>
+          </a:bodyPr>
+          <a:lstStyle/>
+          <a:p>
+            <a:pPr indent="0" lvl="0" marL="0" rtl="0" algn="l">
+              <a:spcBef>
+                <a:spcPts val="0"/>
+              </a:spcBef>
+              <a:spcAft>
+                <a:spcPts val="0"/>
+              </a:spcAft>
+              <a:buNone/>
+            </a:pPr>
+            <a:r>
+              <a:rPr lang="en" sz="1500"/>
+              <a:t>Database</a:t>
+            </a:r>
+            <a:endParaRPr sz="1500"/>
+          </a:p>
+          <a:p>
+            <a:pPr indent="-323850" lvl="0" marL="457200" rtl="0" algn="l">
+              <a:spcBef>
+                <a:spcPts val="0"/>
+              </a:spcBef>
+              <a:spcAft>
+                <a:spcPts val="0"/>
+              </a:spcAft>
+              <a:buClr>
+                <a:schemeClr val="dk1"/>
+              </a:buClr>
+              <a:buSzPts val="1500"/>
+              <a:buChar char="●"/>
+            </a:pPr>
+            <a:r>
+              <a:rPr lang="en" sz="1500"/>
+              <a:t>Chosen off of Kaggle - </a:t>
+            </a:r>
+            <a:r>
+              <a:rPr lang="en" sz="1500" u="sng">
+                <a:hlinkClick r:id="rId3"/>
+              </a:rPr>
+              <a:t>https://www.kaggle.com/shivamb/netflix-shows</a:t>
+            </a:r>
+            <a:r>
+              <a:rPr lang="en" sz="1500"/>
+              <a:t> </a:t>
+            </a:r>
+            <a:endParaRPr sz="1500"/>
+          </a:p>
+          <a:p>
+            <a:pPr indent="-323850" lvl="0" marL="457200" rtl="0" algn="l">
+              <a:spcBef>
+                <a:spcPts val="0"/>
+              </a:spcBef>
+              <a:spcAft>
+                <a:spcPts val="0"/>
+              </a:spcAft>
+              <a:buClr>
+                <a:schemeClr val="dk1"/>
+              </a:buClr>
+              <a:buSzPts val="1500"/>
+              <a:buChar char="●"/>
+            </a:pPr>
+            <a:r>
+              <a:rPr lang="en" sz="1500"/>
+              <a:t>All shows All TV Shows and Movies metadata on Netflix</a:t>
+            </a:r>
+            <a:endParaRPr sz="1500"/>
+          </a:p>
+          <a:p>
+            <a:pPr indent="-323850" lvl="0" marL="457200" rtl="0" algn="l">
+              <a:spcBef>
+                <a:spcPts val="0"/>
+              </a:spcBef>
+              <a:spcAft>
+                <a:spcPts val="0"/>
+              </a:spcAft>
+              <a:buClr>
+                <a:schemeClr val="dk1"/>
+              </a:buClr>
+              <a:buSzPts val="1500"/>
+              <a:buChar char="●"/>
+            </a:pPr>
+            <a:r>
+              <a:rPr lang="en" sz="1500"/>
+              <a:t>Details such as - cast, directors, ratings, release year, duration, title, country, date added, genre, and description</a:t>
+            </a:r>
+            <a:endParaRPr sz="1500"/>
+          </a:p>
+          <a:p>
+            <a:pPr indent="0" lvl="0" marL="457200" rtl="0" algn="l">
+              <a:spcBef>
+                <a:spcPts val="0"/>
+              </a:spcBef>
+              <a:spcAft>
+                <a:spcPts val="0"/>
+              </a:spcAft>
+              <a:buNone/>
+            </a:pPr>
+            <a:r>
+              <a:t/>
+            </a:r>
+            <a:endParaRPr sz="1500"/>
+          </a:p>
+          <a:p>
+            <a:pPr indent="0" lvl="0" marL="0" rtl="0" algn="l">
+              <a:spcBef>
+                <a:spcPts val="0"/>
+              </a:spcBef>
+              <a:spcAft>
+                <a:spcPts val="0"/>
+              </a:spcAft>
+              <a:buNone/>
+            </a:pPr>
+            <a:r>
+              <a:rPr lang="en" sz="1500"/>
+              <a:t>Implementation</a:t>
+            </a:r>
+            <a:endParaRPr sz="1500"/>
+          </a:p>
+          <a:p>
+            <a:pPr indent="-323850" lvl="0" marL="457200" rtl="0" algn="l">
+              <a:spcBef>
+                <a:spcPts val="0"/>
+              </a:spcBef>
+              <a:spcAft>
+                <a:spcPts val="0"/>
+              </a:spcAft>
+              <a:buSzPts val="1500"/>
+              <a:buChar char="●"/>
+            </a:pPr>
+            <a:r>
+              <a:rPr lang="en" sz="1500"/>
+              <a:t>We utilized Python to include the database we created</a:t>
+            </a:r>
+            <a:endParaRPr sz="1500"/>
+          </a:p>
+          <a:p>
+            <a:pPr indent="-323850" lvl="0" marL="457200" rtl="0" algn="l">
+              <a:spcBef>
+                <a:spcPts val="0"/>
+              </a:spcBef>
+              <a:spcAft>
+                <a:spcPts val="0"/>
+              </a:spcAft>
+              <a:buSzPts val="1500"/>
+              <a:buChar char="●"/>
+            </a:pPr>
+            <a:r>
+              <a:rPr lang="en" sz="1500"/>
+              <a:t>For the application, we used the Python terminal </a:t>
+            </a:r>
+            <a:endParaRPr sz="1500"/>
+          </a:p>
+          <a:p>
+            <a:pPr indent="-323850" lvl="0" marL="457200" rtl="0" algn="l">
+              <a:spcBef>
+                <a:spcPts val="0"/>
+              </a:spcBef>
+              <a:spcAft>
+                <a:spcPts val="0"/>
+              </a:spcAft>
+              <a:buSzPts val="1500"/>
+              <a:buChar char="●"/>
+            </a:pPr>
+            <a:r>
+              <a:rPr lang="en" sz="1500"/>
+              <a:t>Through the terminal, users can search, filter, add to favorites, and see a random title recommendation</a:t>
+            </a:r>
+            <a:endParaRPr sz="1500"/>
+          </a:p>
+        </p:txBody>
+      </p:sp>
+    </p:spTree>
+  </p:cSld>
+  <p:clrMapOvr>
+    <a:masterClrMapping/>
+  </p:clrMapOvr>
+</p:sld>
+</file>
+
+<file path=ppt/slides/slide4.xml><?xml version="1.0" encoding="utf-8"?>
+<p:sld xmlns:a="http://schemas.openxmlformats.org/drawingml/2006/main" xmlns:r="http://schemas.openxmlformats.org/officeDocument/2006/relationships" xmlns:mc="http://schemas.openxmlformats.org/markup-compatibility/2006" xmlns:mv="urn:schemas-microsoft-com:mac:vml" xmlns:p="http://schemas.openxmlformats.org/presentationml/2006/main" xmlns:c="http://schemas.openxmlformats.org/drawingml/2006/chart" xmlns:dgm="http://schemas.openxmlformats.org/drawingml/2006/diagram" xmlns:o="urn:schemas-microsoft-com:office:office" xmlns:v="urn:schemas-microsoft-com:vml" xmlns:pvml="urn:schemas-microsoft-com:office:powerpoint" xmlns:com="http://schemas.openxmlformats.org/drawingml/2006/compatibility" xmlns:p14="http://schemas.microsoft.com/office/powerpoint/2010/main" xmlns:p15="http://schemas.microsoft.com/office/powerpoint/2012/main" xmlns:ahyp="http://schemas.microsoft.com/office/drawing/2018/hyperlinkcolor">
+  <p:cSld>
+    <p:spTree>
+      <p:nvGrpSpPr>
+        <p:cNvPr id="210" name="Shape 210"/>
+        <p:cNvGrpSpPr/>
+        <p:nvPr/>
+      </p:nvGrpSpPr>
+      <p:grpSpPr>
+        <a:xfrm>
+          <a:off x="0" y="0"/>
+          <a:ext cx="0" cy="0"/>
+          <a:chOff x="0" y="0"/>
+          <a:chExt cx="0" cy="0"/>
+        </a:xfrm>
+      </p:grpSpPr>
+      <p:sp>
+        <p:nvSpPr>
+          <p:cNvPr id="211" name="Google Shape;211;p27"/>
+          <p:cNvSpPr txBox="1"/>
+          <p:nvPr>
+            <p:ph type="title"/>
+          </p:nvPr>
+        </p:nvSpPr>
+        <p:spPr>
+          <a:xfrm>
+            <a:off x="665100" y="499100"/>
+            <a:ext cx="6014400" cy="612600"/>
+          </a:xfrm>
+          <a:prstGeom prst="rect">
+            <a:avLst/>
+          </a:prstGeom>
+        </p:spPr>
+        <p:txBody>
+          <a:bodyPr anchorCtr="0" anchor="t" bIns="91425" lIns="91425" spcFirstLastPara="1" rIns="91425" wrap="square" tIns="91425">
+            <a:noAutofit/>
+          </a:bodyPr>
+          <a:lstStyle/>
+          <a:p>
+            <a:pPr indent="0" lvl="0" marL="0" rtl="0" algn="l">
+              <a:spcBef>
+                <a:spcPts val="0"/>
+              </a:spcBef>
+              <a:spcAft>
+                <a:spcPts val="0"/>
+              </a:spcAft>
+              <a:buNone/>
+            </a:pPr>
+            <a:r>
+              <a:rPr lang="en"/>
+              <a:t>Most Important Use-Cases</a:t>
+            </a:r>
+            <a:endParaRPr/>
+          </a:p>
+        </p:txBody>
+      </p:sp>
+      <p:sp>
+        <p:nvSpPr>
+          <p:cNvPr id="212" name="Google Shape;212;p27"/>
+          <p:cNvSpPr txBox="1"/>
+          <p:nvPr>
+            <p:ph idx="1" type="body"/>
+          </p:nvPr>
+        </p:nvSpPr>
+        <p:spPr>
+          <a:xfrm>
+            <a:off x="720000" y="1111700"/>
+            <a:ext cx="7901400" cy="3666000"/>
+          </a:xfrm>
+          <a:prstGeom prst="rect">
+            <a:avLst/>
+          </a:prstGeom>
+        </p:spPr>
+        <p:txBody>
+          <a:bodyPr anchorCtr="0" anchor="t" bIns="91425" lIns="91425" spcFirstLastPara="1" rIns="91425" wrap="square" tIns="91425">
+            <a:noAutofit/>
+          </a:bodyPr>
+          <a:lstStyle/>
+          <a:p>
+            <a:pPr indent="0" lvl="0" marL="0" rtl="0" algn="l">
+              <a:spcBef>
+                <a:spcPts val="0"/>
+              </a:spcBef>
+              <a:spcAft>
+                <a:spcPts val="0"/>
+              </a:spcAft>
+              <a:buNone/>
+            </a:pPr>
+            <a:r>
+              <a:t/>
+            </a:r>
+            <a:endParaRPr sz="1500"/>
+          </a:p>
+          <a:p>
+            <a:pPr indent="0" lvl="0" marL="0" rtl="0" algn="l">
+              <a:spcBef>
+                <a:spcPts val="0"/>
+              </a:spcBef>
+              <a:spcAft>
+                <a:spcPts val="0"/>
+              </a:spcAft>
+              <a:buNone/>
+            </a:pPr>
+            <a:r>
+              <a:rPr lang="en" sz="1500">
+                <a:solidFill>
+                  <a:srgbClr val="000000"/>
+                </a:solidFill>
+              </a:rPr>
+              <a:t>User Use Cases</a:t>
+            </a:r>
+            <a:endParaRPr sz="1500">
+              <a:solidFill>
+                <a:srgbClr val="000000"/>
+              </a:solidFill>
+            </a:endParaRPr>
+          </a:p>
+          <a:p>
+            <a:pPr indent="-323850" lvl="0" marL="457200" rtl="0" algn="l">
+              <a:spcBef>
+                <a:spcPts val="0"/>
+              </a:spcBef>
+              <a:spcAft>
+                <a:spcPts val="0"/>
+              </a:spcAft>
+              <a:buClr>
+                <a:srgbClr val="000000"/>
+              </a:buClr>
+              <a:buSzPts val="1500"/>
+              <a:buChar char="●"/>
+            </a:pPr>
+            <a:r>
+              <a:rPr lang="en" sz="1500">
+                <a:solidFill>
+                  <a:srgbClr val="000000"/>
+                </a:solidFill>
+              </a:rPr>
+              <a:t>Add to a favorite list</a:t>
+            </a:r>
+            <a:endParaRPr sz="1500">
+              <a:solidFill>
+                <a:srgbClr val="000000"/>
+              </a:solidFill>
+            </a:endParaRPr>
+          </a:p>
+          <a:p>
+            <a:pPr indent="-323850" lvl="0" marL="457200" rtl="0" algn="l">
+              <a:spcBef>
+                <a:spcPts val="0"/>
+              </a:spcBef>
+              <a:spcAft>
+                <a:spcPts val="0"/>
+              </a:spcAft>
+              <a:buClr>
+                <a:srgbClr val="000000"/>
+              </a:buClr>
+              <a:buSzPts val="1500"/>
+              <a:buChar char="●"/>
+            </a:pPr>
+            <a:r>
+              <a:rPr lang="en" sz="1500">
+                <a:solidFill>
+                  <a:srgbClr val="000000"/>
+                </a:solidFill>
+              </a:rPr>
+              <a:t>Choose how they would like their search to be filtered</a:t>
+            </a:r>
+            <a:endParaRPr sz="1500">
+              <a:solidFill>
+                <a:srgbClr val="000000"/>
+              </a:solidFill>
+            </a:endParaRPr>
+          </a:p>
+          <a:p>
+            <a:pPr indent="-323850" lvl="0" marL="457200" rtl="0" algn="l">
+              <a:spcBef>
+                <a:spcPts val="0"/>
+              </a:spcBef>
+              <a:spcAft>
+                <a:spcPts val="0"/>
+              </a:spcAft>
+              <a:buClr>
+                <a:srgbClr val="000000"/>
+              </a:buClr>
+              <a:buSzPts val="1500"/>
+              <a:buChar char="●"/>
+            </a:pPr>
+            <a:r>
+              <a:rPr lang="en" sz="1500">
+                <a:solidFill>
+                  <a:srgbClr val="000000"/>
+                </a:solidFill>
+              </a:rPr>
+              <a:t>Search for a specific title to see it is in the library</a:t>
+            </a:r>
+            <a:endParaRPr sz="1500">
+              <a:solidFill>
+                <a:srgbClr val="000000"/>
+              </a:solidFill>
+            </a:endParaRPr>
+          </a:p>
+          <a:p>
+            <a:pPr indent="0" lvl="0" marL="0" rtl="0" algn="l">
+              <a:spcBef>
+                <a:spcPts val="0"/>
+              </a:spcBef>
+              <a:spcAft>
+                <a:spcPts val="0"/>
+              </a:spcAft>
+              <a:buNone/>
+            </a:pPr>
+            <a:r>
+              <a:t/>
+            </a:r>
+            <a:endParaRPr sz="1500">
+              <a:solidFill>
+                <a:srgbClr val="000000"/>
+              </a:solidFill>
+            </a:endParaRPr>
+          </a:p>
+          <a:p>
+            <a:pPr indent="0" lvl="0" marL="0" rtl="0" algn="l">
+              <a:spcBef>
+                <a:spcPts val="0"/>
+              </a:spcBef>
+              <a:spcAft>
+                <a:spcPts val="0"/>
+              </a:spcAft>
+              <a:buNone/>
+            </a:pPr>
+            <a:r>
+              <a:rPr lang="en" sz="1500">
+                <a:solidFill>
+                  <a:srgbClr val="000000"/>
+                </a:solidFill>
+              </a:rPr>
+              <a:t>FilxFinder</a:t>
+            </a:r>
+            <a:r>
+              <a:rPr lang="en" sz="1500">
+                <a:solidFill>
+                  <a:srgbClr val="000000"/>
+                </a:solidFill>
+              </a:rPr>
+              <a:t> Use Cases</a:t>
+            </a:r>
+            <a:endParaRPr sz="1500">
+              <a:solidFill>
+                <a:srgbClr val="000000"/>
+              </a:solidFill>
+            </a:endParaRPr>
+          </a:p>
+          <a:p>
+            <a:pPr indent="-323850" lvl="0" marL="457200" rtl="0" algn="l">
+              <a:spcBef>
+                <a:spcPts val="0"/>
+              </a:spcBef>
+              <a:spcAft>
+                <a:spcPts val="0"/>
+              </a:spcAft>
+              <a:buClr>
+                <a:srgbClr val="000000"/>
+              </a:buClr>
+              <a:buSzPts val="1500"/>
+              <a:buChar char="●"/>
+            </a:pPr>
+            <a:r>
+              <a:rPr lang="en" sz="1500">
+                <a:solidFill>
+                  <a:srgbClr val="000000"/>
+                </a:solidFill>
+              </a:rPr>
+              <a:t>Keep record of liked titles while using the application</a:t>
+            </a:r>
+            <a:endParaRPr sz="1500">
+              <a:solidFill>
+                <a:srgbClr val="000000"/>
+              </a:solidFill>
+            </a:endParaRPr>
+          </a:p>
+          <a:p>
+            <a:pPr indent="-323850" lvl="0" marL="457200" rtl="0" algn="l">
+              <a:spcBef>
+                <a:spcPts val="0"/>
+              </a:spcBef>
+              <a:spcAft>
+                <a:spcPts val="0"/>
+              </a:spcAft>
+              <a:buClr>
+                <a:srgbClr val="000000"/>
+              </a:buClr>
+              <a:buSzPts val="1500"/>
+              <a:buChar char="●"/>
+            </a:pPr>
+            <a:r>
+              <a:rPr lang="en" sz="1500">
+                <a:solidFill>
+                  <a:srgbClr val="000000"/>
+                </a:solidFill>
+              </a:rPr>
+              <a:t>F</a:t>
+            </a:r>
+            <a:r>
+              <a:rPr lang="en" sz="1500">
+                <a:solidFill>
+                  <a:srgbClr val="000000"/>
+                </a:solidFill>
+              </a:rPr>
+              <a:t>ilter a recommendation based on different criterias</a:t>
+            </a:r>
+            <a:endParaRPr sz="1500">
+              <a:solidFill>
+                <a:srgbClr val="000000"/>
+              </a:solidFill>
+            </a:endParaRPr>
+          </a:p>
+          <a:p>
+            <a:pPr indent="-323850" lvl="0" marL="457200" rtl="0" algn="l">
+              <a:spcBef>
+                <a:spcPts val="0"/>
+              </a:spcBef>
+              <a:spcAft>
+                <a:spcPts val="0"/>
+              </a:spcAft>
+              <a:buClr>
+                <a:srgbClr val="000000"/>
+              </a:buClr>
+              <a:buSzPts val="1500"/>
+              <a:buChar char="●"/>
+            </a:pPr>
+            <a:r>
+              <a:rPr lang="en" sz="1500">
+                <a:solidFill>
+                  <a:srgbClr val="000000"/>
+                </a:solidFill>
+              </a:rPr>
+              <a:t>Generate a random show be recommended to the user</a:t>
+            </a:r>
+            <a:endParaRPr sz="1500"/>
+          </a:p>
+          <a:p>
+            <a:pPr indent="0" lvl="0" marL="0" rtl="0" algn="l">
+              <a:spcBef>
+                <a:spcPts val="0"/>
+              </a:spcBef>
+              <a:spcAft>
+                <a:spcPts val="0"/>
+              </a:spcAft>
+              <a:buNone/>
+            </a:pPr>
+            <a:r>
+              <a:t/>
+            </a:r>
+            <a:endParaRPr sz="1500"/>
+          </a:p>
+        </p:txBody>
+      </p:sp>
+    </p:spTree>
+  </p:cSld>
+  <p:clrMapOvr>
+    <a:masterClrMapping/>
+  </p:clrMapOvr>
+</p:sld>
+</file>
+
+<file path=ppt/slides/slide5.xml><?xml version="1.0" encoding="utf-8"?>
+<p:sld xmlns:a="http://schemas.openxmlformats.org/drawingml/2006/main" xmlns:r="http://schemas.openxmlformats.org/officeDocument/2006/relationships" xmlns:mc="http://schemas.openxmlformats.org/markup-compatibility/2006" xmlns:mv="urn:schemas-microsoft-com:mac:vml" xmlns:p="http://schemas.openxmlformats.org/presentationml/2006/main" xmlns:c="http://schemas.openxmlformats.org/drawingml/2006/chart" xmlns:dgm="http://schemas.openxmlformats.org/drawingml/2006/diagram" xmlns:o="urn:schemas-microsoft-com:office:office" xmlns:v="urn:schemas-microsoft-com:vml" xmlns:pvml="urn:schemas-microsoft-com:office:powerpoint" xmlns:com="http://schemas.openxmlformats.org/drawingml/2006/compatibility" xmlns:p14="http://schemas.microsoft.com/office/powerpoint/2010/main" xmlns:p15="http://schemas.microsoft.com/office/powerpoint/2012/main" xmlns:ahyp="http://schemas.microsoft.com/office/drawing/2018/hyperlinkcolor">
+  <p:cSld>
+    <p:spTree>
+      <p:nvGrpSpPr>
+        <p:cNvPr id="216" name="Shape 216"/>
+        <p:cNvGrpSpPr/>
+        <p:nvPr/>
+      </p:nvGrpSpPr>
+      <p:grpSpPr>
+        <a:xfrm>
+          <a:off x="0" y="0"/>
+          <a:ext cx="0" cy="0"/>
+          <a:chOff x="0" y="0"/>
+          <a:chExt cx="0" cy="0"/>
+        </a:xfrm>
+      </p:grpSpPr>
+      <p:sp>
+        <p:nvSpPr>
+          <p:cNvPr id="217" name="Google Shape;217;p28"/>
+          <p:cNvSpPr/>
+          <p:nvPr/>
+        </p:nvSpPr>
+        <p:spPr>
+          <a:xfrm>
+            <a:off x="2094925" y="696600"/>
+            <a:ext cx="6900900" cy="4173300"/>
+          </a:xfrm>
+          <a:prstGeom prst="rect">
+            <a:avLst/>
+          </a:prstGeom>
+          <a:noFill/>
+          <a:ln cap="flat" cmpd="sng" w="9525">
+            <a:solidFill>
+              <a:srgbClr val="9E9E9E"/>
+            </a:solidFill>
+            <a:prstDash val="solid"/>
+            <a:round/>
+            <a:headEnd len="sm" w="sm" type="none"/>
+            <a:tailEnd len="sm" w="sm" type="none"/>
+          </a:ln>
+        </p:spPr>
+        <p:txBody>
+          <a:bodyPr anchorCtr="0" anchor="ctr" bIns="91425" lIns="91425" spcFirstLastPara="1" rIns="91425" wrap="square" tIns="91425">
+            <a:noAutofit/>
+          </a:bodyPr>
+          <a:lstStyle/>
+          <a:p>
+            <a:pPr indent="0" lvl="0" marL="0" rtl="0" algn="l">
+              <a:spcBef>
+                <a:spcPts val="0"/>
+              </a:spcBef>
+              <a:spcAft>
+                <a:spcPts val="0"/>
+              </a:spcAft>
+              <a:buNone/>
+            </a:pPr>
+            <a:r>
+              <a:t/>
+            </a:r>
+            <a:endParaRPr/>
+          </a:p>
+        </p:txBody>
+      </p:sp>
+      <p:sp>
+        <p:nvSpPr>
+          <p:cNvPr id="218" name="Google Shape;218;p28"/>
           <p:cNvSpPr/>
           <p:nvPr/>
         </p:nvSpPr>
@@ -23647,7 +24544,7 @@
       </p:sp>
       <p:sp>
         <p:nvSpPr>
-          <p:cNvPr id="206" name="Google Shape;206;p26"/>
+          <p:cNvPr id="219" name="Google Shape;219;p28"/>
           <p:cNvSpPr/>
           <p:nvPr/>
         </p:nvSpPr>
@@ -23736,7 +24633,7 @@
       </p:sp>
       <p:sp>
         <p:nvSpPr>
-          <p:cNvPr id="207" name="Google Shape;207;p26"/>
+          <p:cNvPr id="220" name="Google Shape;220;p28"/>
           <p:cNvSpPr/>
           <p:nvPr/>
         </p:nvSpPr>
@@ -23795,7 +24692,7 @@
       </p:sp>
       <p:sp>
         <p:nvSpPr>
-          <p:cNvPr id="208" name="Google Shape;208;p26"/>
+          <p:cNvPr id="221" name="Google Shape;221;p28"/>
           <p:cNvSpPr/>
           <p:nvPr/>
         </p:nvSpPr>
@@ -23840,7 +24737,7 @@
       </p:sp>
       <p:sp>
         <p:nvSpPr>
-          <p:cNvPr id="209" name="Google Shape;209;p26"/>
+          <p:cNvPr id="222" name="Google Shape;222;p28"/>
           <p:cNvSpPr txBox="1"/>
           <p:nvPr>
             <p:ph type="ctrTitle"/>
@@ -23848,8 +24745,8 @@
         </p:nvSpPr>
         <p:spPr>
           <a:xfrm>
-            <a:off x="2490200" y="43525"/>
-            <a:ext cx="4869600" cy="652800"/>
+            <a:off x="2240600" y="43500"/>
+            <a:ext cx="5352900" cy="652800"/>
           </a:xfrm>
           <a:prstGeom prst="rect">
             <a:avLst/>
@@ -23872,7 +24769,11 @@
             </a:pPr>
             <a:r>
               <a:rPr lang="en" sz="3200"/>
-              <a:t>Use -Case Diagram</a:t>
+              <a:t>Use -Case </a:t>
+            </a:r>
+            <a:r>
+              <a:rPr lang="en" sz="3200"/>
+              <a:t>Description</a:t>
             </a:r>
             <a:endParaRPr b="0" sz="3200">
               <a:latin typeface="Poppins Black"/>
@@ -23885,13 +24786,13 @@
       </p:sp>
       <p:sp>
         <p:nvSpPr>
-          <p:cNvPr id="210" name="Google Shape;210;p26"/>
+          <p:cNvPr id="223" name="Google Shape;223;p28"/>
           <p:cNvSpPr/>
           <p:nvPr/>
         </p:nvSpPr>
         <p:spPr>
           <a:xfrm>
-            <a:off x="655013" y="2511140"/>
+            <a:off x="590825" y="2538340"/>
             <a:ext cx="1306500" cy="633000"/>
           </a:xfrm>
           <a:prstGeom prst="ellipse">
@@ -23945,13 +24846,13 @@
       </p:sp>
       <p:sp>
         <p:nvSpPr>
-          <p:cNvPr id="211" name="Google Shape;211;p26"/>
+          <p:cNvPr id="224" name="Google Shape;224;p28"/>
           <p:cNvSpPr/>
           <p:nvPr/>
         </p:nvSpPr>
         <p:spPr>
           <a:xfrm>
-            <a:off x="4819003" y="2105488"/>
+            <a:off x="4757212" y="3362425"/>
             <a:ext cx="1306500" cy="633000"/>
           </a:xfrm>
           <a:prstGeom prst="ellipse">
@@ -23992,7 +24893,7 @@
                 <a:cs typeface="Poppins"/>
                 <a:sym typeface="Poppins"/>
               </a:rPr>
-              <a:t>Dislike</a:t>
+              <a:t>Favorite</a:t>
             </a:r>
             <a:endParaRPr>
               <a:latin typeface="Poppins"/>
@@ -24005,13 +24906,13 @@
       </p:sp>
       <p:sp>
         <p:nvSpPr>
-          <p:cNvPr id="212" name="Google Shape;212;p26"/>
+          <p:cNvPr id="225" name="Google Shape;225;p28"/>
           <p:cNvSpPr/>
           <p:nvPr/>
         </p:nvSpPr>
         <p:spPr>
           <a:xfrm>
-            <a:off x="4858050" y="3170537"/>
+            <a:off x="2691878" y="2559450"/>
             <a:ext cx="1306500" cy="633000"/>
           </a:xfrm>
           <a:prstGeom prst="ellipse">
@@ -24052,7 +24953,7 @@
                 <a:cs typeface="Poppins"/>
                 <a:sym typeface="Poppins"/>
               </a:rPr>
-              <a:t>Like</a:t>
+              <a:t>Filter</a:t>
             </a:r>
             <a:endParaRPr>
               <a:latin typeface="Poppins"/>
@@ -24065,13 +24966,13 @@
       </p:sp>
       <p:sp>
         <p:nvSpPr>
-          <p:cNvPr id="213" name="Google Shape;213;p26"/>
+          <p:cNvPr id="226" name="Google Shape;226;p28"/>
           <p:cNvSpPr/>
           <p:nvPr/>
         </p:nvSpPr>
         <p:spPr>
           <a:xfrm>
-            <a:off x="2756066" y="2532250"/>
+            <a:off x="2683453" y="3971650"/>
             <a:ext cx="1306500" cy="633000"/>
           </a:xfrm>
           <a:prstGeom prst="ellipse">
@@ -24106,15 +25007,210 @@
               <a:buNone/>
             </a:pPr>
             <a:r>
-              <a:rPr lang="en">
+              <a:rPr lang="en" sz="1300">
                 <a:latin typeface="Poppins"/>
                 <a:ea typeface="Poppins"/>
                 <a:cs typeface="Poppins"/>
                 <a:sym typeface="Poppins"/>
               </a:rPr>
-              <a:t>Filter</a:t>
+              <a:t>Random</a:t>
             </a:r>
-            <a:endParaRPr>
+            <a:endParaRPr sz="1300">
+              <a:latin typeface="Poppins"/>
+              <a:ea typeface="Poppins"/>
+              <a:cs typeface="Poppins"/>
+              <a:sym typeface="Poppins"/>
+            </a:endParaRPr>
+          </a:p>
+        </p:txBody>
+      </p:sp>
+      <p:pic>
+        <p:nvPicPr>
+          <p:cNvPr id="227" name="Google Shape;227;p28"/>
+          <p:cNvPicPr preferRelativeResize="0"/>
+          <p:nvPr/>
+        </p:nvPicPr>
+        <p:blipFill>
+          <a:blip r:embed="rId3">
+            <a:alphaModFix/>
+          </a:blip>
+          <a:stretch>
+            <a:fillRect/>
+          </a:stretch>
+        </p:blipFill>
+        <p:spPr>
+          <a:xfrm>
+            <a:off x="968850" y="3338475"/>
+            <a:ext cx="550476" cy="917150"/>
+          </a:xfrm>
+          <a:prstGeom prst="rect">
+            <a:avLst/>
+          </a:prstGeom>
+          <a:noFill/>
+          <a:ln>
+            <a:noFill/>
+          </a:ln>
+        </p:spPr>
+      </p:pic>
+      <p:cxnSp>
+        <p:nvCxnSpPr>
+          <p:cNvPr id="228" name="Google Shape;228;p28"/>
+          <p:cNvCxnSpPr>
+            <a:stCxn id="223" idx="6"/>
+            <a:endCxn id="225" idx="2"/>
+          </p:cNvCxnSpPr>
+          <p:nvPr/>
+        </p:nvCxnSpPr>
+        <p:spPr>
+          <a:xfrm>
+            <a:off x="1897325" y="2854840"/>
+            <a:ext cx="794700" cy="21000"/>
+          </a:xfrm>
+          <a:prstGeom prst="straightConnector1">
+            <a:avLst/>
+          </a:prstGeom>
+          <a:noFill/>
+          <a:ln cap="flat" cmpd="sng" w="9525">
+            <a:solidFill>
+              <a:schemeClr val="dk2"/>
+            </a:solidFill>
+            <a:prstDash val="solid"/>
+            <a:round/>
+            <a:headEnd len="med" w="med" type="none"/>
+            <a:tailEnd len="med" w="med" type="none"/>
+          </a:ln>
+        </p:spPr>
+      </p:cxnSp>
+      <p:cxnSp>
+        <p:nvCxnSpPr>
+          <p:cNvPr id="229" name="Google Shape;229;p28"/>
+          <p:cNvCxnSpPr>
+            <a:endCxn id="224" idx="2"/>
+          </p:cNvCxnSpPr>
+          <p:nvPr/>
+        </p:nvCxnSpPr>
+        <p:spPr>
+          <a:xfrm>
+            <a:off x="3605212" y="3162025"/>
+            <a:ext cx="1152000" cy="516900"/>
+          </a:xfrm>
+          <a:prstGeom prst="straightConnector1">
+            <a:avLst/>
+          </a:prstGeom>
+          <a:noFill/>
+          <a:ln cap="flat" cmpd="sng" w="9525">
+            <a:solidFill>
+              <a:schemeClr val="dk2"/>
+            </a:solidFill>
+            <a:prstDash val="solid"/>
+            <a:round/>
+            <a:headEnd len="med" w="med" type="none"/>
+            <a:tailEnd len="med" w="med" type="none"/>
+          </a:ln>
+        </p:spPr>
+      </p:cxnSp>
+      <p:cxnSp>
+        <p:nvCxnSpPr>
+          <p:cNvPr id="230" name="Google Shape;230;p28"/>
+          <p:cNvCxnSpPr>
+            <a:stCxn id="225" idx="4"/>
+            <a:endCxn id="226" idx="0"/>
+          </p:cNvCxnSpPr>
+          <p:nvPr/>
+        </p:nvCxnSpPr>
+        <p:spPr>
+          <a:xfrm flipH="1">
+            <a:off x="3336728" y="3192450"/>
+            <a:ext cx="8400" cy="779100"/>
+          </a:xfrm>
+          <a:prstGeom prst="straightConnector1">
+            <a:avLst/>
+          </a:prstGeom>
+          <a:noFill/>
+          <a:ln cap="flat" cmpd="sng" w="9525">
+            <a:solidFill>
+              <a:schemeClr val="dk2"/>
+            </a:solidFill>
+            <a:prstDash val="solid"/>
+            <a:round/>
+            <a:headEnd len="med" w="med" type="none"/>
+            <a:tailEnd len="med" w="med" type="none"/>
+          </a:ln>
+        </p:spPr>
+      </p:cxnSp>
+      <p:cxnSp>
+        <p:nvCxnSpPr>
+          <p:cNvPr id="231" name="Google Shape;231;p28"/>
+          <p:cNvCxnSpPr>
+            <a:stCxn id="223" idx="5"/>
+            <a:endCxn id="226" idx="1"/>
+          </p:cNvCxnSpPr>
+          <p:nvPr/>
+        </p:nvCxnSpPr>
+        <p:spPr>
+          <a:xfrm>
+            <a:off x="1705993" y="3078639"/>
+            <a:ext cx="1168800" cy="985800"/>
+          </a:xfrm>
+          <a:prstGeom prst="straightConnector1">
+            <a:avLst/>
+          </a:prstGeom>
+          <a:noFill/>
+          <a:ln cap="flat" cmpd="sng" w="9525">
+            <a:solidFill>
+              <a:schemeClr val="dk2"/>
+            </a:solidFill>
+            <a:prstDash val="solid"/>
+            <a:round/>
+            <a:headEnd len="med" w="med" type="none"/>
+            <a:tailEnd len="med" w="med" type="none"/>
+          </a:ln>
+        </p:spPr>
+      </p:cxnSp>
+      <p:sp>
+        <p:nvSpPr>
+          <p:cNvPr id="232" name="Google Shape;232;p28"/>
+          <p:cNvSpPr txBox="1"/>
+          <p:nvPr/>
+        </p:nvSpPr>
+        <p:spPr>
+          <a:xfrm>
+            <a:off x="3336725" y="3445275"/>
+            <a:ext cx="632700" cy="369300"/>
+          </a:xfrm>
+          <a:prstGeom prst="rect">
+            <a:avLst/>
+          </a:prstGeom>
+          <a:noFill/>
+          <a:ln>
+            <a:noFill/>
+          </a:ln>
+        </p:spPr>
+        <p:txBody>
+          <a:bodyPr anchorCtr="0" anchor="t" bIns="91425" lIns="91425" spcFirstLastPara="1" rIns="91425" wrap="square" tIns="91425">
+            <a:spAutoFit/>
+          </a:bodyPr>
+          <a:lstStyle/>
+          <a:p>
+            <a:pPr indent="0" lvl="0" marL="0" rtl="0" algn="l">
+              <a:spcBef>
+                <a:spcPts val="0"/>
+              </a:spcBef>
+              <a:spcAft>
+                <a:spcPts val="0"/>
+              </a:spcAft>
+              <a:buNone/>
+            </a:pPr>
+            <a:r>
+              <a:rPr lang="en" sz="1200">
+                <a:latin typeface="Poppins"/>
+                <a:ea typeface="Poppins"/>
+                <a:cs typeface="Poppins"/>
+                <a:sym typeface="Poppins"/>
+              </a:rPr>
+              <a:t>Uses</a:t>
+            </a:r>
+            <a:endParaRPr sz="1200">
               <a:latin typeface="Poppins"/>
               <a:ea typeface="Poppins"/>
               <a:cs typeface="Poppins"/>
@@ -24125,13 +25221,65 @@
       </p:sp>
       <p:sp>
         <p:nvSpPr>
-          <p:cNvPr id="214" name="Google Shape;214;p26"/>
+          <p:cNvPr id="233" name="Google Shape;233;p28"/>
+          <p:cNvSpPr txBox="1"/>
+          <p:nvPr/>
+        </p:nvSpPr>
+        <p:spPr>
+          <a:xfrm>
+            <a:off x="4261325" y="3099750"/>
+            <a:ext cx="804000" cy="369300"/>
+          </a:xfrm>
+          <a:prstGeom prst="rect">
+            <a:avLst/>
+          </a:prstGeom>
+          <a:noFill/>
+          <a:ln>
+            <a:noFill/>
+          </a:ln>
+        </p:spPr>
+        <p:txBody>
+          <a:bodyPr anchorCtr="0" anchor="t" bIns="91425" lIns="91425" spcFirstLastPara="1" rIns="91425" wrap="square" tIns="91425">
+            <a:spAutoFit/>
+          </a:bodyPr>
+          <a:lstStyle/>
+          <a:p>
+            <a:pPr indent="0" lvl="0" marL="0" rtl="0" algn="l">
+              <a:spcBef>
+                <a:spcPts val="0"/>
+              </a:spcBef>
+              <a:spcAft>
+                <a:spcPts val="0"/>
+              </a:spcAft>
+              <a:buNone/>
+            </a:pPr>
+            <a:r>
+              <a:rPr lang="en" sz="1200">
+                <a:latin typeface="Poppins"/>
+                <a:ea typeface="Poppins"/>
+                <a:cs typeface="Poppins"/>
+                <a:sym typeface="Poppins"/>
+              </a:rPr>
+              <a:t>Extend</a:t>
+            </a:r>
+            <a:endParaRPr sz="1200">
+              <a:latin typeface="Poppins"/>
+              <a:ea typeface="Poppins"/>
+              <a:cs typeface="Poppins"/>
+              <a:sym typeface="Poppins"/>
+            </a:endParaRPr>
+          </a:p>
+        </p:txBody>
+      </p:sp>
+      <p:sp>
+        <p:nvSpPr>
+          <p:cNvPr id="234" name="Google Shape;234;p28"/>
           <p:cNvSpPr/>
           <p:nvPr/>
         </p:nvSpPr>
         <p:spPr>
           <a:xfrm>
-            <a:off x="2747641" y="3944450"/>
+            <a:off x="2693503" y="1033900"/>
             <a:ext cx="1306500" cy="633000"/>
           </a:xfrm>
           <a:prstGeom prst="ellipse">
@@ -24166,15 +25314,15 @@
               <a:buNone/>
             </a:pPr>
             <a:r>
-              <a:rPr lang="en" sz="1300">
+              <a:rPr lang="en">
                 <a:latin typeface="Poppins"/>
                 <a:ea typeface="Poppins"/>
                 <a:cs typeface="Poppins"/>
                 <a:sym typeface="Poppins"/>
               </a:rPr>
-              <a:t>Random</a:t>
+              <a:t>Search</a:t>
             </a:r>
-            <a:endParaRPr sz="1300">
+            <a:endParaRPr>
               <a:latin typeface="Poppins"/>
               <a:ea typeface="Poppins"/>
               <a:cs typeface="Poppins"/>
@@ -24183,24 +25331,74 @@
           </a:p>
         </p:txBody>
       </p:sp>
-      <p:pic>
-        <p:nvPicPr>
-          <p:cNvPr id="215" name="Google Shape;215;p26"/>
-          <p:cNvPicPr preferRelativeResize="0"/>
+      <p:cxnSp>
+        <p:nvCxnSpPr>
+          <p:cNvPr id="235" name="Google Shape;235;p28"/>
+          <p:cNvCxnSpPr>
+            <a:stCxn id="223" idx="7"/>
+            <a:endCxn id="234" idx="3"/>
+          </p:cNvCxnSpPr>
           <p:nvPr/>
-        </p:nvPicPr>
-        <p:blipFill>
-          <a:blip r:embed="rId3">
-            <a:alphaModFix/>
-          </a:blip>
-          <a:stretch>
-            <a:fillRect/>
-          </a:stretch>
-        </p:blipFill>
+        </p:nvCxnSpPr>
+        <p:spPr>
+          <a:xfrm flipH="1" rot="10800000">
+            <a:off x="1705993" y="1574140"/>
+            <a:ext cx="1178700" cy="1056900"/>
+          </a:xfrm>
+          <a:prstGeom prst="straightConnector1">
+            <a:avLst/>
+          </a:prstGeom>
+          <a:noFill/>
+          <a:ln cap="flat" cmpd="sng" w="9525">
+            <a:solidFill>
+              <a:schemeClr val="dk2"/>
+            </a:solidFill>
+            <a:prstDash val="solid"/>
+            <a:round/>
+            <a:headEnd len="med" w="med" type="none"/>
+            <a:tailEnd len="med" w="med" type="none"/>
+          </a:ln>
+        </p:spPr>
+      </p:cxnSp>
+      <p:cxnSp>
+        <p:nvCxnSpPr>
+          <p:cNvPr id="236" name="Google Shape;236;p28"/>
+          <p:cNvCxnSpPr>
+            <a:stCxn id="225" idx="0"/>
+            <a:endCxn id="234" idx="4"/>
+          </p:cNvCxnSpPr>
+          <p:nvPr/>
+        </p:nvCxnSpPr>
+        <p:spPr>
+          <a:xfrm flipH="1" rot="10800000">
+            <a:off x="3345128" y="1666950"/>
+            <a:ext cx="1500" cy="892500"/>
+          </a:xfrm>
+          <a:prstGeom prst="straightConnector1">
+            <a:avLst/>
+          </a:prstGeom>
+          <a:noFill/>
+          <a:ln cap="flat" cmpd="sng" w="9525">
+            <a:solidFill>
+              <a:schemeClr val="dk2"/>
+            </a:solidFill>
+            <a:prstDash val="solid"/>
+            <a:round/>
+            <a:headEnd len="med" w="med" type="none"/>
+            <a:tailEnd len="med" w="med" type="none"/>
+          </a:ln>
+        </p:spPr>
+      </p:cxnSp>
+      <p:sp>
+        <p:nvSpPr>
+          <p:cNvPr id="237" name="Google Shape;237;p28"/>
+          <p:cNvSpPr txBox="1"/>
+          <p:nvPr/>
+        </p:nvSpPr>
         <p:spPr>
           <a:xfrm>
-            <a:off x="1033025" y="3144150"/>
-            <a:ext cx="550476" cy="917150"/>
+            <a:off x="2754375" y="1899750"/>
+            <a:ext cx="632700" cy="369300"/>
           </a:xfrm>
           <a:prstGeom prst="rect">
             <a:avLst/>
@@ -24210,16 +25408,92 @@
             <a:noFill/>
           </a:ln>
         </p:spPr>
-      </p:pic>
+        <p:txBody>
+          <a:bodyPr anchorCtr="0" anchor="t" bIns="91425" lIns="91425" spcFirstLastPara="1" rIns="91425" wrap="square" tIns="91425">
+            <a:spAutoFit/>
+          </a:bodyPr>
+          <a:lstStyle/>
+          <a:p>
+            <a:pPr indent="0" lvl="0" marL="0" rtl="0" algn="l">
+              <a:spcBef>
+                <a:spcPts val="0"/>
+              </a:spcBef>
+              <a:spcAft>
+                <a:spcPts val="0"/>
+              </a:spcAft>
+              <a:buNone/>
+            </a:pPr>
+            <a:r>
+              <a:rPr lang="en" sz="1200">
+                <a:latin typeface="Poppins"/>
+                <a:ea typeface="Poppins"/>
+                <a:cs typeface="Poppins"/>
+                <a:sym typeface="Poppins"/>
+              </a:rPr>
+              <a:t>Uses</a:t>
+            </a:r>
+            <a:endParaRPr sz="1200">
+              <a:latin typeface="Poppins"/>
+              <a:ea typeface="Poppins"/>
+              <a:cs typeface="Poppins"/>
+              <a:sym typeface="Poppins"/>
+            </a:endParaRPr>
+          </a:p>
+        </p:txBody>
+      </p:sp>
       <p:sp>
         <p:nvSpPr>
-          <p:cNvPr id="216" name="Google Shape;216;p26"/>
+          <p:cNvPr id="238" name="Google Shape;238;p28"/>
+          <p:cNvSpPr txBox="1"/>
+          <p:nvPr>
+            <p:ph idx="1" type="subTitle"/>
+          </p:nvPr>
+        </p:nvSpPr>
+        <p:spPr>
+          <a:xfrm>
+            <a:off x="3501625" y="703400"/>
+            <a:ext cx="4269000" cy="369300"/>
+          </a:xfrm>
+          <a:prstGeom prst="rect">
+            <a:avLst/>
+          </a:prstGeom>
+        </p:spPr>
+        <p:txBody>
+          <a:bodyPr anchorCtr="0" anchor="t" bIns="91425" lIns="91425" spcFirstLastPara="1" rIns="91425" wrap="square" tIns="91425">
+            <a:noAutofit/>
+          </a:bodyPr>
+          <a:lstStyle/>
+          <a:p>
+            <a:pPr indent="0" lvl="0" marL="0" rtl="0" algn="ctr">
+              <a:spcBef>
+                <a:spcPts val="0"/>
+              </a:spcBef>
+              <a:spcAft>
+                <a:spcPts val="0"/>
+              </a:spcAft>
+              <a:buNone/>
+            </a:pPr>
+            <a:r>
+              <a:rPr b="1" lang="en" sz="1300"/>
+              <a:t>FlixFinder</a:t>
+            </a:r>
+            <a:r>
+              <a:rPr b="1" lang="en" sz="1300"/>
+              <a:t> Application</a:t>
+            </a:r>
+            <a:endParaRPr b="1" sz="1300"/>
+          </a:p>
+        </p:txBody>
+      </p:sp>
+      <p:sp>
+        <p:nvSpPr>
+          <p:cNvPr id="239" name="Google Shape;239;p28"/>
           <p:cNvSpPr/>
           <p:nvPr/>
         </p:nvSpPr>
         <p:spPr>
           <a:xfrm>
-            <a:off x="6968453" y="3170513"/>
+            <a:off x="3807062" y="1769725"/>
             <a:ext cx="1306500" cy="633000"/>
           </a:xfrm>
           <a:prstGeom prst="ellipse">
@@ -24260,7 +25534,7 @@
                 <a:cs typeface="Poppins"/>
                 <a:sym typeface="Poppins"/>
               </a:rPr>
-              <a:t>Remove Like</a:t>
+              <a:t>Genre</a:t>
             </a:r>
             <a:endParaRPr>
               <a:latin typeface="Poppins"/>
@@ -24271,397 +25545,15 @@
           </a:p>
         </p:txBody>
       </p:sp>
-      <p:cxnSp>
-        <p:nvCxnSpPr>
-          <p:cNvPr id="217" name="Google Shape;217;p26"/>
-          <p:cNvCxnSpPr>
-            <a:stCxn id="210" idx="6"/>
-            <a:endCxn id="213" idx="2"/>
-          </p:cNvCxnSpPr>
-          <p:nvPr/>
-        </p:nvCxnSpPr>
-        <p:spPr>
-          <a:xfrm>
-            <a:off x="1961513" y="2827640"/>
-            <a:ext cx="794700" cy="21000"/>
-          </a:xfrm>
-          <a:prstGeom prst="straightConnector1">
-            <a:avLst/>
-          </a:prstGeom>
-          <a:noFill/>
-          <a:ln cap="flat" cmpd="sng" w="9525">
-            <a:solidFill>
-              <a:schemeClr val="dk2"/>
-            </a:solidFill>
-            <a:prstDash val="solid"/>
-            <a:round/>
-            <a:headEnd len="med" w="med" type="none"/>
-            <a:tailEnd len="med" w="med" type="none"/>
-          </a:ln>
-        </p:spPr>
-      </p:cxnSp>
-      <p:cxnSp>
-        <p:nvCxnSpPr>
-          <p:cNvPr id="218" name="Google Shape;218;p26"/>
-          <p:cNvCxnSpPr>
-            <a:stCxn id="213" idx="7"/>
-            <a:endCxn id="211" idx="2"/>
-          </p:cNvCxnSpPr>
-          <p:nvPr/>
-        </p:nvCxnSpPr>
-        <p:spPr>
-          <a:xfrm flipH="1" rot="10800000">
-            <a:off x="3871233" y="2421850"/>
-            <a:ext cx="947700" cy="203100"/>
-          </a:xfrm>
-          <a:prstGeom prst="straightConnector1">
-            <a:avLst/>
-          </a:prstGeom>
-          <a:noFill/>
-          <a:ln cap="flat" cmpd="sng" w="9525">
-            <a:solidFill>
-              <a:schemeClr val="dk2"/>
-            </a:solidFill>
-            <a:prstDash val="solid"/>
-            <a:round/>
-            <a:headEnd len="med" w="med" type="none"/>
-            <a:tailEnd len="med" w="med" type="none"/>
-          </a:ln>
-        </p:spPr>
-      </p:cxnSp>
-      <p:cxnSp>
-        <p:nvCxnSpPr>
-          <p:cNvPr id="219" name="Google Shape;219;p26"/>
-          <p:cNvCxnSpPr>
-            <a:stCxn id="213" idx="5"/>
-            <a:endCxn id="212" idx="2"/>
-          </p:cNvCxnSpPr>
-          <p:nvPr/>
-        </p:nvCxnSpPr>
-        <p:spPr>
-          <a:xfrm>
-            <a:off x="3871233" y="3072549"/>
-            <a:ext cx="986700" cy="414600"/>
-          </a:xfrm>
-          <a:prstGeom prst="straightConnector1">
-            <a:avLst/>
-          </a:prstGeom>
-          <a:noFill/>
-          <a:ln cap="flat" cmpd="sng" w="9525">
-            <a:solidFill>
-              <a:schemeClr val="dk2"/>
-            </a:solidFill>
-            <a:prstDash val="solid"/>
-            <a:round/>
-            <a:headEnd len="med" w="med" type="none"/>
-            <a:tailEnd len="med" w="med" type="none"/>
-          </a:ln>
-        </p:spPr>
-      </p:cxnSp>
-      <p:cxnSp>
-        <p:nvCxnSpPr>
-          <p:cNvPr id="220" name="Google Shape;220;p26"/>
-          <p:cNvCxnSpPr>
-            <a:stCxn id="212" idx="6"/>
-            <a:endCxn id="216" idx="2"/>
-          </p:cNvCxnSpPr>
-          <p:nvPr/>
-        </p:nvCxnSpPr>
-        <p:spPr>
-          <a:xfrm>
-            <a:off x="6164550" y="3487037"/>
-            <a:ext cx="804000" cy="0"/>
-          </a:xfrm>
-          <a:prstGeom prst="straightConnector1">
-            <a:avLst/>
-          </a:prstGeom>
-          <a:noFill/>
-          <a:ln cap="flat" cmpd="sng" w="9525">
-            <a:solidFill>
-              <a:schemeClr val="dk2"/>
-            </a:solidFill>
-            <a:prstDash val="solid"/>
-            <a:round/>
-            <a:headEnd len="med" w="med" type="none"/>
-            <a:tailEnd len="med" w="med" type="none"/>
-          </a:ln>
-        </p:spPr>
-      </p:cxnSp>
-      <p:cxnSp>
-        <p:nvCxnSpPr>
-          <p:cNvPr id="221" name="Google Shape;221;p26"/>
-          <p:cNvCxnSpPr>
-            <a:stCxn id="213" idx="4"/>
-            <a:endCxn id="214" idx="0"/>
-          </p:cNvCxnSpPr>
-          <p:nvPr/>
-        </p:nvCxnSpPr>
-        <p:spPr>
-          <a:xfrm flipH="1">
-            <a:off x="3400916" y="3165250"/>
-            <a:ext cx="8400" cy="779100"/>
-          </a:xfrm>
-          <a:prstGeom prst="straightConnector1">
-            <a:avLst/>
-          </a:prstGeom>
-          <a:noFill/>
-          <a:ln cap="flat" cmpd="sng" w="9525">
-            <a:solidFill>
-              <a:schemeClr val="dk2"/>
-            </a:solidFill>
-            <a:prstDash val="solid"/>
-            <a:round/>
-            <a:headEnd len="med" w="med" type="none"/>
-            <a:tailEnd len="med" w="med" type="none"/>
-          </a:ln>
-        </p:spPr>
-      </p:cxnSp>
-      <p:cxnSp>
-        <p:nvCxnSpPr>
-          <p:cNvPr id="222" name="Google Shape;222;p26"/>
-          <p:cNvCxnSpPr>
-            <a:stCxn id="210" idx="5"/>
-            <a:endCxn id="214" idx="1"/>
-          </p:cNvCxnSpPr>
-          <p:nvPr/>
-        </p:nvCxnSpPr>
-        <p:spPr>
-          <a:xfrm>
-            <a:off x="1770180" y="3051439"/>
-            <a:ext cx="1168800" cy="985800"/>
-          </a:xfrm>
-          <a:prstGeom prst="straightConnector1">
-            <a:avLst/>
-          </a:prstGeom>
-          <a:noFill/>
-          <a:ln cap="flat" cmpd="sng" w="9525">
-            <a:solidFill>
-              <a:schemeClr val="dk2"/>
-            </a:solidFill>
-            <a:prstDash val="solid"/>
-            <a:round/>
-            <a:headEnd len="med" w="med" type="none"/>
-            <a:tailEnd len="med" w="med" type="none"/>
-          </a:ln>
-        </p:spPr>
-      </p:cxnSp>
       <p:sp>
         <p:nvSpPr>
-          <p:cNvPr id="223" name="Google Shape;223;p26"/>
-          <p:cNvSpPr txBox="1"/>
-          <p:nvPr/>
-        </p:nvSpPr>
-        <p:spPr>
-          <a:xfrm>
-            <a:off x="3400913" y="3418075"/>
-            <a:ext cx="632700" cy="369300"/>
-          </a:xfrm>
-          <a:prstGeom prst="rect">
-            <a:avLst/>
-          </a:prstGeom>
-          <a:noFill/>
-          <a:ln>
-            <a:noFill/>
-          </a:ln>
-        </p:spPr>
-        <p:txBody>
-          <a:bodyPr anchorCtr="0" anchor="t" bIns="91425" lIns="91425" spcFirstLastPara="1" rIns="91425" wrap="square" tIns="91425">
-            <a:spAutoFit/>
-          </a:bodyPr>
-          <a:lstStyle/>
-          <a:p>
-            <a:pPr indent="0" lvl="0" marL="0" rtl="0" algn="l">
-              <a:spcBef>
-                <a:spcPts val="0"/>
-              </a:spcBef>
-              <a:spcAft>
-                <a:spcPts val="0"/>
-              </a:spcAft>
-              <a:buNone/>
-            </a:pPr>
-            <a:r>
-              <a:rPr lang="en" sz="1200">
-                <a:latin typeface="Poppins"/>
-                <a:ea typeface="Poppins"/>
-                <a:cs typeface="Poppins"/>
-                <a:sym typeface="Poppins"/>
-              </a:rPr>
-              <a:t>Uses</a:t>
-            </a:r>
-            <a:endParaRPr sz="1200">
-              <a:latin typeface="Poppins"/>
-              <a:ea typeface="Poppins"/>
-              <a:cs typeface="Poppins"/>
-              <a:sym typeface="Poppins"/>
-            </a:endParaRPr>
-          </a:p>
-        </p:txBody>
-      </p:sp>
-      <p:sp>
-        <p:nvSpPr>
-          <p:cNvPr id="224" name="Google Shape;224;p26"/>
-          <p:cNvSpPr txBox="1"/>
-          <p:nvPr/>
-        </p:nvSpPr>
-        <p:spPr>
-          <a:xfrm>
-            <a:off x="6230888" y="3169650"/>
-            <a:ext cx="804000" cy="369300"/>
-          </a:xfrm>
-          <a:prstGeom prst="rect">
-            <a:avLst/>
-          </a:prstGeom>
-          <a:noFill/>
-          <a:ln>
-            <a:noFill/>
-          </a:ln>
-        </p:spPr>
-        <p:txBody>
-          <a:bodyPr anchorCtr="0" anchor="t" bIns="91425" lIns="91425" spcFirstLastPara="1" rIns="91425" wrap="square" tIns="91425">
-            <a:spAutoFit/>
-          </a:bodyPr>
-          <a:lstStyle/>
-          <a:p>
-            <a:pPr indent="0" lvl="0" marL="0" rtl="0" algn="l">
-              <a:spcBef>
-                <a:spcPts val="0"/>
-              </a:spcBef>
-              <a:spcAft>
-                <a:spcPts val="0"/>
-              </a:spcAft>
-              <a:buNone/>
-            </a:pPr>
-            <a:r>
-              <a:rPr lang="en" sz="1200">
-                <a:latin typeface="Poppins"/>
-                <a:ea typeface="Poppins"/>
-                <a:cs typeface="Poppins"/>
-                <a:sym typeface="Poppins"/>
-              </a:rPr>
-              <a:t>Extend</a:t>
-            </a:r>
-            <a:endParaRPr sz="1200">
-              <a:latin typeface="Poppins"/>
-              <a:ea typeface="Poppins"/>
-              <a:cs typeface="Poppins"/>
-              <a:sym typeface="Poppins"/>
-            </a:endParaRPr>
-          </a:p>
-        </p:txBody>
-      </p:sp>
-      <p:sp>
-        <p:nvSpPr>
-          <p:cNvPr id="225" name="Google Shape;225;p26"/>
-          <p:cNvSpPr txBox="1"/>
-          <p:nvPr/>
-        </p:nvSpPr>
-        <p:spPr>
-          <a:xfrm>
-            <a:off x="4187163" y="2941975"/>
-            <a:ext cx="804000" cy="369300"/>
-          </a:xfrm>
-          <a:prstGeom prst="rect">
-            <a:avLst/>
-          </a:prstGeom>
-          <a:noFill/>
-          <a:ln>
-            <a:noFill/>
-          </a:ln>
-        </p:spPr>
-        <p:txBody>
-          <a:bodyPr anchorCtr="0" anchor="t" bIns="91425" lIns="91425" spcFirstLastPara="1" rIns="91425" wrap="square" tIns="91425">
-            <a:spAutoFit/>
-          </a:bodyPr>
-          <a:lstStyle/>
-          <a:p>
-            <a:pPr indent="0" lvl="0" marL="0" rtl="0" algn="l">
-              <a:spcBef>
-                <a:spcPts val="0"/>
-              </a:spcBef>
-              <a:spcAft>
-                <a:spcPts val="0"/>
-              </a:spcAft>
-              <a:buNone/>
-            </a:pPr>
-            <a:r>
-              <a:rPr lang="en" sz="1200">
-                <a:latin typeface="Poppins"/>
-                <a:ea typeface="Poppins"/>
-                <a:cs typeface="Poppins"/>
-                <a:sym typeface="Poppins"/>
-              </a:rPr>
-              <a:t>Extend</a:t>
-            </a:r>
-            <a:endParaRPr sz="1200">
-              <a:latin typeface="Poppins"/>
-              <a:ea typeface="Poppins"/>
-              <a:cs typeface="Poppins"/>
-              <a:sym typeface="Poppins"/>
-            </a:endParaRPr>
-          </a:p>
-        </p:txBody>
-      </p:sp>
-      <p:sp>
-        <p:nvSpPr>
-          <p:cNvPr id="226" name="Google Shape;226;p26"/>
-          <p:cNvSpPr txBox="1"/>
-          <p:nvPr/>
-        </p:nvSpPr>
-        <p:spPr>
-          <a:xfrm>
-            <a:off x="3871238" y="2172488"/>
-            <a:ext cx="804000" cy="369300"/>
-          </a:xfrm>
-          <a:prstGeom prst="rect">
-            <a:avLst/>
-          </a:prstGeom>
-          <a:noFill/>
-          <a:ln>
-            <a:noFill/>
-          </a:ln>
-        </p:spPr>
-        <p:txBody>
-          <a:bodyPr anchorCtr="0" anchor="t" bIns="91425" lIns="91425" spcFirstLastPara="1" rIns="91425" wrap="square" tIns="91425">
-            <a:spAutoFit/>
-          </a:bodyPr>
-          <a:lstStyle/>
-          <a:p>
-            <a:pPr indent="0" lvl="0" marL="0" rtl="0" algn="l">
-              <a:spcBef>
-                <a:spcPts val="0"/>
-              </a:spcBef>
-              <a:spcAft>
-                <a:spcPts val="0"/>
-              </a:spcAft>
-              <a:buNone/>
-            </a:pPr>
-            <a:r>
-              <a:rPr lang="en" sz="1200">
-                <a:latin typeface="Poppins"/>
-                <a:ea typeface="Poppins"/>
-                <a:cs typeface="Poppins"/>
-                <a:sym typeface="Poppins"/>
-              </a:rPr>
-              <a:t>Extend</a:t>
-            </a:r>
-            <a:endParaRPr sz="1200">
-              <a:latin typeface="Poppins"/>
-              <a:ea typeface="Poppins"/>
-              <a:cs typeface="Poppins"/>
-              <a:sym typeface="Poppins"/>
-            </a:endParaRPr>
-          </a:p>
-        </p:txBody>
-      </p:sp>
-      <p:sp>
-        <p:nvSpPr>
-          <p:cNvPr id="227" name="Google Shape;227;p26"/>
+          <p:cNvPr id="240" name="Google Shape;240;p28"/>
           <p:cNvSpPr/>
           <p:nvPr/>
         </p:nvSpPr>
         <p:spPr>
           <a:xfrm>
-            <a:off x="2747653" y="1117900"/>
+            <a:off x="4920712" y="2363925"/>
             <a:ext cx="1306500" cy="633000"/>
           </a:xfrm>
           <a:prstGeom prst="ellipse">
@@ -24702,7 +25594,7 @@
                 <a:cs typeface="Poppins"/>
                 <a:sym typeface="Poppins"/>
               </a:rPr>
-              <a:t>Search</a:t>
+              <a:t>Release Date</a:t>
             </a:r>
             <a:endParaRPr>
               <a:latin typeface="Poppins"/>
@@ -24713,19 +25605,138 @@
           </a:p>
         </p:txBody>
       </p:sp>
+      <p:sp>
+        <p:nvSpPr>
+          <p:cNvPr id="241" name="Google Shape;241;p28"/>
+          <p:cNvSpPr/>
+          <p:nvPr/>
+        </p:nvSpPr>
+        <p:spPr>
+          <a:xfrm>
+            <a:off x="6049812" y="1826125"/>
+            <a:ext cx="1306500" cy="633000"/>
+          </a:xfrm>
+          <a:prstGeom prst="ellipse">
+            <a:avLst/>
+          </a:prstGeom>
+          <a:solidFill>
+            <a:srgbClr val="E6B8AF"/>
+          </a:solidFill>
+          <a:ln cap="flat" cmpd="sng" w="9525">
+            <a:solidFill>
+              <a:schemeClr val="dk2"/>
+            </a:solidFill>
+            <a:prstDash val="solid"/>
+            <a:round/>
+            <a:headEnd len="sm" w="sm" type="none"/>
+            <a:tailEnd len="sm" w="sm" type="none"/>
+          </a:ln>
+        </p:spPr>
+        <p:txBody>
+          <a:bodyPr anchorCtr="0" anchor="ctr" bIns="91425" lIns="91425" spcFirstLastPara="1" rIns="91425" wrap="square" tIns="91425">
+            <a:noAutofit/>
+          </a:bodyPr>
+          <a:lstStyle/>
+          <a:p>
+            <a:pPr indent="0" lvl="0" marL="0" rtl="0" algn="ctr">
+              <a:spcBef>
+                <a:spcPts val="0"/>
+              </a:spcBef>
+              <a:spcAft>
+                <a:spcPts val="0"/>
+              </a:spcAft>
+              <a:buNone/>
+            </a:pPr>
+            <a:r>
+              <a:rPr lang="en">
+                <a:latin typeface="Poppins"/>
+                <a:ea typeface="Poppins"/>
+                <a:cs typeface="Poppins"/>
+                <a:sym typeface="Poppins"/>
+              </a:rPr>
+              <a:t>Rating</a:t>
+            </a:r>
+            <a:endParaRPr>
+              <a:latin typeface="Poppins"/>
+              <a:ea typeface="Poppins"/>
+              <a:cs typeface="Poppins"/>
+              <a:sym typeface="Poppins"/>
+            </a:endParaRPr>
+          </a:p>
+        </p:txBody>
+      </p:sp>
+      <p:sp>
+        <p:nvSpPr>
+          <p:cNvPr id="242" name="Google Shape;242;p28"/>
+          <p:cNvSpPr/>
+          <p:nvPr/>
+        </p:nvSpPr>
+        <p:spPr>
+          <a:xfrm>
+            <a:off x="7429324" y="2466750"/>
+            <a:ext cx="1375800" cy="633000"/>
+          </a:xfrm>
+          <a:prstGeom prst="ellipse">
+            <a:avLst/>
+          </a:prstGeom>
+          <a:solidFill>
+            <a:srgbClr val="E6B8AF"/>
+          </a:solidFill>
+          <a:ln cap="flat" cmpd="sng" w="9525">
+            <a:solidFill>
+              <a:schemeClr val="dk2"/>
+            </a:solidFill>
+            <a:prstDash val="solid"/>
+            <a:round/>
+            <a:headEnd len="sm" w="sm" type="none"/>
+            <a:tailEnd len="sm" w="sm" type="none"/>
+          </a:ln>
+        </p:spPr>
+        <p:txBody>
+          <a:bodyPr anchorCtr="0" anchor="ctr" bIns="91425" lIns="91425" spcFirstLastPara="1" rIns="91425" wrap="square" tIns="91425">
+            <a:noAutofit/>
+          </a:bodyPr>
+          <a:lstStyle/>
+          <a:p>
+            <a:pPr indent="0" lvl="0" marL="0" rtl="0" algn="ctr">
+              <a:spcBef>
+                <a:spcPts val="0"/>
+              </a:spcBef>
+              <a:spcAft>
+                <a:spcPts val="0"/>
+              </a:spcAft>
+              <a:buNone/>
+            </a:pPr>
+            <a:r>
+              <a:rPr lang="en" sz="1200">
+                <a:latin typeface="Poppins"/>
+                <a:ea typeface="Poppins"/>
+                <a:cs typeface="Poppins"/>
+                <a:sym typeface="Poppins"/>
+              </a:rPr>
+              <a:t>Recomme-ndation</a:t>
+            </a:r>
+            <a:endParaRPr sz="1200">
+              <a:latin typeface="Poppins"/>
+              <a:ea typeface="Poppins"/>
+              <a:cs typeface="Poppins"/>
+              <a:sym typeface="Poppins"/>
+            </a:endParaRPr>
+          </a:p>
+        </p:txBody>
+      </p:sp>
       <p:cxnSp>
         <p:nvCxnSpPr>
-          <p:cNvPr id="228" name="Google Shape;228;p26"/>
+          <p:cNvPr id="243" name="Google Shape;243;p28"/>
           <p:cNvCxnSpPr>
-            <a:stCxn id="210" idx="7"/>
-            <a:endCxn id="227" idx="3"/>
+            <a:stCxn id="226" idx="6"/>
           </p:cNvCxnSpPr>
           <p:nvPr/>
         </p:nvCxnSpPr>
         <p:spPr>
-          <a:xfrm flipH="1" rot="10800000">
-            <a:off x="1770180" y="1658240"/>
-            <a:ext cx="1168800" cy="945600"/>
+          <a:xfrm>
+            <a:off x="3989953" y="4288150"/>
+            <a:ext cx="4127400" cy="13800"/>
           </a:xfrm>
           <a:prstGeom prst="straightConnector1">
             <a:avLst/>
@@ -24744,17 +25755,186 @@
       </p:cxnSp>
       <p:cxnSp>
         <p:nvCxnSpPr>
-          <p:cNvPr id="229" name="Google Shape;229;p26"/>
+          <p:cNvPr id="244" name="Google Shape;244;p28"/>
           <p:cNvCxnSpPr>
-            <a:stCxn id="213" idx="0"/>
-            <a:endCxn id="227" idx="4"/>
+            <a:endCxn id="242" idx="4"/>
           </p:cNvCxnSpPr>
           <p:nvPr/>
         </p:nvCxnSpPr>
         <p:spPr>
           <a:xfrm rot="10800000">
-            <a:off x="3400916" y="1751050"/>
-            <a:ext cx="8400" cy="781200"/>
+            <a:off x="8117224" y="3099750"/>
+            <a:ext cx="0" cy="1215600"/>
+          </a:xfrm>
+          <a:prstGeom prst="straightConnector1">
+            <a:avLst/>
+          </a:prstGeom>
+          <a:noFill/>
+          <a:ln cap="flat" cmpd="sng" w="9525">
+            <a:solidFill>
+              <a:schemeClr val="dk2"/>
+            </a:solidFill>
+            <a:prstDash val="solid"/>
+            <a:round/>
+            <a:headEnd len="med" w="med" type="none"/>
+            <a:tailEnd len="med" w="med" type="none"/>
+          </a:ln>
+        </p:spPr>
+      </p:cxnSp>
+      <p:cxnSp>
+        <p:nvCxnSpPr>
+          <p:cNvPr id="245" name="Google Shape;245;p28"/>
+          <p:cNvCxnSpPr/>
+          <p:nvPr/>
+        </p:nvCxnSpPr>
+        <p:spPr>
+          <a:xfrm>
+            <a:off x="3999991" y="1348188"/>
+            <a:ext cx="4127400" cy="13800"/>
+          </a:xfrm>
+          <a:prstGeom prst="straightConnector1">
+            <a:avLst/>
+          </a:prstGeom>
+          <a:noFill/>
+          <a:ln cap="flat" cmpd="sng" w="9525">
+            <a:solidFill>
+              <a:schemeClr val="dk2"/>
+            </a:solidFill>
+            <a:prstDash val="solid"/>
+            <a:round/>
+            <a:headEnd len="med" w="med" type="none"/>
+            <a:tailEnd len="med" w="med" type="none"/>
+          </a:ln>
+        </p:spPr>
+      </p:cxnSp>
+      <p:cxnSp>
+        <p:nvCxnSpPr>
+          <p:cNvPr id="246" name="Google Shape;246;p28"/>
+          <p:cNvCxnSpPr>
+            <a:stCxn id="242" idx="0"/>
+          </p:cNvCxnSpPr>
+          <p:nvPr/>
+        </p:nvCxnSpPr>
+        <p:spPr>
+          <a:xfrm rot="10800000">
+            <a:off x="8107924" y="1350150"/>
+            <a:ext cx="9300" cy="1116600"/>
+          </a:xfrm>
+          <a:prstGeom prst="straightConnector1">
+            <a:avLst/>
+          </a:prstGeom>
+          <a:noFill/>
+          <a:ln cap="flat" cmpd="sng" w="9525">
+            <a:solidFill>
+              <a:schemeClr val="dk2"/>
+            </a:solidFill>
+            <a:prstDash val="solid"/>
+            <a:round/>
+            <a:headEnd len="med" w="med" type="none"/>
+            <a:tailEnd len="med" w="med" type="none"/>
+          </a:ln>
+        </p:spPr>
+      </p:cxnSp>
+      <p:cxnSp>
+        <p:nvCxnSpPr>
+          <p:cNvPr id="247" name="Google Shape;247;p28"/>
+          <p:cNvCxnSpPr>
+            <a:stCxn id="225" idx="7"/>
+            <a:endCxn id="239" idx="3"/>
+          </p:cNvCxnSpPr>
+          <p:nvPr/>
+        </p:nvCxnSpPr>
+        <p:spPr>
+          <a:xfrm flipH="1" rot="10800000">
+            <a:off x="3807046" y="2310150"/>
+            <a:ext cx="191400" cy="342000"/>
+          </a:xfrm>
+          <a:prstGeom prst="straightConnector1">
+            <a:avLst/>
+          </a:prstGeom>
+          <a:noFill/>
+          <a:ln cap="flat" cmpd="sng" w="9525">
+            <a:solidFill>
+              <a:schemeClr val="dk2"/>
+            </a:solidFill>
+            <a:prstDash val="solid"/>
+            <a:round/>
+            <a:headEnd len="med" w="med" type="none"/>
+            <a:tailEnd len="med" w="med" type="none"/>
+          </a:ln>
+        </p:spPr>
+      </p:cxnSp>
+      <p:cxnSp>
+        <p:nvCxnSpPr>
+          <p:cNvPr id="248" name="Google Shape;248;p28"/>
+          <p:cNvCxnSpPr>
+            <a:stCxn id="240" idx="1"/>
+            <a:endCxn id="239" idx="5"/>
+          </p:cNvCxnSpPr>
+          <p:nvPr/>
+        </p:nvCxnSpPr>
+        <p:spPr>
+          <a:xfrm rot="10800000">
+            <a:off x="4922145" y="2309926"/>
+            <a:ext cx="189900" cy="146700"/>
+          </a:xfrm>
+          <a:prstGeom prst="straightConnector1">
+            <a:avLst/>
+          </a:prstGeom>
+          <a:noFill/>
+          <a:ln cap="flat" cmpd="sng" w="9525">
+            <a:solidFill>
+              <a:schemeClr val="dk2"/>
+            </a:solidFill>
+            <a:prstDash val="solid"/>
+            <a:round/>
+            <a:headEnd len="med" w="med" type="none"/>
+            <a:tailEnd len="med" w="med" type="none"/>
+          </a:ln>
+        </p:spPr>
+      </p:cxnSp>
+      <p:cxnSp>
+        <p:nvCxnSpPr>
+          <p:cNvPr id="249" name="Google Shape;249;p28"/>
+          <p:cNvCxnSpPr>
+            <a:stCxn id="241" idx="3"/>
+            <a:endCxn id="240" idx="7"/>
+          </p:cNvCxnSpPr>
+          <p:nvPr/>
+        </p:nvCxnSpPr>
+        <p:spPr>
+          <a:xfrm flipH="1">
+            <a:off x="6035945" y="2366424"/>
+            <a:ext cx="205200" cy="90300"/>
+          </a:xfrm>
+          <a:prstGeom prst="straightConnector1">
+            <a:avLst/>
+          </a:prstGeom>
+          <a:noFill/>
+          <a:ln cap="flat" cmpd="sng" w="9525">
+            <a:solidFill>
+              <a:schemeClr val="dk2"/>
+            </a:solidFill>
+            <a:prstDash val="solid"/>
+            <a:round/>
+            <a:headEnd len="med" w="med" type="none"/>
+            <a:tailEnd len="med" w="med" type="none"/>
+          </a:ln>
+        </p:spPr>
+      </p:cxnSp>
+      <p:cxnSp>
+        <p:nvCxnSpPr>
+          <p:cNvPr id="250" name="Google Shape;250;p28"/>
+          <p:cNvCxnSpPr>
+            <a:stCxn id="242" idx="1"/>
+            <a:endCxn id="241" idx="6"/>
+          </p:cNvCxnSpPr>
+          <p:nvPr/>
+        </p:nvCxnSpPr>
+        <p:spPr>
+          <a:xfrm rot="10800000">
+            <a:off x="7356306" y="2142751"/>
+            <a:ext cx="274500" cy="416700"/>
           </a:xfrm>
           <a:prstGeom prst="straightConnector1">
             <a:avLst/>
@@ -24773,13 +25953,169 @@
       </p:cxnSp>
       <p:sp>
         <p:nvSpPr>
-          <p:cNvPr id="230" name="Google Shape;230;p26"/>
+          <p:cNvPr id="251" name="Google Shape;251;p28"/>
           <p:cNvSpPr txBox="1"/>
           <p:nvPr/>
         </p:nvSpPr>
         <p:spPr>
           <a:xfrm>
-            <a:off x="2818563" y="1872550"/>
+            <a:off x="6035950" y="4360925"/>
+            <a:ext cx="632700" cy="369300"/>
+          </a:xfrm>
+          <a:prstGeom prst="rect">
+            <a:avLst/>
+          </a:prstGeom>
+          <a:noFill/>
+          <a:ln>
+            <a:noFill/>
+          </a:ln>
+        </p:spPr>
+        <p:txBody>
+          <a:bodyPr anchorCtr="0" anchor="t" bIns="91425" lIns="91425" spcFirstLastPara="1" rIns="91425" wrap="square" tIns="91425">
+            <a:spAutoFit/>
+          </a:bodyPr>
+          <a:lstStyle/>
+          <a:p>
+            <a:pPr indent="0" lvl="0" marL="0" rtl="0" algn="l">
+              <a:spcBef>
+                <a:spcPts val="0"/>
+              </a:spcBef>
+              <a:spcAft>
+                <a:spcPts val="0"/>
+              </a:spcAft>
+              <a:buNone/>
+            </a:pPr>
+            <a:r>
+              <a:rPr lang="en" sz="1200">
+                <a:latin typeface="Poppins"/>
+                <a:ea typeface="Poppins"/>
+                <a:cs typeface="Poppins"/>
+                <a:sym typeface="Poppins"/>
+              </a:rPr>
+              <a:t>Uses</a:t>
+            </a:r>
+            <a:endParaRPr sz="1200">
+              <a:latin typeface="Poppins"/>
+              <a:ea typeface="Poppins"/>
+              <a:cs typeface="Poppins"/>
+              <a:sym typeface="Poppins"/>
+            </a:endParaRPr>
+          </a:p>
+        </p:txBody>
+      </p:sp>
+      <p:sp>
+        <p:nvSpPr>
+          <p:cNvPr id="252" name="Google Shape;252;p28"/>
+          <p:cNvSpPr txBox="1"/>
+          <p:nvPr/>
+        </p:nvSpPr>
+        <p:spPr>
+          <a:xfrm>
+            <a:off x="5319775" y="1033900"/>
+            <a:ext cx="632700" cy="369300"/>
+          </a:xfrm>
+          <a:prstGeom prst="rect">
+            <a:avLst/>
+          </a:prstGeom>
+          <a:noFill/>
+          <a:ln>
+            <a:noFill/>
+          </a:ln>
+        </p:spPr>
+        <p:txBody>
+          <a:bodyPr anchorCtr="0" anchor="t" bIns="91425" lIns="91425" spcFirstLastPara="1" rIns="91425" wrap="square" tIns="91425">
+            <a:spAutoFit/>
+          </a:bodyPr>
+          <a:lstStyle/>
+          <a:p>
+            <a:pPr indent="0" lvl="0" marL="0" rtl="0" algn="l">
+              <a:spcBef>
+                <a:spcPts val="0"/>
+              </a:spcBef>
+              <a:spcAft>
+                <a:spcPts val="0"/>
+              </a:spcAft>
+              <a:buNone/>
+            </a:pPr>
+            <a:r>
+              <a:rPr lang="en" sz="1200">
+                <a:latin typeface="Poppins"/>
+                <a:ea typeface="Poppins"/>
+                <a:cs typeface="Poppins"/>
+                <a:sym typeface="Poppins"/>
+              </a:rPr>
+              <a:t>Uses</a:t>
+            </a:r>
+            <a:endParaRPr sz="1200">
+              <a:latin typeface="Poppins"/>
+              <a:ea typeface="Poppins"/>
+              <a:cs typeface="Poppins"/>
+              <a:sym typeface="Poppins"/>
+            </a:endParaRPr>
+          </a:p>
+        </p:txBody>
+      </p:sp>
+      <p:sp>
+        <p:nvSpPr>
+          <p:cNvPr id="253" name="Google Shape;253;p28"/>
+          <p:cNvSpPr txBox="1"/>
+          <p:nvPr/>
+        </p:nvSpPr>
+        <p:spPr>
+          <a:xfrm>
+            <a:off x="7415763" y="2013900"/>
+            <a:ext cx="632700" cy="369300"/>
+          </a:xfrm>
+          <a:prstGeom prst="rect">
+            <a:avLst/>
+          </a:prstGeom>
+          <a:noFill/>
+          <a:ln>
+            <a:noFill/>
+          </a:ln>
+        </p:spPr>
+        <p:txBody>
+          <a:bodyPr anchorCtr="0" anchor="t" bIns="91425" lIns="91425" spcFirstLastPara="1" rIns="91425" wrap="square" tIns="91425">
+            <a:spAutoFit/>
+          </a:bodyPr>
+          <a:lstStyle/>
+          <a:p>
+            <a:pPr indent="0" lvl="0" marL="0" rtl="0" algn="l">
+              <a:spcBef>
+                <a:spcPts val="0"/>
+              </a:spcBef>
+              <a:spcAft>
+                <a:spcPts val="0"/>
+              </a:spcAft>
+              <a:buNone/>
+            </a:pPr>
+            <a:r>
+              <a:rPr lang="en" sz="1200">
+                <a:latin typeface="Poppins"/>
+                <a:ea typeface="Poppins"/>
+                <a:cs typeface="Poppins"/>
+                <a:sym typeface="Poppins"/>
+              </a:rPr>
+              <a:t>Uses</a:t>
+            </a:r>
+            <a:endParaRPr sz="1200">
+              <a:latin typeface="Poppins"/>
+              <a:ea typeface="Poppins"/>
+              <a:cs typeface="Poppins"/>
+              <a:sym typeface="Poppins"/>
+            </a:endParaRPr>
+          </a:p>
+        </p:txBody>
+      </p:sp>
+      <p:sp>
+        <p:nvSpPr>
+          <p:cNvPr id="254" name="Google Shape;254;p28"/>
+          <p:cNvSpPr txBox="1"/>
+          <p:nvPr/>
+        </p:nvSpPr>
+        <p:spPr>
+          <a:xfrm>
+            <a:off x="5179963" y="1957975"/>
             <a:ext cx="632700" cy="369300"/>
           </a:xfrm>
           <a:prstGeom prst="rect">
@@ -24831,12 +26167,12 @@
 </p:sld>
 </file>
 
-<file path=ppt/slides/slide4.xml><?xml version="1.0" encoding="utf-8"?>
+<file path=ppt/slides/slide6.xml><?xml version="1.0" encoding="utf-8"?>
 <p:sld xmlns:a="http://schemas.openxmlformats.org/drawingml/2006/main" xmlns:r="http://schemas.openxmlformats.org/officeDocument/2006/relationships" xmlns:mc="http://schemas.openxmlformats.org/markup-compatibility/2006" xmlns:mv="urn:schemas-microsoft-com:mac:vml" xmlns:p="http://schemas.openxmlformats.org/presentationml/2006/main" xmlns:c="http://schemas.openxmlformats.org/drawingml/2006/chart" xmlns:dgm="http://schemas.openxmlformats.org/drawingml/2006/diagram" xmlns:o="urn:schemas-microsoft-com:office:office" xmlns:v="urn:schemas-microsoft-com:vml" xmlns:pvml="urn:schemas-microsoft-com:office:powerpoint" xmlns:com="http://schemas.openxmlformats.org/drawingml/2006/compatibility" xmlns:p14="http://schemas.microsoft.com/office/powerpoint/2010/main" xmlns:p15="http://schemas.microsoft.com/office/powerpoint/2012/main" xmlns:ahyp="http://schemas.microsoft.com/office/drawing/2018/hyperlinkcolor">
   <p:cSld>
     <p:spTree>
       <p:nvGrpSpPr>
-        <p:cNvPr id="234" name="Shape 234"/>
+        <p:cNvPr id="258" name="Shape 258"/>
         <p:cNvGrpSpPr/>
         <p:nvPr/>
       </p:nvGrpSpPr>
@@ -24848,9 +26184,37 @@
           <a:chExt cx="0" cy="0"/>
         </a:xfrm>
       </p:grpSpPr>
+      <p:pic>
+        <p:nvPicPr>
+          <p:cNvPr id="259" name="Google Shape;259;p29"/>
+          <p:cNvPicPr preferRelativeResize="0"/>
+          <p:nvPr/>
+        </p:nvPicPr>
+        <p:blipFill>
+          <a:blip r:embed="rId3">
+            <a:alphaModFix/>
+          </a:blip>
+          <a:stretch>
+            <a:fillRect/>
+          </a:stretch>
+        </p:blipFill>
+        <p:spPr>
+          <a:xfrm>
+            <a:off x="661171" y="612600"/>
+            <a:ext cx="7140854" cy="4530900"/>
+          </a:xfrm>
+          <a:prstGeom prst="rect">
+            <a:avLst/>
+          </a:prstGeom>
+          <a:noFill/>
+          <a:ln>
+            <a:noFill/>
+          </a:ln>
+        </p:spPr>
+      </p:pic>
       <p:sp>
         <p:nvSpPr>
-          <p:cNvPr id="235" name="Google Shape;235;p27"/>
+          <p:cNvPr id="260" name="Google Shape;260;p29"/>
           <p:cNvSpPr/>
           <p:nvPr/>
         </p:nvSpPr>
@@ -24893,493 +26257,9 @@
           </a:p>
         </p:txBody>
       </p:sp>
-      <p:graphicFrame>
-        <p:nvGraphicFramePr>
-          <p:cNvPr id="236" name="Google Shape;236;p27"/>
-          <p:cNvGraphicFramePr/>
-          <p:nvPr/>
-        </p:nvGraphicFramePr>
-        <p:xfrm>
-          <a:off x="3619688" y="1143250"/>
-          <a:ext cx="3000000" cy="3000000"/>
-        </p:xfrm>
-        <a:graphic>
-          <a:graphicData uri="http://schemas.openxmlformats.org/drawingml/2006/table">
-            <a:tbl>
-              <a:tblPr>
-                <a:noFill/>
-                <a:tableStyleId>{7E795E26-80DD-4F68-B79D-BE209788D9A9}</a:tableStyleId>
-              </a:tblPr>
-              <a:tblGrid>
-                <a:gridCol w="765900"/>
-              </a:tblGrid>
-              <a:tr h="396200">
-                <a:tc>
-                  <a:txBody>
-                    <a:bodyPr/>
-                    <a:lstStyle/>
-                    <a:p>
-                      <a:pPr indent="0" lvl="0" marL="0" rtl="0" algn="ctr">
-                        <a:spcBef>
-                          <a:spcPts val="0"/>
-                        </a:spcBef>
-                        <a:spcAft>
-                          <a:spcPts val="0"/>
-                        </a:spcAft>
-                        <a:buNone/>
-                      </a:pPr>
-                      <a:r>
-                        <a:rPr b="1" lang="en" sz="1000">
-                          <a:latin typeface="Poppins"/>
-                          <a:ea typeface="Poppins"/>
-                          <a:cs typeface="Poppins"/>
-                          <a:sym typeface="Poppins"/>
-                        </a:rPr>
-                        <a:t>Dislike</a:t>
-                      </a:r>
-                      <a:endParaRPr b="1" sz="1000">
-                        <a:latin typeface="Poppins"/>
-                        <a:ea typeface="Poppins"/>
-                        <a:cs typeface="Poppins"/>
-                        <a:sym typeface="Poppins"/>
-                      </a:endParaRPr>
-                    </a:p>
-                  </a:txBody>
-                  <a:tcPr marT="91425" marB="91425" marR="91425" marL="91425"/>
-                </a:tc>
-              </a:tr>
-              <a:tr h="396200">
-                <a:tc>
-                  <a:txBody>
-                    <a:bodyPr/>
-                    <a:lstStyle/>
-                    <a:p>
-                      <a:pPr indent="0" lvl="0" marL="0" rtl="0" algn="l">
-                        <a:spcBef>
-                          <a:spcPts val="0"/>
-                        </a:spcBef>
-                        <a:spcAft>
-                          <a:spcPts val="0"/>
-                        </a:spcAft>
-                        <a:buNone/>
-                      </a:pPr>
-                      <a:r>
-                        <a:rPr lang="en" sz="1000">
-                          <a:latin typeface="Poppins"/>
-                          <a:ea typeface="Poppins"/>
-                          <a:cs typeface="Poppins"/>
-                          <a:sym typeface="Poppins"/>
-                        </a:rPr>
-                        <a:t>d_sid</a:t>
-                      </a:r>
-                      <a:endParaRPr sz="1000">
-                        <a:latin typeface="Poppins"/>
-                        <a:ea typeface="Poppins"/>
-                        <a:cs typeface="Poppins"/>
-                        <a:sym typeface="Poppins"/>
-                      </a:endParaRPr>
-                    </a:p>
-                  </a:txBody>
-                  <a:tcPr marT="91425" marB="91425" marR="91425" marL="91425"/>
-                </a:tc>
-              </a:tr>
-              <a:tr h="396200">
-                <a:tc>
-                  <a:txBody>
-                    <a:bodyPr/>
-                    <a:lstStyle/>
-                    <a:p>
-                      <a:pPr indent="0" lvl="0" marL="0" rtl="0" algn="l">
-                        <a:spcBef>
-                          <a:spcPts val="0"/>
-                        </a:spcBef>
-                        <a:spcAft>
-                          <a:spcPts val="0"/>
-                        </a:spcAft>
-                        <a:buNone/>
-                      </a:pPr>
-                      <a:r>
-                        <a:rPr lang="en" sz="1000">
-                          <a:latin typeface="Poppins"/>
-                          <a:ea typeface="Poppins"/>
-                          <a:cs typeface="Poppins"/>
-                          <a:sym typeface="Poppins"/>
-                        </a:rPr>
-                        <a:t>d_dislike</a:t>
-                      </a:r>
-                      <a:endParaRPr sz="1000">
-                        <a:latin typeface="Poppins"/>
-                        <a:ea typeface="Poppins"/>
-                        <a:cs typeface="Poppins"/>
-                        <a:sym typeface="Poppins"/>
-                      </a:endParaRPr>
-                    </a:p>
-                  </a:txBody>
-                  <a:tcPr marT="91425" marB="91425" marR="91425" marL="91425"/>
-                </a:tc>
-              </a:tr>
-            </a:tbl>
-          </a:graphicData>
-        </a:graphic>
-      </p:graphicFrame>
-      <p:graphicFrame>
-        <p:nvGraphicFramePr>
-          <p:cNvPr id="237" name="Google Shape;237;p27"/>
-          <p:cNvGraphicFramePr/>
-          <p:nvPr/>
-        </p:nvGraphicFramePr>
-        <p:xfrm>
-          <a:off x="4938388" y="1143250"/>
-          <a:ext cx="3000000" cy="3000000"/>
-        </p:xfrm>
-        <a:graphic>
-          <a:graphicData uri="http://schemas.openxmlformats.org/drawingml/2006/table">
-            <a:tbl>
-              <a:tblPr>
-                <a:noFill/>
-                <a:tableStyleId>{7E795E26-80DD-4F68-B79D-BE209788D9A9}</a:tableStyleId>
-              </a:tblPr>
-              <a:tblGrid>
-                <a:gridCol w="641850"/>
-              </a:tblGrid>
-              <a:tr h="396200">
-                <a:tc>
-                  <a:txBody>
-                    <a:bodyPr/>
-                    <a:lstStyle/>
-                    <a:p>
-                      <a:pPr indent="0" lvl="0" marL="0" rtl="0" algn="ctr">
-                        <a:spcBef>
-                          <a:spcPts val="0"/>
-                        </a:spcBef>
-                        <a:spcAft>
-                          <a:spcPts val="0"/>
-                        </a:spcAft>
-                        <a:buNone/>
-                      </a:pPr>
-                      <a:r>
-                        <a:rPr b="1" lang="en" sz="1000">
-                          <a:latin typeface="Poppins"/>
-                          <a:ea typeface="Poppins"/>
-                          <a:cs typeface="Poppins"/>
-                          <a:sym typeface="Poppins"/>
-                        </a:rPr>
-                        <a:t>L</a:t>
-                      </a:r>
-                      <a:r>
-                        <a:rPr b="1" lang="en" sz="1000">
-                          <a:latin typeface="Poppins"/>
-                          <a:ea typeface="Poppins"/>
-                          <a:cs typeface="Poppins"/>
-                          <a:sym typeface="Poppins"/>
-                        </a:rPr>
-                        <a:t>ike</a:t>
-                      </a:r>
-                      <a:endParaRPr b="1" sz="1000">
-                        <a:latin typeface="Poppins"/>
-                        <a:ea typeface="Poppins"/>
-                        <a:cs typeface="Poppins"/>
-                        <a:sym typeface="Poppins"/>
-                      </a:endParaRPr>
-                    </a:p>
-                  </a:txBody>
-                  <a:tcPr marT="91425" marB="91425" marR="91425" marL="91425"/>
-                </a:tc>
-              </a:tr>
-              <a:tr h="396200">
-                <a:tc>
-                  <a:txBody>
-                    <a:bodyPr/>
-                    <a:lstStyle/>
-                    <a:p>
-                      <a:pPr indent="0" lvl="0" marL="0" rtl="0" algn="l">
-                        <a:spcBef>
-                          <a:spcPts val="0"/>
-                        </a:spcBef>
-                        <a:spcAft>
-                          <a:spcPts val="0"/>
-                        </a:spcAft>
-                        <a:buNone/>
-                      </a:pPr>
-                      <a:r>
-                        <a:rPr lang="en" sz="1000">
-                          <a:latin typeface="Poppins"/>
-                          <a:ea typeface="Poppins"/>
-                          <a:cs typeface="Poppins"/>
-                          <a:sym typeface="Poppins"/>
-                        </a:rPr>
-                        <a:t>l</a:t>
-                      </a:r>
-                      <a:r>
-                        <a:rPr lang="en" sz="1000">
-                          <a:latin typeface="Poppins"/>
-                          <a:ea typeface="Poppins"/>
-                          <a:cs typeface="Poppins"/>
-                          <a:sym typeface="Poppins"/>
-                        </a:rPr>
-                        <a:t>_sid</a:t>
-                      </a:r>
-                      <a:endParaRPr sz="1000">
-                        <a:latin typeface="Poppins"/>
-                        <a:ea typeface="Poppins"/>
-                        <a:cs typeface="Poppins"/>
-                        <a:sym typeface="Poppins"/>
-                      </a:endParaRPr>
-                    </a:p>
-                  </a:txBody>
-                  <a:tcPr marT="91425" marB="91425" marR="91425" marL="91425"/>
-                </a:tc>
-              </a:tr>
-              <a:tr h="396200">
-                <a:tc>
-                  <a:txBody>
-                    <a:bodyPr/>
-                    <a:lstStyle/>
-                    <a:p>
-                      <a:pPr indent="0" lvl="0" marL="0" rtl="0" algn="l">
-                        <a:spcBef>
-                          <a:spcPts val="0"/>
-                        </a:spcBef>
-                        <a:spcAft>
-                          <a:spcPts val="0"/>
-                        </a:spcAft>
-                        <a:buNone/>
-                      </a:pPr>
-                      <a:r>
-                        <a:rPr lang="en" sz="1000">
-                          <a:latin typeface="Poppins"/>
-                          <a:ea typeface="Poppins"/>
-                          <a:cs typeface="Poppins"/>
-                          <a:sym typeface="Poppins"/>
-                        </a:rPr>
-                        <a:t>l</a:t>
-                      </a:r>
-                      <a:r>
-                        <a:rPr lang="en" sz="1000">
-                          <a:latin typeface="Poppins"/>
-                          <a:ea typeface="Poppins"/>
-                          <a:cs typeface="Poppins"/>
-                          <a:sym typeface="Poppins"/>
-                        </a:rPr>
-                        <a:t>_like</a:t>
-                      </a:r>
-                      <a:endParaRPr sz="1000">
-                        <a:latin typeface="Poppins"/>
-                        <a:ea typeface="Poppins"/>
-                        <a:cs typeface="Poppins"/>
-                        <a:sym typeface="Poppins"/>
-                      </a:endParaRPr>
-                    </a:p>
-                  </a:txBody>
-                  <a:tcPr marT="91425" marB="91425" marR="91425" marL="91425"/>
-                </a:tc>
-              </a:tr>
-            </a:tbl>
-          </a:graphicData>
-        </a:graphic>
-      </p:graphicFrame>
-      <p:graphicFrame>
-        <p:nvGraphicFramePr>
-          <p:cNvPr id="238" name="Google Shape;238;p27"/>
-          <p:cNvGraphicFramePr/>
-          <p:nvPr/>
-        </p:nvGraphicFramePr>
-        <p:xfrm>
-          <a:off x="228475" y="1902850"/>
-          <a:ext cx="3000000" cy="3000000"/>
-        </p:xfrm>
-        <a:graphic>
-          <a:graphicData uri="http://schemas.openxmlformats.org/drawingml/2006/table">
-            <a:tbl>
-              <a:tblPr>
-                <a:noFill/>
-                <a:tableStyleId>{7E795E26-80DD-4F68-B79D-BE209788D9A9}</a:tableStyleId>
-              </a:tblPr>
-              <a:tblGrid>
-                <a:gridCol w="1123850"/>
-              </a:tblGrid>
-              <a:tr h="96175">
-                <a:tc>
-                  <a:txBody>
-                    <a:bodyPr/>
-                    <a:lstStyle/>
-                    <a:p>
-                      <a:pPr indent="0" lvl="0" marL="0" rtl="0" algn="ctr">
-                        <a:spcBef>
-                          <a:spcPts val="0"/>
-                        </a:spcBef>
-                        <a:spcAft>
-                          <a:spcPts val="0"/>
-                        </a:spcAft>
-                        <a:buNone/>
-                      </a:pPr>
-                      <a:r>
-                        <a:rPr b="1" lang="en" sz="1000">
-                          <a:latin typeface="Poppins"/>
-                          <a:ea typeface="Poppins"/>
-                          <a:cs typeface="Poppins"/>
-                          <a:sym typeface="Poppins"/>
-                        </a:rPr>
-                        <a:t>Movies</a:t>
-                      </a:r>
-                      <a:endParaRPr b="1" sz="1000">
-                        <a:latin typeface="Poppins"/>
-                        <a:ea typeface="Poppins"/>
-                        <a:cs typeface="Poppins"/>
-                        <a:sym typeface="Poppins"/>
-                      </a:endParaRPr>
-                    </a:p>
-                  </a:txBody>
-                  <a:tcPr marT="91425" marB="91425" marR="91425" marL="91425"/>
-                </a:tc>
-              </a:tr>
-              <a:tr h="96175">
-                <a:tc>
-                  <a:txBody>
-                    <a:bodyPr/>
-                    <a:lstStyle/>
-                    <a:p>
-                      <a:pPr indent="0" lvl="0" marL="0" rtl="0" algn="l">
-                        <a:spcBef>
-                          <a:spcPts val="0"/>
-                        </a:spcBef>
-                        <a:spcAft>
-                          <a:spcPts val="0"/>
-                        </a:spcAft>
-                        <a:buNone/>
-                      </a:pPr>
-                      <a:r>
-                        <a:rPr lang="en" sz="1000">
-                          <a:latin typeface="Poppins"/>
-                          <a:ea typeface="Poppins"/>
-                          <a:cs typeface="Poppins"/>
-                          <a:sym typeface="Poppins"/>
-                        </a:rPr>
-                        <a:t>m_sid</a:t>
-                      </a:r>
-                      <a:endParaRPr sz="1000">
-                        <a:latin typeface="Poppins"/>
-                        <a:ea typeface="Poppins"/>
-                        <a:cs typeface="Poppins"/>
-                        <a:sym typeface="Poppins"/>
-                      </a:endParaRPr>
-                    </a:p>
-                  </a:txBody>
-                  <a:tcPr marT="91425" marB="91425" marR="91425" marL="91425"/>
-                </a:tc>
-              </a:tr>
-              <a:tr h="96175">
-                <a:tc>
-                  <a:txBody>
-                    <a:bodyPr/>
-                    <a:lstStyle/>
-                    <a:p>
-                      <a:pPr indent="0" lvl="0" marL="0" rtl="0" algn="l">
-                        <a:spcBef>
-                          <a:spcPts val="0"/>
-                        </a:spcBef>
-                        <a:spcAft>
-                          <a:spcPts val="0"/>
-                        </a:spcAft>
-                        <a:buNone/>
-                      </a:pPr>
-                      <a:r>
-                        <a:rPr lang="en" sz="1000">
-                          <a:latin typeface="Poppins"/>
-                          <a:ea typeface="Poppins"/>
-                          <a:cs typeface="Poppins"/>
-                          <a:sym typeface="Poppins"/>
-                        </a:rPr>
-                        <a:t>m_title</a:t>
-                      </a:r>
-                      <a:endParaRPr sz="1000">
-                        <a:latin typeface="Poppins"/>
-                        <a:ea typeface="Poppins"/>
-                        <a:cs typeface="Poppins"/>
-                        <a:sym typeface="Poppins"/>
-                      </a:endParaRPr>
-                    </a:p>
-                  </a:txBody>
-                  <a:tcPr marT="91425" marB="91425" marR="91425" marL="91425"/>
-                </a:tc>
-              </a:tr>
-              <a:tr h="96175">
-                <a:tc>
-                  <a:txBody>
-                    <a:bodyPr/>
-                    <a:lstStyle/>
-                    <a:p>
-                      <a:pPr indent="0" lvl="0" marL="0" rtl="0" algn="l">
-                        <a:spcBef>
-                          <a:spcPts val="0"/>
-                        </a:spcBef>
-                        <a:spcAft>
-                          <a:spcPts val="0"/>
-                        </a:spcAft>
-                        <a:buNone/>
-                      </a:pPr>
-                      <a:r>
-                        <a:rPr lang="en" sz="1000">
-                          <a:latin typeface="Poppins"/>
-                          <a:ea typeface="Poppins"/>
-                          <a:cs typeface="Poppins"/>
-                          <a:sym typeface="Poppins"/>
-                        </a:rPr>
-                        <a:t>m_cast</a:t>
-                      </a:r>
-                      <a:endParaRPr sz="1000">
-                        <a:latin typeface="Poppins"/>
-                        <a:ea typeface="Poppins"/>
-                        <a:cs typeface="Poppins"/>
-                        <a:sym typeface="Poppins"/>
-                      </a:endParaRPr>
-                    </a:p>
-                  </a:txBody>
-                  <a:tcPr marT="91425" marB="91425" marR="91425" marL="91425"/>
-                </a:tc>
-              </a:tr>
-              <a:tr h="128225">
-                <a:tc>
-                  <a:txBody>
-                    <a:bodyPr/>
-                    <a:lstStyle/>
-                    <a:p>
-                      <a:pPr indent="0" lvl="0" marL="0" rtl="0" algn="l">
-                        <a:spcBef>
-                          <a:spcPts val="0"/>
-                        </a:spcBef>
-                        <a:spcAft>
-                          <a:spcPts val="0"/>
-                        </a:spcAft>
-                        <a:buNone/>
-                      </a:pPr>
-                      <a:r>
-                        <a:rPr lang="en" sz="1000">
-                          <a:latin typeface="Poppins"/>
-                          <a:ea typeface="Poppins"/>
-                          <a:cs typeface="Poppins"/>
-                          <a:sym typeface="Poppins"/>
-                        </a:rPr>
-                        <a:t>m_description</a:t>
-                      </a:r>
-                      <a:endParaRPr sz="1000">
-                        <a:latin typeface="Poppins"/>
-                        <a:ea typeface="Poppins"/>
-                        <a:cs typeface="Poppins"/>
-                        <a:sym typeface="Poppins"/>
-                      </a:endParaRPr>
-                    </a:p>
-                  </a:txBody>
-                  <a:tcPr marT="91425" marB="91425" marR="91425" marL="91425"/>
-                </a:tc>
-              </a:tr>
-            </a:tbl>
-          </a:graphicData>
-        </a:graphic>
-      </p:graphicFrame>
       <p:sp>
         <p:nvSpPr>
-          <p:cNvPr id="239" name="Google Shape;239;p27"/>
+          <p:cNvPr id="261" name="Google Shape;261;p29"/>
           <p:cNvSpPr txBox="1"/>
           <p:nvPr>
             <p:ph idx="6" type="title"/>
@@ -25411,30 +26291,100 @@
             </a:pPr>
             <a:r>
               <a:rPr lang="en" sz="3100"/>
-              <a:t>E/ R Diagram and Relational Schema</a:t>
+              <a:t>ER Diagram + </a:t>
+            </a:r>
+            <a:r>
+              <a:rPr lang="en" sz="3100"/>
+              <a:t>Relational Schema</a:t>
             </a:r>
             <a:endParaRPr sz="3100"/>
           </a:p>
         </p:txBody>
       </p:sp>
+    </p:spTree>
+  </p:cSld>
+  <p:clrMapOvr>
+    <a:masterClrMapping/>
+  </p:clrMapOvr>
+</p:sld>
+</file>
+
+<file path=ppt/slides/slide7.xml><?xml version="1.0" encoding="utf-8"?>
+<p:sld xmlns:a="http://schemas.openxmlformats.org/drawingml/2006/main" xmlns:r="http://schemas.openxmlformats.org/officeDocument/2006/relationships" xmlns:mc="http://schemas.openxmlformats.org/markup-compatibility/2006" xmlns:mv="urn:schemas-microsoft-com:mac:vml" xmlns:p="http://schemas.openxmlformats.org/presentationml/2006/main" xmlns:c="http://schemas.openxmlformats.org/drawingml/2006/chart" xmlns:dgm="http://schemas.openxmlformats.org/drawingml/2006/diagram" xmlns:o="urn:schemas-microsoft-com:office:office" xmlns:v="urn:schemas-microsoft-com:vml" xmlns:pvml="urn:schemas-microsoft-com:office:powerpoint" xmlns:com="http://schemas.openxmlformats.org/drawingml/2006/compatibility" xmlns:p14="http://schemas.microsoft.com/office/powerpoint/2010/main" xmlns:p15="http://schemas.microsoft.com/office/powerpoint/2012/main" xmlns:ahyp="http://schemas.microsoft.com/office/drawing/2018/hyperlinkcolor">
+  <p:cSld>
+    <p:spTree>
+      <p:nvGrpSpPr>
+        <p:cNvPr id="265" name="Shape 265"/>
+        <p:cNvGrpSpPr/>
+        <p:nvPr/>
+      </p:nvGrpSpPr>
+      <p:grpSpPr>
+        <a:xfrm>
+          <a:off x="0" y="0"/>
+          <a:ext cx="0" cy="0"/>
+          <a:chOff x="0" y="0"/>
+          <a:chExt cx="0" cy="0"/>
+        </a:xfrm>
+      </p:grpSpPr>
       <p:sp>
         <p:nvSpPr>
-          <p:cNvPr id="240" name="Google Shape;240;p27"/>
+          <p:cNvPr id="266" name="Google Shape;266;p30"/>
           <p:cNvSpPr/>
           <p:nvPr/>
         </p:nvSpPr>
         <p:spPr>
-          <a:xfrm flipH="1">
-            <a:off x="711215" y="717864"/>
-            <a:ext cx="5889000" cy="320100"/>
+          <a:xfrm>
+            <a:off x="12812293" y="872774"/>
+            <a:ext cx="144983" cy="272315"/>
           </a:xfrm>
-          <a:prstGeom prst="roundRect">
-            <a:avLst>
-              <a:gd fmla="val 50000" name="adj"/>
-            </a:avLst>
-          </a:prstGeom>
+          <a:custGeom>
+            <a:rect b="b" l="l" r="r" t="t"/>
+            <a:pathLst>
+              <a:path extrusionOk="0" h="1388" w="739">
+                <a:moveTo>
+                  <a:pt x="36" y="1"/>
+                </a:moveTo>
+                <a:cubicBezTo>
+                  <a:pt x="27" y="1"/>
+                  <a:pt x="18" y="7"/>
+                  <a:pt x="12" y="18"/>
+                </a:cubicBezTo>
+                <a:cubicBezTo>
+                  <a:pt x="1" y="30"/>
+                  <a:pt x="1" y="42"/>
+                  <a:pt x="12" y="54"/>
+                </a:cubicBezTo>
+                <a:cubicBezTo>
+                  <a:pt x="405" y="590"/>
+                  <a:pt x="679" y="1352"/>
+                  <a:pt x="703" y="1364"/>
+                </a:cubicBezTo>
+                <a:cubicBezTo>
+                  <a:pt x="679" y="1388"/>
+                  <a:pt x="715" y="1388"/>
+                  <a:pt x="727" y="1388"/>
+                </a:cubicBezTo>
+                <a:cubicBezTo>
+                  <a:pt x="739" y="1364"/>
+                  <a:pt x="739" y="1352"/>
+                  <a:pt x="739" y="1340"/>
+                </a:cubicBezTo>
+                <a:cubicBezTo>
+                  <a:pt x="739" y="1328"/>
+                  <a:pt x="453" y="554"/>
+                  <a:pt x="60" y="18"/>
+                </a:cubicBezTo>
+                <a:cubicBezTo>
+                  <a:pt x="54" y="7"/>
+                  <a:pt x="45" y="1"/>
+                  <a:pt x="36" y="1"/>
+                </a:cubicBezTo>
+                <a:close/>
+              </a:path>
+            </a:pathLst>
+          </a:custGeom>
           <a:solidFill>
-            <a:schemeClr val="lt1"/>
+            <a:srgbClr val="FEF8E9"/>
           </a:solidFill>
           <a:ln>
             <a:noFill/>
@@ -25462,781 +26412,125 @@
           </a:p>
         </p:txBody>
       </p:sp>
-      <p:graphicFrame>
-        <p:nvGraphicFramePr>
-          <p:cNvPr id="241" name="Google Shape;241;p27"/>
-          <p:cNvGraphicFramePr/>
-          <p:nvPr/>
-        </p:nvGraphicFramePr>
-        <p:xfrm>
-          <a:off x="7722675" y="1902850"/>
-          <a:ext cx="3000000" cy="3000000"/>
-        </p:xfrm>
-        <a:graphic>
-          <a:graphicData uri="http://schemas.openxmlformats.org/drawingml/2006/table">
-            <a:tbl>
-              <a:tblPr>
-                <a:noFill/>
-                <a:tableStyleId>{7E795E26-80DD-4F68-B79D-BE209788D9A9}</a:tableStyleId>
-              </a:tblPr>
-              <a:tblGrid>
-                <a:gridCol w="1123850"/>
-              </a:tblGrid>
-              <a:tr h="123750">
-                <a:tc>
-                  <a:txBody>
-                    <a:bodyPr/>
-                    <a:lstStyle/>
-                    <a:p>
-                      <a:pPr indent="0" lvl="0" marL="0" rtl="0" algn="ctr">
-                        <a:spcBef>
-                          <a:spcPts val="0"/>
-                        </a:spcBef>
-                        <a:spcAft>
-                          <a:spcPts val="0"/>
-                        </a:spcAft>
-                        <a:buNone/>
-                      </a:pPr>
-                      <a:r>
-                        <a:rPr b="1" lang="en" sz="1000">
-                          <a:latin typeface="Poppins"/>
-                          <a:ea typeface="Poppins"/>
-                          <a:cs typeface="Poppins"/>
-                          <a:sym typeface="Poppins"/>
-                        </a:rPr>
-                        <a:t>Shows</a:t>
-                      </a:r>
-                      <a:endParaRPr b="1" sz="1000">
-                        <a:latin typeface="Poppins"/>
-                        <a:ea typeface="Poppins"/>
-                        <a:cs typeface="Poppins"/>
-                        <a:sym typeface="Poppins"/>
-                      </a:endParaRPr>
-                    </a:p>
-                  </a:txBody>
-                  <a:tcPr marT="91425" marB="91425" marR="91425" marL="91425"/>
-                </a:tc>
-              </a:tr>
-              <a:tr h="123750">
-                <a:tc>
-                  <a:txBody>
-                    <a:bodyPr/>
-                    <a:lstStyle/>
-                    <a:p>
-                      <a:pPr indent="0" lvl="0" marL="0" rtl="0" algn="l">
-                        <a:spcBef>
-                          <a:spcPts val="0"/>
-                        </a:spcBef>
-                        <a:spcAft>
-                          <a:spcPts val="0"/>
-                        </a:spcAft>
-                        <a:buNone/>
-                      </a:pPr>
-                      <a:r>
-                        <a:rPr lang="en" sz="1000">
-                          <a:latin typeface="Poppins"/>
-                          <a:ea typeface="Poppins"/>
-                          <a:cs typeface="Poppins"/>
-                          <a:sym typeface="Poppins"/>
-                        </a:rPr>
-                        <a:t>s</a:t>
-                      </a:r>
-                      <a:r>
-                        <a:rPr lang="en" sz="1000">
-                          <a:latin typeface="Poppins"/>
-                          <a:ea typeface="Poppins"/>
-                          <a:cs typeface="Poppins"/>
-                          <a:sym typeface="Poppins"/>
-                        </a:rPr>
-                        <a:t>_sid</a:t>
-                      </a:r>
-                      <a:endParaRPr sz="1000">
-                        <a:latin typeface="Poppins"/>
-                        <a:ea typeface="Poppins"/>
-                        <a:cs typeface="Poppins"/>
-                        <a:sym typeface="Poppins"/>
-                      </a:endParaRPr>
-                    </a:p>
-                  </a:txBody>
-                  <a:tcPr marT="91425" marB="91425" marR="91425" marL="91425"/>
-                </a:tc>
-              </a:tr>
-              <a:tr h="123750">
-                <a:tc>
-                  <a:txBody>
-                    <a:bodyPr/>
-                    <a:lstStyle/>
-                    <a:p>
-                      <a:pPr indent="0" lvl="0" marL="0" rtl="0" algn="l">
-                        <a:spcBef>
-                          <a:spcPts val="0"/>
-                        </a:spcBef>
-                        <a:spcAft>
-                          <a:spcPts val="0"/>
-                        </a:spcAft>
-                        <a:buNone/>
-                      </a:pPr>
-                      <a:r>
-                        <a:rPr lang="en" sz="1000">
-                          <a:latin typeface="Poppins"/>
-                          <a:ea typeface="Poppins"/>
-                          <a:cs typeface="Poppins"/>
-                          <a:sym typeface="Poppins"/>
-                        </a:rPr>
-                        <a:t>s</a:t>
-                      </a:r>
-                      <a:r>
-                        <a:rPr lang="en" sz="1000">
-                          <a:latin typeface="Poppins"/>
-                          <a:ea typeface="Poppins"/>
-                          <a:cs typeface="Poppins"/>
-                          <a:sym typeface="Poppins"/>
-                        </a:rPr>
-                        <a:t>_title</a:t>
-                      </a:r>
-                      <a:endParaRPr sz="1000">
-                        <a:latin typeface="Poppins"/>
-                        <a:ea typeface="Poppins"/>
-                        <a:cs typeface="Poppins"/>
-                        <a:sym typeface="Poppins"/>
-                      </a:endParaRPr>
-                    </a:p>
-                  </a:txBody>
-                  <a:tcPr marT="91425" marB="91425" marR="91425" marL="91425"/>
-                </a:tc>
-              </a:tr>
-              <a:tr h="123750">
-                <a:tc>
-                  <a:txBody>
-                    <a:bodyPr/>
-                    <a:lstStyle/>
-                    <a:p>
-                      <a:pPr indent="0" lvl="0" marL="0" rtl="0" algn="l">
-                        <a:spcBef>
-                          <a:spcPts val="0"/>
-                        </a:spcBef>
-                        <a:spcAft>
-                          <a:spcPts val="0"/>
-                        </a:spcAft>
-                        <a:buNone/>
-                      </a:pPr>
-                      <a:r>
-                        <a:rPr lang="en" sz="1000">
-                          <a:latin typeface="Poppins"/>
-                          <a:ea typeface="Poppins"/>
-                          <a:cs typeface="Poppins"/>
-                          <a:sym typeface="Poppins"/>
-                        </a:rPr>
-                        <a:t>s</a:t>
-                      </a:r>
-                      <a:r>
-                        <a:rPr lang="en" sz="1000">
-                          <a:latin typeface="Poppins"/>
-                          <a:ea typeface="Poppins"/>
-                          <a:cs typeface="Poppins"/>
-                          <a:sym typeface="Poppins"/>
-                        </a:rPr>
-                        <a:t>_cast</a:t>
-                      </a:r>
-                      <a:endParaRPr sz="1000">
-                        <a:latin typeface="Poppins"/>
-                        <a:ea typeface="Poppins"/>
-                        <a:cs typeface="Poppins"/>
-                        <a:sym typeface="Poppins"/>
-                      </a:endParaRPr>
-                    </a:p>
-                  </a:txBody>
-                  <a:tcPr marT="91425" marB="91425" marR="91425" marL="91425"/>
-                </a:tc>
-              </a:tr>
-              <a:tr h="123750">
-                <a:tc>
-                  <a:txBody>
-                    <a:bodyPr/>
-                    <a:lstStyle/>
-                    <a:p>
-                      <a:pPr indent="0" lvl="0" marL="0" rtl="0" algn="l">
-                        <a:spcBef>
-                          <a:spcPts val="0"/>
-                        </a:spcBef>
-                        <a:spcAft>
-                          <a:spcPts val="0"/>
-                        </a:spcAft>
-                        <a:buNone/>
-                      </a:pPr>
-                      <a:r>
-                        <a:rPr lang="en" sz="1000">
-                          <a:latin typeface="Poppins"/>
-                          <a:ea typeface="Poppins"/>
-                          <a:cs typeface="Poppins"/>
-                          <a:sym typeface="Poppins"/>
-                        </a:rPr>
-                        <a:t>s</a:t>
-                      </a:r>
-                      <a:r>
-                        <a:rPr lang="en" sz="1000">
-                          <a:latin typeface="Poppins"/>
-                          <a:ea typeface="Poppins"/>
-                          <a:cs typeface="Poppins"/>
-                          <a:sym typeface="Poppins"/>
-                        </a:rPr>
-                        <a:t>_description</a:t>
-                      </a:r>
-                      <a:endParaRPr sz="1000">
-                        <a:latin typeface="Poppins"/>
-                        <a:ea typeface="Poppins"/>
-                        <a:cs typeface="Poppins"/>
-                        <a:sym typeface="Poppins"/>
-                      </a:endParaRPr>
-                    </a:p>
-                  </a:txBody>
-                  <a:tcPr marT="91425" marB="91425" marR="91425" marL="91425"/>
-                </a:tc>
-              </a:tr>
-            </a:tbl>
-          </a:graphicData>
-        </a:graphic>
-      </p:graphicFrame>
-      <p:graphicFrame>
-        <p:nvGraphicFramePr>
-          <p:cNvPr id="242" name="Google Shape;242;p27"/>
-          <p:cNvGraphicFramePr/>
-          <p:nvPr/>
-        </p:nvGraphicFramePr>
-        <p:xfrm>
-          <a:off x="2833363" y="3381000"/>
-          <a:ext cx="3000000" cy="3000000"/>
-        </p:xfrm>
-        <a:graphic>
-          <a:graphicData uri="http://schemas.openxmlformats.org/drawingml/2006/table">
-            <a:tbl>
-              <a:tblPr>
-                <a:noFill/>
-                <a:tableStyleId>{7E795E26-80DD-4F68-B79D-BE209788D9A9}</a:tableStyleId>
-              </a:tblPr>
-              <a:tblGrid>
-                <a:gridCol w="928975"/>
-              </a:tblGrid>
-              <a:tr h="17525">
-                <a:tc>
-                  <a:txBody>
-                    <a:bodyPr/>
-                    <a:lstStyle/>
-                    <a:p>
-                      <a:pPr indent="0" lvl="0" marL="0" rtl="0" algn="ctr">
-                        <a:spcBef>
-                          <a:spcPts val="0"/>
-                        </a:spcBef>
-                        <a:spcAft>
-                          <a:spcPts val="0"/>
-                        </a:spcAft>
-                        <a:buNone/>
-                      </a:pPr>
-                      <a:r>
-                        <a:rPr b="1" lang="en" sz="1000">
-                          <a:latin typeface="Poppins"/>
-                          <a:ea typeface="Poppins"/>
-                          <a:cs typeface="Poppins"/>
-                          <a:sym typeface="Poppins"/>
-                        </a:rPr>
-                        <a:t>Release</a:t>
-                      </a:r>
-                      <a:endParaRPr b="1" sz="1000">
-                        <a:latin typeface="Poppins"/>
-                        <a:ea typeface="Poppins"/>
-                        <a:cs typeface="Poppins"/>
-                        <a:sym typeface="Poppins"/>
-                      </a:endParaRPr>
-                    </a:p>
-                  </a:txBody>
-                  <a:tcPr marT="91425" marB="91425" marR="91425" marL="91425"/>
-                </a:tc>
-              </a:tr>
-              <a:tr h="17525">
-                <a:tc>
-                  <a:txBody>
-                    <a:bodyPr/>
-                    <a:lstStyle/>
-                    <a:p>
-                      <a:pPr indent="0" lvl="0" marL="0" rtl="0" algn="l">
-                        <a:spcBef>
-                          <a:spcPts val="0"/>
-                        </a:spcBef>
-                        <a:spcAft>
-                          <a:spcPts val="0"/>
-                        </a:spcAft>
-                        <a:buNone/>
-                      </a:pPr>
-                      <a:r>
-                        <a:rPr lang="en" sz="1000">
-                          <a:latin typeface="Poppins"/>
-                          <a:ea typeface="Poppins"/>
-                          <a:cs typeface="Poppins"/>
-                          <a:sym typeface="Poppins"/>
-                        </a:rPr>
-                        <a:t>re</a:t>
-                      </a:r>
-                      <a:r>
-                        <a:rPr lang="en" sz="1000">
-                          <a:latin typeface="Poppins"/>
-                          <a:ea typeface="Poppins"/>
-                          <a:cs typeface="Poppins"/>
-                          <a:sym typeface="Poppins"/>
-                        </a:rPr>
-                        <a:t>_sid</a:t>
-                      </a:r>
-                      <a:endParaRPr sz="1000">
-                        <a:latin typeface="Poppins"/>
-                        <a:ea typeface="Poppins"/>
-                        <a:cs typeface="Poppins"/>
-                        <a:sym typeface="Poppins"/>
-                      </a:endParaRPr>
-                    </a:p>
-                  </a:txBody>
-                  <a:tcPr marT="91425" marB="91425" marR="91425" marL="91425"/>
-                </a:tc>
-              </a:tr>
-              <a:tr h="26975">
-                <a:tc>
-                  <a:txBody>
-                    <a:bodyPr/>
-                    <a:lstStyle/>
-                    <a:p>
-                      <a:pPr indent="0" lvl="0" marL="0" rtl="0" algn="l">
-                        <a:spcBef>
-                          <a:spcPts val="0"/>
-                        </a:spcBef>
-                        <a:spcAft>
-                          <a:spcPts val="0"/>
-                        </a:spcAft>
-                        <a:buNone/>
-                      </a:pPr>
-                      <a:r>
-                        <a:rPr lang="en" sz="1000">
-                          <a:latin typeface="Poppins"/>
-                          <a:ea typeface="Poppins"/>
-                          <a:cs typeface="Poppins"/>
-                          <a:sym typeface="Poppins"/>
-                        </a:rPr>
-                        <a:t>re</a:t>
-                      </a:r>
-                      <a:r>
-                        <a:rPr lang="en" sz="1000">
-                          <a:latin typeface="Poppins"/>
-                          <a:ea typeface="Poppins"/>
-                          <a:cs typeface="Poppins"/>
-                          <a:sym typeface="Poppins"/>
-                        </a:rPr>
-                        <a:t>_release</a:t>
-                      </a:r>
-                      <a:endParaRPr sz="1000">
-                        <a:latin typeface="Poppins"/>
-                        <a:ea typeface="Poppins"/>
-                        <a:cs typeface="Poppins"/>
-                        <a:sym typeface="Poppins"/>
-                      </a:endParaRPr>
-                    </a:p>
-                  </a:txBody>
-                  <a:tcPr marT="91425" marB="91425" marR="91425" marL="91425"/>
-                </a:tc>
-              </a:tr>
-              <a:tr h="26975">
-                <a:tc>
-                  <a:txBody>
-                    <a:bodyPr/>
-                    <a:lstStyle/>
-                    <a:p>
-                      <a:pPr indent="0" lvl="0" marL="0" rtl="0" algn="l">
-                        <a:spcBef>
-                          <a:spcPts val="0"/>
-                        </a:spcBef>
-                        <a:spcAft>
-                          <a:spcPts val="0"/>
-                        </a:spcAft>
-                        <a:buNone/>
-                      </a:pPr>
-                      <a:r>
-                        <a:rPr lang="en" sz="1000">
-                          <a:latin typeface="Poppins"/>
-                          <a:ea typeface="Poppins"/>
-                          <a:cs typeface="Poppins"/>
-                          <a:sym typeface="Poppins"/>
-                        </a:rPr>
-                        <a:t>re_added</a:t>
-                      </a:r>
-                      <a:endParaRPr sz="1000">
-                        <a:latin typeface="Poppins"/>
-                        <a:ea typeface="Poppins"/>
-                        <a:cs typeface="Poppins"/>
-                        <a:sym typeface="Poppins"/>
-                      </a:endParaRPr>
-                    </a:p>
-                  </a:txBody>
-                  <a:tcPr marT="91425" marB="91425" marR="91425" marL="91425"/>
-                </a:tc>
-              </a:tr>
-            </a:tbl>
-          </a:graphicData>
-        </a:graphic>
-      </p:graphicFrame>
-      <p:graphicFrame>
-        <p:nvGraphicFramePr>
-          <p:cNvPr id="243" name="Google Shape;243;p27"/>
-          <p:cNvGraphicFramePr/>
-          <p:nvPr/>
-        </p:nvGraphicFramePr>
-        <p:xfrm>
-          <a:off x="4204250" y="3381000"/>
-          <a:ext cx="3000000" cy="3000000"/>
-        </p:xfrm>
-        <a:graphic>
-          <a:graphicData uri="http://schemas.openxmlformats.org/drawingml/2006/table">
-            <a:tbl>
-              <a:tblPr>
-                <a:noFill/>
-                <a:tableStyleId>{7E795E26-80DD-4F68-B79D-BE209788D9A9}</a:tableStyleId>
-              </a:tblPr>
-              <a:tblGrid>
-                <a:gridCol w="749025"/>
-              </a:tblGrid>
-              <a:tr h="396200">
-                <a:tc>
-                  <a:txBody>
-                    <a:bodyPr/>
-                    <a:lstStyle/>
-                    <a:p>
-                      <a:pPr indent="0" lvl="0" marL="0" rtl="0" algn="ctr">
-                        <a:spcBef>
-                          <a:spcPts val="0"/>
-                        </a:spcBef>
-                        <a:spcAft>
-                          <a:spcPts val="0"/>
-                        </a:spcAft>
-                        <a:buNone/>
-                      </a:pPr>
-                      <a:r>
-                        <a:rPr b="1" lang="en" sz="1000">
-                          <a:latin typeface="Poppins"/>
-                          <a:ea typeface="Poppins"/>
-                          <a:cs typeface="Poppins"/>
-                          <a:sym typeface="Poppins"/>
-                        </a:rPr>
-                        <a:t>Genre</a:t>
-                      </a:r>
-                      <a:endParaRPr b="1" sz="1000">
-                        <a:latin typeface="Poppins"/>
-                        <a:ea typeface="Poppins"/>
-                        <a:cs typeface="Poppins"/>
-                        <a:sym typeface="Poppins"/>
-                      </a:endParaRPr>
-                    </a:p>
-                  </a:txBody>
-                  <a:tcPr marT="91425" marB="91425" marR="91425" marL="91425"/>
-                </a:tc>
-              </a:tr>
-              <a:tr h="396200">
-                <a:tc>
-                  <a:txBody>
-                    <a:bodyPr/>
-                    <a:lstStyle/>
-                    <a:p>
-                      <a:pPr indent="0" lvl="0" marL="0" rtl="0" algn="l">
-                        <a:spcBef>
-                          <a:spcPts val="0"/>
-                        </a:spcBef>
-                        <a:spcAft>
-                          <a:spcPts val="0"/>
-                        </a:spcAft>
-                        <a:buNone/>
-                      </a:pPr>
-                      <a:r>
-                        <a:rPr lang="en" sz="1000">
-                          <a:latin typeface="Poppins"/>
-                          <a:ea typeface="Poppins"/>
-                          <a:cs typeface="Poppins"/>
-                          <a:sym typeface="Poppins"/>
-                        </a:rPr>
-                        <a:t>g_</a:t>
-                      </a:r>
-                      <a:r>
-                        <a:rPr lang="en" sz="1000">
-                          <a:latin typeface="Poppins"/>
-                          <a:ea typeface="Poppins"/>
-                          <a:cs typeface="Poppins"/>
-                          <a:sym typeface="Poppins"/>
-                        </a:rPr>
-                        <a:t>sid</a:t>
-                      </a:r>
-                      <a:endParaRPr sz="1000">
-                        <a:latin typeface="Poppins"/>
-                        <a:ea typeface="Poppins"/>
-                        <a:cs typeface="Poppins"/>
-                        <a:sym typeface="Poppins"/>
-                      </a:endParaRPr>
-                    </a:p>
-                  </a:txBody>
-                  <a:tcPr marT="91425" marB="91425" marR="91425" marL="91425"/>
-                </a:tc>
-              </a:tr>
-              <a:tr h="396200">
-                <a:tc>
-                  <a:txBody>
-                    <a:bodyPr/>
-                    <a:lstStyle/>
-                    <a:p>
-                      <a:pPr indent="0" lvl="0" marL="0" rtl="0" algn="l">
-                        <a:spcBef>
-                          <a:spcPts val="0"/>
-                        </a:spcBef>
-                        <a:spcAft>
-                          <a:spcPts val="0"/>
-                        </a:spcAft>
-                        <a:buNone/>
-                      </a:pPr>
-                      <a:r>
-                        <a:rPr lang="en" sz="1000">
-                          <a:latin typeface="Poppins"/>
-                          <a:ea typeface="Poppins"/>
-                          <a:cs typeface="Poppins"/>
-                          <a:sym typeface="Poppins"/>
-                        </a:rPr>
-                        <a:t>g</a:t>
-                      </a:r>
-                      <a:r>
-                        <a:rPr lang="en" sz="1000">
-                          <a:latin typeface="Poppins"/>
-                          <a:ea typeface="Poppins"/>
-                          <a:cs typeface="Poppins"/>
-                          <a:sym typeface="Poppins"/>
-                        </a:rPr>
-                        <a:t>_genre</a:t>
-                      </a:r>
-                      <a:endParaRPr sz="1000">
-                        <a:latin typeface="Poppins"/>
-                        <a:ea typeface="Poppins"/>
-                        <a:cs typeface="Poppins"/>
-                        <a:sym typeface="Poppins"/>
-                      </a:endParaRPr>
-                    </a:p>
-                  </a:txBody>
-                  <a:tcPr marT="91425" marB="91425" marR="91425" marL="91425"/>
-                </a:tc>
-              </a:tr>
-            </a:tbl>
-          </a:graphicData>
-        </a:graphic>
-      </p:graphicFrame>
-      <p:graphicFrame>
-        <p:nvGraphicFramePr>
-          <p:cNvPr id="244" name="Google Shape;244;p27"/>
-          <p:cNvGraphicFramePr/>
-          <p:nvPr/>
-        </p:nvGraphicFramePr>
-        <p:xfrm>
-          <a:off x="5334773" y="3380988"/>
-          <a:ext cx="3000000" cy="3000000"/>
-        </p:xfrm>
-        <a:graphic>
-          <a:graphicData uri="http://schemas.openxmlformats.org/drawingml/2006/table">
-            <a:tbl>
-              <a:tblPr>
-                <a:noFill/>
-                <a:tableStyleId>{7E795E26-80DD-4F68-B79D-BE209788D9A9}</a:tableStyleId>
-              </a:tblPr>
-              <a:tblGrid>
-                <a:gridCol w="815475"/>
-              </a:tblGrid>
-              <a:tr h="99050">
-                <a:tc>
-                  <a:txBody>
-                    <a:bodyPr/>
-                    <a:lstStyle/>
-                    <a:p>
-                      <a:pPr indent="0" lvl="0" marL="0" rtl="0" algn="ctr">
-                        <a:spcBef>
-                          <a:spcPts val="0"/>
-                        </a:spcBef>
-                        <a:spcAft>
-                          <a:spcPts val="0"/>
-                        </a:spcAft>
-                        <a:buNone/>
-                      </a:pPr>
-                      <a:r>
-                        <a:rPr b="1" lang="en" sz="1000">
-                          <a:latin typeface="Poppins"/>
-                          <a:ea typeface="Poppins"/>
-                          <a:cs typeface="Poppins"/>
-                          <a:sym typeface="Poppins"/>
-                        </a:rPr>
-                        <a:t>Rating</a:t>
-                      </a:r>
-                      <a:endParaRPr b="1" sz="1000">
-                        <a:latin typeface="Poppins"/>
-                        <a:ea typeface="Poppins"/>
-                        <a:cs typeface="Poppins"/>
-                        <a:sym typeface="Poppins"/>
-                      </a:endParaRPr>
-                    </a:p>
-                  </a:txBody>
-                  <a:tcPr marT="91425" marB="91425" marR="91425" marL="91425"/>
-                </a:tc>
-              </a:tr>
-              <a:tr h="99050">
-                <a:tc>
-                  <a:txBody>
-                    <a:bodyPr/>
-                    <a:lstStyle/>
-                    <a:p>
-                      <a:pPr indent="0" lvl="0" marL="0" rtl="0" algn="l">
-                        <a:spcBef>
-                          <a:spcPts val="0"/>
-                        </a:spcBef>
-                        <a:spcAft>
-                          <a:spcPts val="0"/>
-                        </a:spcAft>
-                        <a:buNone/>
-                      </a:pPr>
-                      <a:r>
-                        <a:rPr lang="en" sz="1000">
-                          <a:latin typeface="Poppins"/>
-                          <a:ea typeface="Poppins"/>
-                          <a:cs typeface="Poppins"/>
-                          <a:sym typeface="Poppins"/>
-                        </a:rPr>
-                        <a:t>ra</a:t>
-                      </a:r>
-                      <a:r>
-                        <a:rPr lang="en" sz="1000">
-                          <a:latin typeface="Poppins"/>
-                          <a:ea typeface="Poppins"/>
-                          <a:cs typeface="Poppins"/>
-                          <a:sym typeface="Poppins"/>
-                        </a:rPr>
-                        <a:t>_sid</a:t>
-                      </a:r>
-                      <a:endParaRPr sz="1000">
-                        <a:latin typeface="Poppins"/>
-                        <a:ea typeface="Poppins"/>
-                        <a:cs typeface="Poppins"/>
-                        <a:sym typeface="Poppins"/>
-                      </a:endParaRPr>
-                    </a:p>
-                  </a:txBody>
-                  <a:tcPr marT="91425" marB="91425" marR="91425" marL="91425"/>
-                </a:tc>
-              </a:tr>
-              <a:tr h="99050">
-                <a:tc>
-                  <a:txBody>
-                    <a:bodyPr/>
-                    <a:lstStyle/>
-                    <a:p>
-                      <a:pPr indent="0" lvl="0" marL="0" rtl="0" algn="l">
-                        <a:spcBef>
-                          <a:spcPts val="0"/>
-                        </a:spcBef>
-                        <a:spcAft>
-                          <a:spcPts val="0"/>
-                        </a:spcAft>
-                        <a:buNone/>
-                      </a:pPr>
-                      <a:r>
-                        <a:rPr lang="en" sz="1000">
-                          <a:latin typeface="Poppins"/>
-                          <a:ea typeface="Poppins"/>
-                          <a:cs typeface="Poppins"/>
-                          <a:sym typeface="Poppins"/>
-                        </a:rPr>
-                        <a:t>r</a:t>
-                      </a:r>
-                      <a:r>
-                        <a:rPr lang="en" sz="1000">
-                          <a:latin typeface="Poppins"/>
-                          <a:ea typeface="Poppins"/>
-                          <a:cs typeface="Poppins"/>
-                          <a:sym typeface="Poppins"/>
-                        </a:rPr>
-                        <a:t>a</a:t>
-                      </a:r>
-                      <a:r>
-                        <a:rPr lang="en" sz="1000">
-                          <a:latin typeface="Poppins"/>
-                          <a:ea typeface="Poppins"/>
-                          <a:cs typeface="Poppins"/>
-                          <a:sym typeface="Poppins"/>
-                        </a:rPr>
-                        <a:t>_rating</a:t>
-                      </a:r>
-                      <a:endParaRPr sz="1000">
-                        <a:latin typeface="Poppins"/>
-                        <a:ea typeface="Poppins"/>
-                        <a:cs typeface="Poppins"/>
-                        <a:sym typeface="Poppins"/>
-                      </a:endParaRPr>
-                    </a:p>
-                  </a:txBody>
-                  <a:tcPr marT="91425" marB="91425" marR="91425" marL="91425"/>
-                </a:tc>
-              </a:tr>
-              <a:tr h="99050">
-                <a:tc>
-                  <a:txBody>
-                    <a:bodyPr/>
-                    <a:lstStyle/>
-                    <a:p>
-                      <a:pPr indent="0" lvl="0" marL="0" rtl="0" algn="l">
-                        <a:spcBef>
-                          <a:spcPts val="0"/>
-                        </a:spcBef>
-                        <a:spcAft>
-                          <a:spcPts val="0"/>
-                        </a:spcAft>
-                        <a:buNone/>
-                      </a:pPr>
-                      <a:r>
-                        <a:rPr lang="en" sz="1000">
-                          <a:latin typeface="Poppins"/>
-                          <a:ea typeface="Poppins"/>
-                          <a:cs typeface="Poppins"/>
-                          <a:sym typeface="Poppins"/>
-                        </a:rPr>
-                        <a:t>ra_stars</a:t>
-                      </a:r>
-                      <a:endParaRPr sz="1000">
-                        <a:latin typeface="Poppins"/>
-                        <a:ea typeface="Poppins"/>
-                        <a:cs typeface="Poppins"/>
-                        <a:sym typeface="Poppins"/>
-                      </a:endParaRPr>
-                    </a:p>
-                  </a:txBody>
-                  <a:tcPr marT="91425" marB="91425" marR="91425" marL="91425"/>
-                </a:tc>
-              </a:tr>
-            </a:tbl>
-          </a:graphicData>
-        </a:graphic>
-      </p:graphicFrame>
       <p:sp>
         <p:nvSpPr>
-          <p:cNvPr id="245" name="Google Shape;245;p27"/>
+          <p:cNvPr id="267" name="Google Shape;267;p30"/>
           <p:cNvSpPr/>
           <p:nvPr/>
         </p:nvSpPr>
         <p:spPr>
           <a:xfrm>
-            <a:off x="6661825" y="1245250"/>
-            <a:ext cx="708900" cy="657600"/>
+            <a:off x="12634741" y="984406"/>
+            <a:ext cx="165975" cy="226210"/>
           </a:xfrm>
-          <a:prstGeom prst="diamond">
-            <a:avLst/>
-          </a:prstGeom>
+          <a:custGeom>
+            <a:rect b="b" l="l" r="r" t="t"/>
+            <a:pathLst>
+              <a:path extrusionOk="0" h="1153" w="846">
+                <a:moveTo>
+                  <a:pt x="804" y="0"/>
+                </a:moveTo>
+                <a:cubicBezTo>
+                  <a:pt x="798" y="0"/>
+                  <a:pt x="792" y="3"/>
+                  <a:pt x="786" y="9"/>
+                </a:cubicBezTo>
+                <a:cubicBezTo>
+                  <a:pt x="751" y="21"/>
+                  <a:pt x="179" y="497"/>
+                  <a:pt x="1" y="1116"/>
+                </a:cubicBezTo>
+                <a:cubicBezTo>
+                  <a:pt x="1" y="1128"/>
+                  <a:pt x="1" y="1140"/>
+                  <a:pt x="24" y="1152"/>
+                </a:cubicBezTo>
+                <a:cubicBezTo>
+                  <a:pt x="24" y="1140"/>
+                  <a:pt x="36" y="1140"/>
+                  <a:pt x="60" y="1140"/>
+                </a:cubicBezTo>
+                <a:lnTo>
+                  <a:pt x="72" y="1128"/>
+                </a:lnTo>
+                <a:cubicBezTo>
+                  <a:pt x="251" y="533"/>
+                  <a:pt x="822" y="57"/>
+                  <a:pt x="822" y="57"/>
+                </a:cubicBezTo>
+                <a:cubicBezTo>
+                  <a:pt x="846" y="45"/>
+                  <a:pt x="846" y="21"/>
+                  <a:pt x="822" y="9"/>
+                </a:cubicBezTo>
+                <a:cubicBezTo>
+                  <a:pt x="816" y="3"/>
+                  <a:pt x="810" y="0"/>
+                  <a:pt x="804" y="0"/>
+                </a:cubicBezTo>
+                <a:close/>
+              </a:path>
+            </a:pathLst>
+          </a:custGeom>
           <a:solidFill>
-            <a:schemeClr val="lt1"/>
+            <a:srgbClr val="FEF8E9"/>
           </a:solidFill>
-          <a:ln cap="flat" cmpd="sng" w="9525">
+          <a:ln>
+            <a:noFill/>
+          </a:ln>
+        </p:spPr>
+        <p:txBody>
+          <a:bodyPr anchorCtr="0" anchor="ctr" bIns="91425" lIns="91425" spcFirstLastPara="1" rIns="91425" wrap="square" tIns="91425">
+            <a:noAutofit/>
+          </a:bodyPr>
+          <a:lstStyle/>
+          <a:p>
+            <a:pPr indent="0" lvl="0" marL="0" rtl="0" algn="l">
+              <a:spcBef>
+                <a:spcPts val="0"/>
+              </a:spcBef>
+              <a:spcAft>
+                <a:spcPts val="0"/>
+              </a:spcAft>
+              <a:buNone/>
+            </a:pPr>
+            <a:r>
+              <a:t/>
+            </a:r>
+            <a:endParaRPr/>
+          </a:p>
+        </p:txBody>
+      </p:sp>
+      <p:sp>
+        <p:nvSpPr>
+          <p:cNvPr id="268" name="Google Shape;268;p30"/>
+          <p:cNvSpPr/>
+          <p:nvPr/>
+        </p:nvSpPr>
+        <p:spPr>
+          <a:xfrm>
+            <a:off x="12359096" y="2644566"/>
+            <a:ext cx="116928" cy="53953"/>
+          </a:xfrm>
+          <a:custGeom>
+            <a:rect b="b" l="l" r="r" t="t"/>
+            <a:pathLst>
+              <a:path extrusionOk="0" fill="none" h="275" w="596">
+                <a:moveTo>
+                  <a:pt x="1" y="274"/>
+                </a:moveTo>
+                <a:cubicBezTo>
+                  <a:pt x="191" y="179"/>
+                  <a:pt x="394" y="96"/>
+                  <a:pt x="596" y="0"/>
+                </a:cubicBezTo>
+              </a:path>
+            </a:pathLst>
+          </a:custGeom>
+          <a:noFill/>
+          <a:ln cap="rnd" cmpd="sng" w="4475">
             <a:solidFill>
-              <a:srgbClr val="93C47D"/>
+              <a:srgbClr val="2AB59D"/>
             </a:solidFill>
             <a:prstDash val="solid"/>
             <a:round/>
@@ -26268,87 +26562,25 @@
       </p:sp>
       <p:sp>
         <p:nvSpPr>
-          <p:cNvPr id="246" name="Google Shape;246;p27"/>
-          <p:cNvSpPr txBox="1"/>
-          <p:nvPr/>
-        </p:nvSpPr>
-        <p:spPr>
-          <a:xfrm>
-            <a:off x="6741625" y="1404700"/>
-            <a:ext cx="549300" cy="338700"/>
-          </a:xfrm>
-          <a:prstGeom prst="rect">
-            <a:avLst/>
-          </a:prstGeom>
-          <a:noFill/>
-          <a:ln cap="flat" cmpd="sng" w="9525">
-            <a:solidFill>
-              <a:schemeClr val="lt1"/>
-            </a:solidFill>
-            <a:prstDash val="solid"/>
-            <a:round/>
-            <a:headEnd len="sm" w="sm" type="none"/>
-            <a:tailEnd len="sm" w="sm" type="none"/>
-          </a:ln>
-        </p:spPr>
-        <p:txBody>
-          <a:bodyPr anchorCtr="0" anchor="t" bIns="91425" lIns="91425" spcFirstLastPara="1" rIns="91425" wrap="square" tIns="91425">
-            <a:spAutoFit/>
-          </a:bodyPr>
-          <a:lstStyle/>
-          <a:p>
-            <a:pPr indent="0" lvl="0" marL="0" rtl="0" algn="ctr">
-              <a:spcBef>
-                <a:spcPts val="0"/>
-              </a:spcBef>
-              <a:spcAft>
-                <a:spcPts val="0"/>
-              </a:spcAft>
-              <a:buNone/>
-            </a:pPr>
-            <a:r>
-              <a:rPr lang="en" sz="1000">
-                <a:latin typeface="Poppins"/>
-                <a:ea typeface="Poppins"/>
-                <a:cs typeface="Poppins"/>
-                <a:sym typeface="Poppins"/>
-              </a:rPr>
-              <a:t>Like</a:t>
-            </a:r>
-            <a:endParaRPr sz="1000">
-              <a:latin typeface="Poppins"/>
-              <a:ea typeface="Poppins"/>
-              <a:cs typeface="Poppins"/>
-              <a:sym typeface="Poppins"/>
-            </a:endParaRPr>
-          </a:p>
-        </p:txBody>
-      </p:sp>
-      <p:sp>
-        <p:nvSpPr>
-          <p:cNvPr id="247" name="Google Shape;247;p27"/>
+          <p:cNvPr id="269" name="Google Shape;269;p30"/>
           <p:cNvSpPr/>
           <p:nvPr/>
         </p:nvSpPr>
         <p:spPr>
           <a:xfrm>
-            <a:off x="6661813" y="2723400"/>
-            <a:ext cx="708900" cy="657600"/>
+            <a:off x="1177600" y="2178420"/>
+            <a:ext cx="2831100" cy="272400"/>
           </a:xfrm>
-          <a:prstGeom prst="diamond">
-            <a:avLst/>
+          <a:prstGeom prst="roundRect">
+            <a:avLst>
+              <a:gd fmla="val 50000" name="adj"/>
+            </a:avLst>
           </a:prstGeom>
           <a:solidFill>
-            <a:schemeClr val="lt1"/>
+            <a:srgbClr val="DD7E6B"/>
           </a:solidFill>
-          <a:ln cap="flat" cmpd="sng" w="9525">
-            <a:solidFill>
-              <a:srgbClr val="93C47D"/>
-            </a:solidFill>
-            <a:prstDash val="solid"/>
-            <a:round/>
-            <a:headEnd len="sm" w="sm" type="none"/>
-            <a:tailEnd len="sm" w="sm" type="none"/>
+          <a:ln>
+            <a:noFill/>
           </a:ln>
         </p:spPr>
         <p:txBody>
@@ -26375,1072 +26607,23 @@
       </p:sp>
       <p:sp>
         <p:nvSpPr>
-          <p:cNvPr id="248" name="Google Shape;248;p27"/>
-          <p:cNvSpPr txBox="1"/>
-          <p:nvPr/>
-        </p:nvSpPr>
-        <p:spPr>
-          <a:xfrm>
-            <a:off x="6741613" y="2882850"/>
-            <a:ext cx="549300" cy="338700"/>
-          </a:xfrm>
-          <a:prstGeom prst="rect">
-            <a:avLst/>
-          </a:prstGeom>
-          <a:noFill/>
-          <a:ln cap="flat" cmpd="sng" w="9525">
-            <a:solidFill>
-              <a:schemeClr val="lt1"/>
-            </a:solidFill>
-            <a:prstDash val="solid"/>
-            <a:round/>
-            <a:headEnd len="sm" w="sm" type="none"/>
-            <a:tailEnd len="sm" w="sm" type="none"/>
-          </a:ln>
-        </p:spPr>
-        <p:txBody>
-          <a:bodyPr anchorCtr="0" anchor="t" bIns="91425" lIns="91425" spcFirstLastPara="1" rIns="91425" wrap="square" tIns="91425">
-            <a:spAutoFit/>
-          </a:bodyPr>
-          <a:lstStyle/>
-          <a:p>
-            <a:pPr indent="0" lvl="0" marL="0" rtl="0" algn="ctr">
-              <a:spcBef>
-                <a:spcPts val="0"/>
-              </a:spcBef>
-              <a:spcAft>
-                <a:spcPts val="0"/>
-              </a:spcAft>
-              <a:buNone/>
-            </a:pPr>
-            <a:r>
-              <a:rPr lang="en" sz="1000">
-                <a:latin typeface="Poppins"/>
-                <a:ea typeface="Poppins"/>
-                <a:cs typeface="Poppins"/>
-                <a:sym typeface="Poppins"/>
-              </a:rPr>
-              <a:t>Have</a:t>
-            </a:r>
-            <a:endParaRPr sz="1000">
-              <a:latin typeface="Poppins"/>
-              <a:ea typeface="Poppins"/>
-              <a:cs typeface="Poppins"/>
-              <a:sym typeface="Poppins"/>
-            </a:endParaRPr>
-          </a:p>
-        </p:txBody>
-      </p:sp>
-      <p:sp>
-        <p:nvSpPr>
-          <p:cNvPr id="249" name="Google Shape;249;p27"/>
-          <p:cNvSpPr/>
-          <p:nvPr/>
-        </p:nvSpPr>
-        <p:spPr>
-          <a:xfrm>
-            <a:off x="5891325" y="1880700"/>
-            <a:ext cx="749100" cy="657600"/>
-          </a:xfrm>
-          <a:prstGeom prst="diamond">
-            <a:avLst/>
-          </a:prstGeom>
-          <a:solidFill>
-            <a:schemeClr val="lt1"/>
-          </a:solidFill>
-          <a:ln cap="flat" cmpd="sng" w="9525">
-            <a:solidFill>
-              <a:srgbClr val="93C47D"/>
-            </a:solidFill>
-            <a:prstDash val="solid"/>
-            <a:round/>
-            <a:headEnd len="sm" w="sm" type="none"/>
-            <a:tailEnd len="sm" w="sm" type="none"/>
-          </a:ln>
-        </p:spPr>
-        <p:txBody>
-          <a:bodyPr anchorCtr="0" anchor="ctr" bIns="91425" lIns="91425" spcFirstLastPara="1" rIns="91425" wrap="square" tIns="91425">
-            <a:noAutofit/>
-          </a:bodyPr>
-          <a:lstStyle/>
-          <a:p>
-            <a:pPr indent="0" lvl="0" marL="0" rtl="0" algn="l">
-              <a:spcBef>
-                <a:spcPts val="0"/>
-              </a:spcBef>
-              <a:spcAft>
-                <a:spcPts val="0"/>
-              </a:spcAft>
-              <a:buNone/>
-            </a:pPr>
-            <a:r>
-              <a:t/>
-            </a:r>
-            <a:endParaRPr/>
-          </a:p>
-        </p:txBody>
-      </p:sp>
-      <p:sp>
-        <p:nvSpPr>
-          <p:cNvPr id="250" name="Google Shape;250;p27"/>
-          <p:cNvSpPr txBox="1"/>
-          <p:nvPr/>
-        </p:nvSpPr>
-        <p:spPr>
-          <a:xfrm>
-            <a:off x="5975650" y="2040150"/>
-            <a:ext cx="580500" cy="338700"/>
-          </a:xfrm>
-          <a:prstGeom prst="rect">
-            <a:avLst/>
-          </a:prstGeom>
-          <a:noFill/>
-          <a:ln cap="flat" cmpd="sng" w="9525">
-            <a:solidFill>
-              <a:schemeClr val="lt1"/>
-            </a:solidFill>
-            <a:prstDash val="solid"/>
-            <a:round/>
-            <a:headEnd len="sm" w="sm" type="none"/>
-            <a:tailEnd len="sm" w="sm" type="none"/>
-          </a:ln>
-        </p:spPr>
-        <p:txBody>
-          <a:bodyPr anchorCtr="0" anchor="t" bIns="91425" lIns="91425" spcFirstLastPara="1" rIns="91425" wrap="square" tIns="91425">
-            <a:spAutoFit/>
-          </a:bodyPr>
-          <a:lstStyle/>
-          <a:p>
-            <a:pPr indent="0" lvl="0" marL="0" rtl="0" algn="ctr">
-              <a:spcBef>
-                <a:spcPts val="0"/>
-              </a:spcBef>
-              <a:spcAft>
-                <a:spcPts val="0"/>
-              </a:spcAft>
-              <a:buNone/>
-            </a:pPr>
-            <a:r>
-              <a:rPr lang="en" sz="1000">
-                <a:latin typeface="Poppins"/>
-                <a:ea typeface="Poppins"/>
-                <a:cs typeface="Poppins"/>
-                <a:sym typeface="Poppins"/>
-              </a:rPr>
-              <a:t>Dislike</a:t>
-            </a:r>
-            <a:endParaRPr sz="1000">
-              <a:latin typeface="Poppins"/>
-              <a:ea typeface="Poppins"/>
-              <a:cs typeface="Poppins"/>
-              <a:sym typeface="Poppins"/>
-            </a:endParaRPr>
-          </a:p>
-        </p:txBody>
-      </p:sp>
-      <p:sp>
-        <p:nvSpPr>
-          <p:cNvPr id="251" name="Google Shape;251;p27"/>
-          <p:cNvSpPr/>
-          <p:nvPr/>
-        </p:nvSpPr>
-        <p:spPr>
-          <a:xfrm flipH="1">
-            <a:off x="1591250" y="1200776"/>
-            <a:ext cx="749100" cy="702000"/>
-          </a:xfrm>
-          <a:prstGeom prst="diamond">
-            <a:avLst/>
-          </a:prstGeom>
-          <a:solidFill>
-            <a:schemeClr val="lt1"/>
-          </a:solidFill>
-          <a:ln cap="flat" cmpd="sng" w="9525">
-            <a:solidFill>
-              <a:schemeClr val="dk2"/>
-            </a:solidFill>
-            <a:prstDash val="solid"/>
-            <a:round/>
-            <a:headEnd len="sm" w="sm" type="none"/>
-            <a:tailEnd len="sm" w="sm" type="none"/>
-          </a:ln>
-        </p:spPr>
-        <p:txBody>
-          <a:bodyPr anchorCtr="0" anchor="ctr" bIns="91425" lIns="91425" spcFirstLastPara="1" rIns="91425" wrap="square" tIns="91425">
-            <a:noAutofit/>
-          </a:bodyPr>
-          <a:lstStyle/>
-          <a:p>
-            <a:pPr indent="0" lvl="0" marL="0" rtl="0" algn="l">
-              <a:spcBef>
-                <a:spcPts val="0"/>
-              </a:spcBef>
-              <a:spcAft>
-                <a:spcPts val="0"/>
-              </a:spcAft>
-              <a:buNone/>
-            </a:pPr>
-            <a:r>
-              <a:t/>
-            </a:r>
-            <a:endParaRPr/>
-          </a:p>
-        </p:txBody>
-      </p:sp>
-      <p:sp>
-        <p:nvSpPr>
-          <p:cNvPr id="252" name="Google Shape;252;p27"/>
-          <p:cNvSpPr txBox="1"/>
-          <p:nvPr/>
-        </p:nvSpPr>
-        <p:spPr>
-          <a:xfrm flipH="1">
-            <a:off x="1675550" y="1371000"/>
-            <a:ext cx="580500" cy="338700"/>
-          </a:xfrm>
-          <a:prstGeom prst="rect">
-            <a:avLst/>
-          </a:prstGeom>
-          <a:noFill/>
-          <a:ln>
-            <a:noFill/>
-          </a:ln>
-        </p:spPr>
-        <p:txBody>
-          <a:bodyPr anchorCtr="0" anchor="t" bIns="91425" lIns="91425" spcFirstLastPara="1" rIns="91425" wrap="square" tIns="91425">
-            <a:spAutoFit/>
-          </a:bodyPr>
-          <a:lstStyle/>
-          <a:p>
-            <a:pPr indent="0" lvl="0" marL="0" rtl="0" algn="ctr">
-              <a:spcBef>
-                <a:spcPts val="0"/>
-              </a:spcBef>
-              <a:spcAft>
-                <a:spcPts val="0"/>
-              </a:spcAft>
-              <a:buNone/>
-            </a:pPr>
-            <a:r>
-              <a:rPr lang="en" sz="1000">
-                <a:latin typeface="Poppins"/>
-                <a:ea typeface="Poppins"/>
-                <a:cs typeface="Poppins"/>
-                <a:sym typeface="Poppins"/>
-              </a:rPr>
-              <a:t>Dislike</a:t>
-            </a:r>
-            <a:endParaRPr sz="1000">
-              <a:latin typeface="Poppins"/>
-              <a:ea typeface="Poppins"/>
-              <a:cs typeface="Poppins"/>
-              <a:sym typeface="Poppins"/>
-            </a:endParaRPr>
-          </a:p>
-        </p:txBody>
-      </p:sp>
-      <p:sp>
-        <p:nvSpPr>
-          <p:cNvPr id="253" name="Google Shape;253;p27"/>
-          <p:cNvSpPr/>
-          <p:nvPr/>
-        </p:nvSpPr>
-        <p:spPr>
-          <a:xfrm flipH="1">
-            <a:off x="1614073" y="2723388"/>
-            <a:ext cx="726300" cy="657600"/>
-          </a:xfrm>
-          <a:prstGeom prst="diamond">
-            <a:avLst/>
-          </a:prstGeom>
-          <a:solidFill>
-            <a:schemeClr val="lt1"/>
-          </a:solidFill>
-          <a:ln cap="flat" cmpd="sng" w="9525">
-            <a:solidFill>
-              <a:schemeClr val="dk2"/>
-            </a:solidFill>
-            <a:prstDash val="solid"/>
-            <a:round/>
-            <a:headEnd len="sm" w="sm" type="none"/>
-            <a:tailEnd len="sm" w="sm" type="none"/>
-          </a:ln>
-        </p:spPr>
-        <p:txBody>
-          <a:bodyPr anchorCtr="0" anchor="ctr" bIns="91425" lIns="91425" spcFirstLastPara="1" rIns="91425" wrap="square" tIns="91425">
-            <a:noAutofit/>
-          </a:bodyPr>
-          <a:lstStyle/>
-          <a:p>
-            <a:pPr indent="0" lvl="0" marL="0" rtl="0" algn="l">
-              <a:spcBef>
-                <a:spcPts val="0"/>
-              </a:spcBef>
-              <a:spcAft>
-                <a:spcPts val="0"/>
-              </a:spcAft>
-              <a:buNone/>
-            </a:pPr>
-            <a:r>
-              <a:t/>
-            </a:r>
-            <a:endParaRPr/>
-          </a:p>
-        </p:txBody>
-      </p:sp>
-      <p:sp>
-        <p:nvSpPr>
-          <p:cNvPr id="254" name="Google Shape;254;p27"/>
-          <p:cNvSpPr txBox="1"/>
-          <p:nvPr/>
-        </p:nvSpPr>
-        <p:spPr>
-          <a:xfrm flipH="1">
-            <a:off x="1695826" y="2882838"/>
-            <a:ext cx="562800" cy="338700"/>
-          </a:xfrm>
-          <a:prstGeom prst="rect">
-            <a:avLst/>
-          </a:prstGeom>
-          <a:noFill/>
-          <a:ln>
-            <a:noFill/>
-          </a:ln>
-        </p:spPr>
-        <p:txBody>
-          <a:bodyPr anchorCtr="0" anchor="t" bIns="91425" lIns="91425" spcFirstLastPara="1" rIns="91425" wrap="square" tIns="91425">
-            <a:spAutoFit/>
-          </a:bodyPr>
-          <a:lstStyle/>
-          <a:p>
-            <a:pPr indent="0" lvl="0" marL="0" rtl="0" algn="ctr">
-              <a:spcBef>
-                <a:spcPts val="0"/>
-              </a:spcBef>
-              <a:spcAft>
-                <a:spcPts val="0"/>
-              </a:spcAft>
-              <a:buNone/>
-            </a:pPr>
-            <a:r>
-              <a:rPr lang="en" sz="1000">
-                <a:latin typeface="Poppins"/>
-                <a:ea typeface="Poppins"/>
-                <a:cs typeface="Poppins"/>
-                <a:sym typeface="Poppins"/>
-              </a:rPr>
-              <a:t>Have</a:t>
-            </a:r>
-            <a:endParaRPr sz="1000">
-              <a:latin typeface="Poppins"/>
-              <a:ea typeface="Poppins"/>
-              <a:cs typeface="Poppins"/>
-              <a:sym typeface="Poppins"/>
-            </a:endParaRPr>
-          </a:p>
-        </p:txBody>
-      </p:sp>
-      <p:sp>
-        <p:nvSpPr>
-          <p:cNvPr id="255" name="Google Shape;255;p27"/>
-          <p:cNvSpPr/>
-          <p:nvPr/>
-        </p:nvSpPr>
-        <p:spPr>
-          <a:xfrm flipH="1">
-            <a:off x="2403362" y="1880675"/>
-            <a:ext cx="726300" cy="657600"/>
-          </a:xfrm>
-          <a:prstGeom prst="diamond">
-            <a:avLst/>
-          </a:prstGeom>
-          <a:solidFill>
-            <a:schemeClr val="lt1"/>
-          </a:solidFill>
-          <a:ln cap="flat" cmpd="sng" w="9525">
-            <a:solidFill>
-              <a:schemeClr val="dk2"/>
-            </a:solidFill>
-            <a:prstDash val="solid"/>
-            <a:round/>
-            <a:headEnd len="sm" w="sm" type="none"/>
-            <a:tailEnd len="sm" w="sm" type="none"/>
-          </a:ln>
-        </p:spPr>
-        <p:txBody>
-          <a:bodyPr anchorCtr="0" anchor="ctr" bIns="91425" lIns="91425" spcFirstLastPara="1" rIns="91425" wrap="square" tIns="91425">
-            <a:noAutofit/>
-          </a:bodyPr>
-          <a:lstStyle/>
-          <a:p>
-            <a:pPr indent="0" lvl="0" marL="0" rtl="0" algn="l">
-              <a:spcBef>
-                <a:spcPts val="0"/>
-              </a:spcBef>
-              <a:spcAft>
-                <a:spcPts val="0"/>
-              </a:spcAft>
-              <a:buNone/>
-            </a:pPr>
-            <a:r>
-              <a:t/>
-            </a:r>
-            <a:endParaRPr/>
-          </a:p>
-        </p:txBody>
-      </p:sp>
-      <p:sp>
-        <p:nvSpPr>
-          <p:cNvPr id="256" name="Google Shape;256;p27"/>
-          <p:cNvSpPr txBox="1"/>
-          <p:nvPr/>
-        </p:nvSpPr>
-        <p:spPr>
-          <a:xfrm flipH="1">
-            <a:off x="2485115" y="2040125"/>
-            <a:ext cx="562800" cy="338700"/>
-          </a:xfrm>
-          <a:prstGeom prst="rect">
-            <a:avLst/>
-          </a:prstGeom>
-          <a:noFill/>
-          <a:ln>
-            <a:noFill/>
-          </a:ln>
-        </p:spPr>
-        <p:txBody>
-          <a:bodyPr anchorCtr="0" anchor="t" bIns="91425" lIns="91425" spcFirstLastPara="1" rIns="91425" wrap="square" tIns="91425">
-            <a:spAutoFit/>
-          </a:bodyPr>
-          <a:lstStyle/>
-          <a:p>
-            <a:pPr indent="0" lvl="0" marL="0" rtl="0" algn="ctr">
-              <a:spcBef>
-                <a:spcPts val="0"/>
-              </a:spcBef>
-              <a:spcAft>
-                <a:spcPts val="0"/>
-              </a:spcAft>
-              <a:buNone/>
-            </a:pPr>
-            <a:r>
-              <a:rPr lang="en" sz="1000">
-                <a:latin typeface="Poppins"/>
-                <a:ea typeface="Poppins"/>
-                <a:cs typeface="Poppins"/>
-                <a:sym typeface="Poppins"/>
-              </a:rPr>
-              <a:t>Like</a:t>
-            </a:r>
-            <a:endParaRPr sz="1000">
-              <a:latin typeface="Poppins"/>
-              <a:ea typeface="Poppins"/>
-              <a:cs typeface="Poppins"/>
-              <a:sym typeface="Poppins"/>
-            </a:endParaRPr>
-          </a:p>
-        </p:txBody>
-      </p:sp>
-      <p:cxnSp>
-        <p:nvCxnSpPr>
-          <p:cNvPr id="257" name="Google Shape;257;p27"/>
-          <p:cNvCxnSpPr>
-            <a:endCxn id="251" idx="3"/>
-          </p:cNvCxnSpPr>
-          <p:nvPr/>
-        </p:nvCxnSpPr>
-        <p:spPr>
-          <a:xfrm flipH="1" rot="10800000">
-            <a:off x="1354850" y="1551776"/>
-            <a:ext cx="236400" cy="357900"/>
-          </a:xfrm>
-          <a:prstGeom prst="straightConnector1">
-            <a:avLst/>
-          </a:prstGeom>
-          <a:noFill/>
-          <a:ln cap="flat" cmpd="sng" w="9525">
-            <a:solidFill>
-              <a:schemeClr val="dk2"/>
-            </a:solidFill>
-            <a:prstDash val="solid"/>
-            <a:round/>
-            <a:headEnd len="med" w="med" type="none"/>
-            <a:tailEnd len="med" w="med" type="none"/>
-          </a:ln>
-        </p:spPr>
-      </p:cxnSp>
-      <p:cxnSp>
-        <p:nvCxnSpPr>
-          <p:cNvPr id="258" name="Google Shape;258;p27"/>
-          <p:cNvCxnSpPr>
-            <a:endCxn id="255" idx="3"/>
-          </p:cNvCxnSpPr>
-          <p:nvPr/>
-        </p:nvCxnSpPr>
-        <p:spPr>
-          <a:xfrm>
-            <a:off x="1363562" y="2122175"/>
-            <a:ext cx="1039800" cy="87300"/>
-          </a:xfrm>
-          <a:prstGeom prst="straightConnector1">
-            <a:avLst/>
-          </a:prstGeom>
-          <a:noFill/>
-          <a:ln cap="flat" cmpd="sng" w="9525">
-            <a:solidFill>
-              <a:schemeClr val="dk2"/>
-            </a:solidFill>
-            <a:prstDash val="solid"/>
-            <a:round/>
-            <a:headEnd len="med" w="med" type="none"/>
-            <a:tailEnd len="med" w="med" type="none"/>
-          </a:ln>
-        </p:spPr>
-      </p:cxnSp>
-      <p:cxnSp>
-        <p:nvCxnSpPr>
-          <p:cNvPr id="259" name="Google Shape;259;p27"/>
-          <p:cNvCxnSpPr>
-            <a:endCxn id="253" idx="3"/>
-          </p:cNvCxnSpPr>
-          <p:nvPr/>
-        </p:nvCxnSpPr>
-        <p:spPr>
-          <a:xfrm flipH="1" rot="10800000">
-            <a:off x="1354573" y="3052188"/>
-            <a:ext cx="259500" cy="27000"/>
-          </a:xfrm>
-          <a:prstGeom prst="straightConnector1">
-            <a:avLst/>
-          </a:prstGeom>
-          <a:noFill/>
-          <a:ln cap="flat" cmpd="sng" w="9525">
-            <a:solidFill>
-              <a:schemeClr val="dk2"/>
-            </a:solidFill>
-            <a:prstDash val="solid"/>
-            <a:round/>
-            <a:headEnd len="med" w="med" type="none"/>
-            <a:tailEnd len="med" w="med" type="none"/>
-          </a:ln>
-        </p:spPr>
-      </p:cxnSp>
-      <p:cxnSp>
-        <p:nvCxnSpPr>
-          <p:cNvPr id="260" name="Google Shape;260;p27"/>
-          <p:cNvCxnSpPr>
-            <a:stCxn id="251" idx="1"/>
-          </p:cNvCxnSpPr>
-          <p:nvPr/>
-        </p:nvCxnSpPr>
-        <p:spPr>
-          <a:xfrm flipH="1" rot="10800000">
-            <a:off x="2340350" y="1546376"/>
-            <a:ext cx="1273800" cy="5400"/>
-          </a:xfrm>
-          <a:prstGeom prst="straightConnector1">
-            <a:avLst/>
-          </a:prstGeom>
-          <a:noFill/>
-          <a:ln cap="flat" cmpd="sng" w="9525">
-            <a:solidFill>
-              <a:schemeClr val="dk2"/>
-            </a:solidFill>
-            <a:prstDash val="solid"/>
-            <a:round/>
-            <a:headEnd len="med" w="med" type="none"/>
-            <a:tailEnd len="med" w="med" type="none"/>
-          </a:ln>
-        </p:spPr>
-      </p:cxnSp>
-      <p:cxnSp>
-        <p:nvCxnSpPr>
-          <p:cNvPr id="261" name="Google Shape;261;p27"/>
-          <p:cNvCxnSpPr>
-            <a:stCxn id="245" idx="1"/>
-          </p:cNvCxnSpPr>
-          <p:nvPr/>
-        </p:nvCxnSpPr>
-        <p:spPr>
-          <a:xfrm rot="10800000">
-            <a:off x="5590225" y="1546450"/>
-            <a:ext cx="1071600" cy="27600"/>
-          </a:xfrm>
-          <a:prstGeom prst="straightConnector1">
-            <a:avLst/>
-          </a:prstGeom>
-          <a:noFill/>
-          <a:ln cap="flat" cmpd="sng" w="9525">
-            <a:solidFill>
-              <a:srgbClr val="93C47D"/>
-            </a:solidFill>
-            <a:prstDash val="solid"/>
-            <a:round/>
-            <a:headEnd len="med" w="med" type="none"/>
-            <a:tailEnd len="med" w="med" type="none"/>
-          </a:ln>
-        </p:spPr>
-      </p:cxnSp>
-      <p:cxnSp>
-        <p:nvCxnSpPr>
-          <p:cNvPr id="262" name="Google Shape;262;p27"/>
-          <p:cNvCxnSpPr>
-            <a:stCxn id="245" idx="3"/>
-          </p:cNvCxnSpPr>
-          <p:nvPr/>
-        </p:nvCxnSpPr>
-        <p:spPr>
-          <a:xfrm>
-            <a:off x="7370725" y="1574050"/>
-            <a:ext cx="372600" cy="326700"/>
-          </a:xfrm>
-          <a:prstGeom prst="straightConnector1">
-            <a:avLst/>
-          </a:prstGeom>
-          <a:noFill/>
-          <a:ln cap="flat" cmpd="sng" w="9525">
-            <a:solidFill>
-              <a:srgbClr val="93C47D"/>
-            </a:solidFill>
-            <a:prstDash val="solid"/>
-            <a:round/>
-            <a:headEnd len="med" w="med" type="none"/>
-            <a:tailEnd len="med" w="med" type="none"/>
-          </a:ln>
-        </p:spPr>
-      </p:cxnSp>
-      <p:cxnSp>
-        <p:nvCxnSpPr>
-          <p:cNvPr id="263" name="Google Shape;263;p27"/>
-          <p:cNvCxnSpPr/>
-          <p:nvPr/>
-        </p:nvCxnSpPr>
-        <p:spPr>
-          <a:xfrm>
-            <a:off x="6640425" y="2209500"/>
-            <a:ext cx="1093800" cy="107700"/>
-          </a:xfrm>
-          <a:prstGeom prst="straightConnector1">
-            <a:avLst/>
-          </a:prstGeom>
-          <a:noFill/>
-          <a:ln cap="flat" cmpd="sng" w="9525">
-            <a:solidFill>
-              <a:srgbClr val="93C47D"/>
-            </a:solidFill>
-            <a:prstDash val="solid"/>
-            <a:round/>
-            <a:headEnd len="med" w="med" type="none"/>
-            <a:tailEnd len="med" w="med" type="none"/>
-          </a:ln>
-        </p:spPr>
-      </p:cxnSp>
-      <p:cxnSp>
-        <p:nvCxnSpPr>
-          <p:cNvPr id="264" name="Google Shape;264;p27"/>
-          <p:cNvCxnSpPr>
-            <a:stCxn id="247" idx="3"/>
-          </p:cNvCxnSpPr>
-          <p:nvPr/>
-        </p:nvCxnSpPr>
-        <p:spPr>
-          <a:xfrm>
-            <a:off x="7370713" y="3052200"/>
-            <a:ext cx="372600" cy="9300"/>
-          </a:xfrm>
-          <a:prstGeom prst="straightConnector1">
-            <a:avLst/>
-          </a:prstGeom>
-          <a:noFill/>
-          <a:ln cap="flat" cmpd="sng" w="9525">
-            <a:solidFill>
-              <a:srgbClr val="93C47D"/>
-            </a:solidFill>
-            <a:prstDash val="solid"/>
-            <a:round/>
-            <a:headEnd len="med" w="med" type="none"/>
-            <a:tailEnd len="med" w="med" type="none"/>
-          </a:ln>
-        </p:spPr>
-      </p:cxnSp>
-      <p:sp>
-        <p:nvSpPr>
-          <p:cNvPr id="265" name="Google Shape;265;p27"/>
-          <p:cNvSpPr/>
-          <p:nvPr/>
-        </p:nvSpPr>
-        <p:spPr>
-          <a:xfrm>
-            <a:off x="3144625" y="2210875"/>
-            <a:ext cx="1816400" cy="374700"/>
-          </a:xfrm>
-          <a:custGeom>
-            <a:rect b="b" l="l" r="r" t="t"/>
-            <a:pathLst>
-              <a:path extrusionOk="0" h="14988" w="72656">
-                <a:moveTo>
-                  <a:pt x="0" y="0"/>
-                </a:moveTo>
-                <a:cubicBezTo>
-                  <a:pt x="5553" y="2481"/>
-                  <a:pt x="21207" y="14058"/>
-                  <a:pt x="33316" y="14885"/>
-                </a:cubicBezTo>
-                <a:cubicBezTo>
-                  <a:pt x="45425" y="15712"/>
-                  <a:pt x="66099" y="6616"/>
-                  <a:pt x="72656" y="4962"/>
-                </a:cubicBezTo>
-              </a:path>
-            </a:pathLst>
-          </a:custGeom>
-          <a:noFill/>
-          <a:ln cap="flat" cmpd="sng" w="9525">
-            <a:solidFill>
-              <a:schemeClr val="dk2"/>
-            </a:solidFill>
-            <a:prstDash val="solid"/>
-            <a:round/>
-            <a:headEnd len="med" w="med" type="none"/>
-            <a:tailEnd len="med" w="med" type="none"/>
-          </a:ln>
-        </p:spPr>
-      </p:sp>
-      <p:sp>
-        <p:nvSpPr>
-          <p:cNvPr id="266" name="Google Shape;266;p27"/>
-          <p:cNvSpPr/>
-          <p:nvPr/>
-        </p:nvSpPr>
-        <p:spPr>
-          <a:xfrm>
-            <a:off x="4393950" y="2210875"/>
-            <a:ext cx="1506300" cy="392250"/>
-          </a:xfrm>
-          <a:custGeom>
-            <a:rect b="b" l="l" r="r" t="t"/>
-            <a:pathLst>
-              <a:path extrusionOk="0" h="15690" w="60252">
-                <a:moveTo>
-                  <a:pt x="60252" y="0"/>
-                </a:moveTo>
-                <a:cubicBezTo>
-                  <a:pt x="55822" y="2599"/>
-                  <a:pt x="43712" y="14826"/>
-                  <a:pt x="33670" y="15594"/>
-                </a:cubicBezTo>
-                <a:cubicBezTo>
-                  <a:pt x="23628" y="16362"/>
-                  <a:pt x="5612" y="6438"/>
-                  <a:pt x="0" y="4607"/>
-                </a:cubicBezTo>
-              </a:path>
-            </a:pathLst>
-          </a:custGeom>
-          <a:noFill/>
-          <a:ln cap="flat" cmpd="sng" w="9525">
-            <a:solidFill>
-              <a:srgbClr val="93C47D"/>
-            </a:solidFill>
-            <a:prstDash val="solid"/>
-            <a:round/>
-            <a:headEnd len="med" w="med" type="none"/>
-            <a:tailEnd len="med" w="med" type="none"/>
-          </a:ln>
-        </p:spPr>
-      </p:sp>
-      <p:sp>
-        <p:nvSpPr>
-          <p:cNvPr id="267" name="Google Shape;267;p27"/>
-          <p:cNvSpPr/>
-          <p:nvPr/>
-        </p:nvSpPr>
-        <p:spPr>
-          <a:xfrm>
-            <a:off x="2338325" y="2866194"/>
-            <a:ext cx="3136600" cy="514250"/>
-          </a:xfrm>
-          <a:custGeom>
-            <a:rect b="b" l="l" r="r" t="t"/>
-            <a:pathLst>
-              <a:path extrusionOk="0" h="20570" w="125464">
-                <a:moveTo>
-                  <a:pt x="0" y="7811"/>
-                </a:moveTo>
-                <a:cubicBezTo>
-                  <a:pt x="11637" y="6571"/>
-                  <a:pt x="48910" y="-1758"/>
-                  <a:pt x="69821" y="368"/>
-                </a:cubicBezTo>
-                <a:cubicBezTo>
-                  <a:pt x="90732" y="2495"/>
-                  <a:pt x="116190" y="17203"/>
-                  <a:pt x="125464" y="20570"/>
-                </a:cubicBezTo>
-              </a:path>
-            </a:pathLst>
-          </a:custGeom>
-          <a:noFill/>
-          <a:ln cap="flat" cmpd="sng" w="9525">
-            <a:solidFill>
-              <a:schemeClr val="dk2"/>
-            </a:solidFill>
-            <a:prstDash val="solid"/>
-            <a:round/>
-            <a:headEnd len="med" w="med" type="none"/>
-            <a:tailEnd len="med" w="med" type="none"/>
-          </a:ln>
-        </p:spPr>
-      </p:sp>
-      <p:sp>
-        <p:nvSpPr>
-          <p:cNvPr id="268" name="Google Shape;268;p27"/>
-          <p:cNvSpPr/>
-          <p:nvPr/>
-        </p:nvSpPr>
-        <p:spPr>
-          <a:xfrm>
-            <a:off x="2347200" y="3053076"/>
-            <a:ext cx="1905000" cy="327375"/>
-          </a:xfrm>
-          <a:custGeom>
-            <a:rect b="b" l="l" r="r" t="t"/>
-            <a:pathLst>
-              <a:path extrusionOk="0" h="13095" w="76200">
-                <a:moveTo>
-                  <a:pt x="0" y="690"/>
-                </a:moveTo>
-                <a:cubicBezTo>
-                  <a:pt x="6675" y="749"/>
-                  <a:pt x="27349" y="-1022"/>
-                  <a:pt x="40049" y="1045"/>
-                </a:cubicBezTo>
-                <a:cubicBezTo>
-                  <a:pt x="52749" y="3113"/>
-                  <a:pt x="70175" y="11087"/>
-                  <a:pt x="76200" y="13095"/>
-                </a:cubicBezTo>
-              </a:path>
-            </a:pathLst>
-          </a:custGeom>
-          <a:noFill/>
-          <a:ln cap="flat" cmpd="sng" w="9525">
-            <a:solidFill>
-              <a:schemeClr val="dk2"/>
-            </a:solidFill>
-            <a:prstDash val="solid"/>
-            <a:round/>
-            <a:headEnd len="med" w="med" type="none"/>
-            <a:tailEnd len="med" w="med" type="none"/>
-          </a:ln>
-        </p:spPr>
-      </p:sp>
-      <p:sp>
-        <p:nvSpPr>
-          <p:cNvPr id="269" name="Google Shape;269;p27"/>
-          <p:cNvSpPr/>
-          <p:nvPr/>
-        </p:nvSpPr>
-        <p:spPr>
-          <a:xfrm>
-            <a:off x="2347200" y="3061475"/>
-            <a:ext cx="505050" cy="336700"/>
-          </a:xfrm>
-          <a:custGeom>
-            <a:rect b="b" l="l" r="r" t="t"/>
-            <a:pathLst>
-              <a:path extrusionOk="0" h="13468" w="20202">
-                <a:moveTo>
-                  <a:pt x="0" y="0"/>
-                </a:moveTo>
-                <a:cubicBezTo>
-                  <a:pt x="3367" y="2245"/>
-                  <a:pt x="16835" y="11223"/>
-                  <a:pt x="20202" y="13468"/>
-                </a:cubicBezTo>
-              </a:path>
-            </a:pathLst>
-          </a:custGeom>
-          <a:noFill/>
-          <a:ln cap="flat" cmpd="sng" w="9525">
-            <a:solidFill>
-              <a:schemeClr val="dk2"/>
-            </a:solidFill>
-            <a:prstDash val="solid"/>
-            <a:round/>
-            <a:headEnd len="med" w="med" type="none"/>
-            <a:tailEnd len="med" w="med" type="none"/>
-          </a:ln>
-        </p:spPr>
-      </p:sp>
-      <p:sp>
-        <p:nvSpPr>
-          <p:cNvPr id="270" name="Google Shape;270;p27"/>
-          <p:cNvSpPr/>
-          <p:nvPr/>
-        </p:nvSpPr>
-        <p:spPr>
-          <a:xfrm>
-            <a:off x="3773725" y="2883803"/>
-            <a:ext cx="2897375" cy="505500"/>
-          </a:xfrm>
-          <a:custGeom>
-            <a:rect b="b" l="l" r="r" t="t"/>
-            <a:pathLst>
-              <a:path extrusionOk="0" h="20220" w="115895">
-                <a:moveTo>
-                  <a:pt x="115895" y="7461"/>
-                </a:moveTo>
-                <a:cubicBezTo>
-                  <a:pt x="104495" y="6280"/>
-                  <a:pt x="66808" y="-1753"/>
-                  <a:pt x="47492" y="373"/>
-                </a:cubicBezTo>
-                <a:cubicBezTo>
-                  <a:pt x="28176" y="2500"/>
-                  <a:pt x="7915" y="16912"/>
-                  <a:pt x="0" y="20220"/>
-                </a:cubicBezTo>
-              </a:path>
-            </a:pathLst>
-          </a:custGeom>
-          <a:noFill/>
-          <a:ln cap="flat" cmpd="sng" w="9525">
-            <a:solidFill>
-              <a:srgbClr val="93C47D"/>
-            </a:solidFill>
-            <a:prstDash val="solid"/>
-            <a:round/>
-            <a:headEnd len="med" w="med" type="none"/>
-            <a:tailEnd len="med" w="med" type="none"/>
-          </a:ln>
-        </p:spPr>
-      </p:sp>
-      <p:sp>
-        <p:nvSpPr>
-          <p:cNvPr id="271" name="Google Shape;271;p27"/>
-          <p:cNvSpPr/>
-          <p:nvPr/>
-        </p:nvSpPr>
-        <p:spPr>
-          <a:xfrm>
-            <a:off x="4952175" y="3020034"/>
-            <a:ext cx="1727775" cy="360425"/>
-          </a:xfrm>
-          <a:custGeom>
-            <a:rect b="b" l="l" r="r" t="t"/>
-            <a:pathLst>
-              <a:path extrusionOk="0" h="14417" w="69111">
-                <a:moveTo>
-                  <a:pt x="69111" y="1304"/>
-                </a:moveTo>
-                <a:cubicBezTo>
-                  <a:pt x="60723" y="1245"/>
-                  <a:pt x="30303" y="-1236"/>
-                  <a:pt x="18784" y="949"/>
-                </a:cubicBezTo>
-                <a:cubicBezTo>
-                  <a:pt x="7266" y="3135"/>
-                  <a:pt x="3131" y="12172"/>
-                  <a:pt x="0" y="14417"/>
-                </a:cubicBezTo>
-              </a:path>
-            </a:pathLst>
-          </a:custGeom>
-          <a:noFill/>
-          <a:ln cap="flat" cmpd="sng" w="9525">
-            <a:solidFill>
-              <a:srgbClr val="93C47D"/>
-            </a:solidFill>
-            <a:prstDash val="solid"/>
-            <a:round/>
-            <a:headEnd len="med" w="med" type="none"/>
-            <a:tailEnd len="med" w="med" type="none"/>
-          </a:ln>
-        </p:spPr>
-      </p:sp>
-      <p:sp>
-        <p:nvSpPr>
-          <p:cNvPr id="272" name="Google Shape;272;p27"/>
-          <p:cNvSpPr/>
-          <p:nvPr/>
-        </p:nvSpPr>
-        <p:spPr>
-          <a:xfrm>
-            <a:off x="6148325" y="3070325"/>
-            <a:ext cx="540500" cy="318975"/>
-          </a:xfrm>
-          <a:custGeom>
-            <a:rect b="b" l="l" r="r" t="t"/>
-            <a:pathLst>
-              <a:path extrusionOk="0" h="12759" w="21620">
-                <a:moveTo>
-                  <a:pt x="21620" y="0"/>
-                </a:moveTo>
-                <a:cubicBezTo>
-                  <a:pt x="18017" y="2127"/>
-                  <a:pt x="3603" y="10633"/>
-                  <a:pt x="0" y="12759"/>
-                </a:cubicBezTo>
-              </a:path>
-            </a:pathLst>
-          </a:custGeom>
-          <a:noFill/>
-          <a:ln cap="flat" cmpd="sng" w="9525">
-            <a:solidFill>
-              <a:srgbClr val="93C47D"/>
-            </a:solidFill>
-            <a:prstDash val="solid"/>
-            <a:round/>
-            <a:headEnd len="med" w="med" type="none"/>
-            <a:tailEnd len="med" w="med" type="none"/>
-          </a:ln>
-        </p:spPr>
-      </p:sp>
-    </p:spTree>
-  </p:cSld>
-  <p:clrMapOvr>
-    <a:masterClrMapping/>
-  </p:clrMapOvr>
-</p:sld>
-</file>
-
-<file path=ppt/slides/slide5.xml><?xml version="1.0" encoding="utf-8"?>
-<p:sld xmlns:a="http://schemas.openxmlformats.org/drawingml/2006/main" xmlns:r="http://schemas.openxmlformats.org/officeDocument/2006/relationships" xmlns:mc="http://schemas.openxmlformats.org/markup-compatibility/2006" xmlns:mv="urn:schemas-microsoft-com:mac:vml" xmlns:p="http://schemas.openxmlformats.org/presentationml/2006/main" xmlns:c="http://schemas.openxmlformats.org/drawingml/2006/chart" xmlns:dgm="http://schemas.openxmlformats.org/drawingml/2006/diagram" xmlns:o="urn:schemas-microsoft-com:office:office" xmlns:v="urn:schemas-microsoft-com:vml" xmlns:pvml="urn:schemas-microsoft-com:office:powerpoint" xmlns:com="http://schemas.openxmlformats.org/drawingml/2006/compatibility" xmlns:p14="http://schemas.microsoft.com/office/powerpoint/2010/main" xmlns:p15="http://schemas.microsoft.com/office/powerpoint/2012/main" xmlns:ahyp="http://schemas.microsoft.com/office/drawing/2018/hyperlinkcolor">
-  <p:cSld>
-    <p:spTree>
-      <p:nvGrpSpPr>
-        <p:cNvPr id="276" name="Shape 276"/>
-        <p:cNvGrpSpPr/>
-        <p:nvPr/>
-      </p:nvGrpSpPr>
-      <p:grpSpPr>
-        <a:xfrm>
-          <a:off x="0" y="0"/>
-          <a:ext cx="0" cy="0"/>
-          <a:chOff x="0" y="0"/>
-          <a:chExt cx="0" cy="0"/>
-        </a:xfrm>
-      </p:grpSpPr>
-      <p:sp>
-        <p:nvSpPr>
-          <p:cNvPr id="277" name="Google Shape;277;p28"/>
+          <p:cNvPr id="270" name="Google Shape;270;p30"/>
           <p:cNvSpPr txBox="1"/>
           <p:nvPr>
-            <p:ph idx="1" type="body"/>
+            <p:ph type="ctrTitle"/>
           </p:nvPr>
         </p:nvSpPr>
         <p:spPr>
           <a:xfrm>
-            <a:off x="720000" y="2075500"/>
-            <a:ext cx="6958800" cy="1931700"/>
+            <a:off x="1539200" y="677125"/>
+            <a:ext cx="4138800" cy="2021400"/>
           </a:xfrm>
           <a:prstGeom prst="rect">
             <a:avLst/>
           </a:prstGeom>
         </p:spPr>
         <p:txBody>
-          <a:bodyPr anchorCtr="0" anchor="t" bIns="91425" lIns="91425" spcFirstLastPara="1" rIns="91425" wrap="square" tIns="91425">
+          <a:bodyPr anchorCtr="0" anchor="b" bIns="91425" lIns="91425" spcFirstLastPara="1" rIns="91425" wrap="square" tIns="91425">
             <a:noAutofit/>
           </a:bodyPr>
           <a:lstStyle/>
@@ -27455,62 +26638,2018 @@
               <a:buNone/>
             </a:pPr>
             <a:r>
-              <a:rPr lang="en" u="sng">
-                <a:solidFill>
-                  <a:schemeClr val="hlink"/>
-                </a:solidFill>
-                <a:hlinkClick r:id="rId3"/>
-              </a:rPr>
-              <a:t>https://github.com/SabrinaGonz/DatabaseSystems-Project</a:t>
+              <a:rPr lang="en"/>
+              <a:t>Demo</a:t>
             </a:r>
-            <a:r>
-              <a:rPr lang="en"/>
-              <a:t> </a:t>
-            </a:r>
-            <a:endParaRPr/>
+            <a:endParaRPr b="0" sz="5000">
+              <a:latin typeface="Poppins Black"/>
+              <a:ea typeface="Poppins Black"/>
+              <a:cs typeface="Poppins Black"/>
+              <a:sym typeface="Poppins Black"/>
+            </a:endParaRPr>
           </a:p>
         </p:txBody>
       </p:sp>
-      <p:sp>
-        <p:nvSpPr>
-          <p:cNvPr id="278" name="Google Shape;278;p28"/>
-          <p:cNvSpPr txBox="1"/>
-          <p:nvPr>
-            <p:ph type="title"/>
-          </p:nvPr>
-        </p:nvSpPr>
-        <p:spPr>
-          <a:xfrm>
-            <a:off x="720000" y="502875"/>
-            <a:ext cx="7704000" cy="612600"/>
+      <p:grpSp>
+        <p:nvGrpSpPr>
+          <p:cNvPr id="271" name="Google Shape;271;p30"/>
+          <p:cNvGrpSpPr/>
+          <p:nvPr/>
+        </p:nvGrpSpPr>
+        <p:grpSpPr>
+          <a:xfrm rot="210872">
+            <a:off x="5068864" y="1350534"/>
+            <a:ext cx="3222037" cy="2021382"/>
+            <a:chOff x="5290499" y="2481533"/>
+            <a:chExt cx="360628" cy="247292"/>
           </a:xfrm>
-          <a:prstGeom prst="rect">
-            <a:avLst/>
-          </a:prstGeom>
-        </p:spPr>
-        <p:txBody>
-          <a:bodyPr anchorCtr="0" anchor="t" bIns="91425" lIns="91425" spcFirstLastPara="1" rIns="91425" wrap="square" tIns="91425">
-            <a:noAutofit/>
-          </a:bodyPr>
-          <a:lstStyle/>
-          <a:p>
-            <a:pPr indent="0" lvl="0" marL="0" rtl="0" algn="l">
-              <a:spcBef>
-                <a:spcPts val="0"/>
-              </a:spcBef>
-              <a:spcAft>
-                <a:spcPts val="0"/>
-              </a:spcAft>
-              <a:buNone/>
-            </a:pPr>
-            <a:r>
-              <a:rPr lang="en"/>
-              <a:t>GitHub Repository </a:t>
-            </a:r>
-            <a:endParaRPr/>
-          </a:p>
-        </p:txBody>
-      </p:sp>
+        </p:grpSpPr>
+        <p:sp>
+          <p:nvSpPr>
+            <p:cNvPr id="272" name="Google Shape;272;p30"/>
+            <p:cNvSpPr/>
+            <p:nvPr/>
+          </p:nvSpPr>
+          <p:spPr>
+            <a:xfrm>
+              <a:off x="5540013" y="2624008"/>
+              <a:ext cx="76673" cy="48763"/>
+            </a:xfrm>
+            <a:custGeom>
+              <a:rect b="b" l="l" r="r" t="t"/>
+              <a:pathLst>
+                <a:path extrusionOk="0" h="1866" w="2934">
+                  <a:moveTo>
+                    <a:pt x="1" y="0"/>
+                  </a:moveTo>
+                  <a:lnTo>
+                    <a:pt x="1" y="1866"/>
+                  </a:lnTo>
+                  <a:lnTo>
+                    <a:pt x="2934" y="1866"/>
+                  </a:lnTo>
+                  <a:lnTo>
+                    <a:pt x="2934" y="0"/>
+                  </a:lnTo>
+                  <a:close/>
+                </a:path>
+              </a:pathLst>
+            </a:custGeom>
+            <a:solidFill>
+              <a:srgbClr val="A9BBC8"/>
+            </a:solidFill>
+            <a:ln>
+              <a:noFill/>
+            </a:ln>
+          </p:spPr>
+          <p:txBody>
+            <a:bodyPr anchorCtr="0" anchor="ctr" bIns="91425" lIns="91425" spcFirstLastPara="1" rIns="91425" wrap="square" tIns="91425">
+              <a:noAutofit/>
+            </a:bodyPr>
+            <a:lstStyle/>
+            <a:p>
+              <a:pPr indent="0" lvl="0" marL="0" rtl="0" algn="l">
+                <a:spcBef>
+                  <a:spcPts val="0"/>
+                </a:spcBef>
+                <a:spcAft>
+                  <a:spcPts val="0"/>
+                </a:spcAft>
+                <a:buNone/>
+              </a:pPr>
+              <a:r>
+                <a:t/>
+              </a:r>
+              <a:endParaRPr/>
+            </a:p>
+          </p:txBody>
+        </p:sp>
+        <p:sp>
+          <p:nvSpPr>
+            <p:cNvPr id="273" name="Google Shape;273;p30"/>
+            <p:cNvSpPr/>
+            <p:nvPr/>
+          </p:nvSpPr>
+          <p:spPr>
+            <a:xfrm>
+              <a:off x="5540013" y="2648389"/>
+              <a:ext cx="76673" cy="24382"/>
+            </a:xfrm>
+            <a:custGeom>
+              <a:rect b="b" l="l" r="r" t="t"/>
+              <a:pathLst>
+                <a:path extrusionOk="0" h="933" w="2934">
+                  <a:moveTo>
+                    <a:pt x="1" y="0"/>
+                  </a:moveTo>
+                  <a:lnTo>
+                    <a:pt x="1" y="933"/>
+                  </a:lnTo>
+                  <a:lnTo>
+                    <a:pt x="2934" y="933"/>
+                  </a:lnTo>
+                  <a:lnTo>
+                    <a:pt x="2934" y="0"/>
+                  </a:lnTo>
+                  <a:close/>
+                </a:path>
+              </a:pathLst>
+            </a:custGeom>
+            <a:solidFill>
+              <a:srgbClr val="9BAFBF"/>
+            </a:solidFill>
+            <a:ln>
+              <a:noFill/>
+            </a:ln>
+          </p:spPr>
+          <p:txBody>
+            <a:bodyPr anchorCtr="0" anchor="ctr" bIns="91425" lIns="91425" spcFirstLastPara="1" rIns="91425" wrap="square" tIns="91425">
+              <a:noAutofit/>
+            </a:bodyPr>
+            <a:lstStyle/>
+            <a:p>
+              <a:pPr indent="0" lvl="0" marL="0" rtl="0" algn="l">
+                <a:spcBef>
+                  <a:spcPts val="0"/>
+                </a:spcBef>
+                <a:spcAft>
+                  <a:spcPts val="0"/>
+                </a:spcAft>
+                <a:buNone/>
+              </a:pPr>
+              <a:r>
+                <a:t/>
+              </a:r>
+              <a:endParaRPr/>
+            </a:p>
+          </p:txBody>
+        </p:sp>
+        <p:sp>
+          <p:nvSpPr>
+            <p:cNvPr id="274" name="Google Shape;274;p30"/>
+            <p:cNvSpPr/>
+            <p:nvPr/>
+          </p:nvSpPr>
+          <p:spPr>
+            <a:xfrm>
+              <a:off x="5597582" y="2591290"/>
+              <a:ext cx="53545" cy="114121"/>
+            </a:xfrm>
+            <a:custGeom>
+              <a:rect b="b" l="l" r="r" t="t"/>
+              <a:pathLst>
+                <a:path extrusionOk="0" h="4367" w="2049">
+                  <a:moveTo>
+                    <a:pt x="1827" y="1"/>
+                  </a:moveTo>
+                  <a:cubicBezTo>
+                    <a:pt x="1805" y="1"/>
+                    <a:pt x="1782" y="4"/>
+                    <a:pt x="1760" y="12"/>
+                  </a:cubicBezTo>
+                  <a:lnTo>
+                    <a:pt x="164" y="445"/>
+                  </a:lnTo>
+                  <a:cubicBezTo>
+                    <a:pt x="67" y="474"/>
+                    <a:pt x="0" y="560"/>
+                    <a:pt x="0" y="666"/>
+                  </a:cubicBezTo>
+                  <a:lnTo>
+                    <a:pt x="0" y="3705"/>
+                  </a:lnTo>
+                  <a:cubicBezTo>
+                    <a:pt x="0" y="3801"/>
+                    <a:pt x="67" y="3887"/>
+                    <a:pt x="164" y="3916"/>
+                  </a:cubicBezTo>
+                  <a:lnTo>
+                    <a:pt x="1760" y="4358"/>
+                  </a:lnTo>
+                  <a:cubicBezTo>
+                    <a:pt x="1780" y="4364"/>
+                    <a:pt x="1800" y="4366"/>
+                    <a:pt x="1819" y="4366"/>
+                  </a:cubicBezTo>
+                  <a:cubicBezTo>
+                    <a:pt x="1939" y="4366"/>
+                    <a:pt x="2040" y="4270"/>
+                    <a:pt x="2048" y="4137"/>
+                  </a:cubicBezTo>
+                  <a:lnTo>
+                    <a:pt x="2048" y="224"/>
+                  </a:lnTo>
+                  <a:cubicBezTo>
+                    <a:pt x="2048" y="102"/>
+                    <a:pt x="1946" y="1"/>
+                    <a:pt x="1827" y="1"/>
+                  </a:cubicBezTo>
+                  <a:close/>
+                </a:path>
+              </a:pathLst>
+            </a:custGeom>
+            <a:solidFill>
+              <a:srgbClr val="CDD8DF"/>
+            </a:solidFill>
+            <a:ln>
+              <a:noFill/>
+            </a:ln>
+          </p:spPr>
+          <p:txBody>
+            <a:bodyPr anchorCtr="0" anchor="ctr" bIns="91425" lIns="91425" spcFirstLastPara="1" rIns="91425" wrap="square" tIns="91425">
+              <a:noAutofit/>
+            </a:bodyPr>
+            <a:lstStyle/>
+            <a:p>
+              <a:pPr indent="0" lvl="0" marL="0" rtl="0" algn="l">
+                <a:spcBef>
+                  <a:spcPts val="0"/>
+                </a:spcBef>
+                <a:spcAft>
+                  <a:spcPts val="0"/>
+                </a:spcAft>
+                <a:buNone/>
+              </a:pPr>
+              <a:r>
+                <a:t/>
+              </a:r>
+              <a:endParaRPr/>
+            </a:p>
+          </p:txBody>
+        </p:sp>
+        <p:sp>
+          <p:nvSpPr>
+            <p:cNvPr id="275" name="Google Shape;275;p30"/>
+            <p:cNvSpPr/>
+            <p:nvPr/>
+          </p:nvSpPr>
+          <p:spPr>
+            <a:xfrm>
+              <a:off x="5317886" y="2567980"/>
+              <a:ext cx="246037" cy="160584"/>
+            </a:xfrm>
+            <a:custGeom>
+              <a:rect b="b" l="l" r="r" t="t"/>
+              <a:pathLst>
+                <a:path extrusionOk="0" h="6145" w="9415">
+                  <a:moveTo>
+                    <a:pt x="318" y="0"/>
+                  </a:moveTo>
+                  <a:cubicBezTo>
+                    <a:pt x="145" y="0"/>
+                    <a:pt x="0" y="144"/>
+                    <a:pt x="0" y="317"/>
+                  </a:cubicBezTo>
+                  <a:lnTo>
+                    <a:pt x="0" y="5827"/>
+                  </a:lnTo>
+                  <a:cubicBezTo>
+                    <a:pt x="0" y="6001"/>
+                    <a:pt x="145" y="6145"/>
+                    <a:pt x="318" y="6145"/>
+                  </a:cubicBezTo>
+                  <a:lnTo>
+                    <a:pt x="9097" y="6145"/>
+                  </a:lnTo>
+                  <a:cubicBezTo>
+                    <a:pt x="9270" y="6145"/>
+                    <a:pt x="9414" y="6001"/>
+                    <a:pt x="9414" y="5827"/>
+                  </a:cubicBezTo>
+                  <a:lnTo>
+                    <a:pt x="9414" y="317"/>
+                  </a:lnTo>
+                  <a:cubicBezTo>
+                    <a:pt x="9414" y="144"/>
+                    <a:pt x="9270" y="0"/>
+                    <a:pt x="9097" y="0"/>
+                  </a:cubicBezTo>
+                  <a:close/>
+                </a:path>
+              </a:pathLst>
+            </a:custGeom>
+            <a:solidFill>
+              <a:srgbClr val="41586F"/>
+            </a:solidFill>
+            <a:ln>
+              <a:noFill/>
+            </a:ln>
+          </p:spPr>
+          <p:txBody>
+            <a:bodyPr anchorCtr="0" anchor="ctr" bIns="91425" lIns="91425" spcFirstLastPara="1" rIns="91425" wrap="square" tIns="91425">
+              <a:noAutofit/>
+            </a:bodyPr>
+            <a:lstStyle/>
+            <a:p>
+              <a:pPr indent="0" lvl="0" marL="0" rtl="0" algn="l">
+                <a:spcBef>
+                  <a:spcPts val="0"/>
+                </a:spcBef>
+                <a:spcAft>
+                  <a:spcPts val="0"/>
+                </a:spcAft>
+                <a:buNone/>
+              </a:pPr>
+              <a:r>
+                <a:t/>
+              </a:r>
+              <a:endParaRPr/>
+            </a:p>
+          </p:txBody>
+        </p:sp>
+        <p:sp>
+          <p:nvSpPr>
+            <p:cNvPr id="276" name="Google Shape;276;p30"/>
+            <p:cNvSpPr/>
+            <p:nvPr/>
+          </p:nvSpPr>
+          <p:spPr>
+            <a:xfrm>
+              <a:off x="5317886" y="2567980"/>
+              <a:ext cx="246037" cy="160846"/>
+            </a:xfrm>
+            <a:custGeom>
+              <a:rect b="b" l="l" r="r" t="t"/>
+              <a:pathLst>
+                <a:path extrusionOk="0" h="6155" w="9415">
+                  <a:moveTo>
+                    <a:pt x="7645" y="0"/>
+                  </a:moveTo>
+                  <a:cubicBezTo>
+                    <a:pt x="7818" y="0"/>
+                    <a:pt x="7962" y="144"/>
+                    <a:pt x="7962" y="317"/>
+                  </a:cubicBezTo>
+                  <a:lnTo>
+                    <a:pt x="7962" y="5308"/>
+                  </a:lnTo>
+                  <a:cubicBezTo>
+                    <a:pt x="7962" y="5539"/>
+                    <a:pt x="7770" y="5731"/>
+                    <a:pt x="7530" y="5731"/>
+                  </a:cubicBezTo>
+                  <a:lnTo>
+                    <a:pt x="308" y="5731"/>
+                  </a:lnTo>
+                  <a:cubicBezTo>
+                    <a:pt x="154" y="5731"/>
+                    <a:pt x="29" y="5625"/>
+                    <a:pt x="0" y="5472"/>
+                  </a:cubicBezTo>
+                  <a:lnTo>
+                    <a:pt x="0" y="5837"/>
+                  </a:lnTo>
+                  <a:cubicBezTo>
+                    <a:pt x="0" y="6010"/>
+                    <a:pt x="145" y="6154"/>
+                    <a:pt x="318" y="6154"/>
+                  </a:cubicBezTo>
+                  <a:lnTo>
+                    <a:pt x="9088" y="6154"/>
+                  </a:lnTo>
+                  <a:cubicBezTo>
+                    <a:pt x="9270" y="6154"/>
+                    <a:pt x="9405" y="6010"/>
+                    <a:pt x="9405" y="5837"/>
+                  </a:cubicBezTo>
+                  <a:lnTo>
+                    <a:pt x="9405" y="317"/>
+                  </a:lnTo>
+                  <a:cubicBezTo>
+                    <a:pt x="9405" y="308"/>
+                    <a:pt x="9414" y="298"/>
+                    <a:pt x="9414" y="289"/>
+                  </a:cubicBezTo>
+                  <a:cubicBezTo>
+                    <a:pt x="9395" y="125"/>
+                    <a:pt x="9261" y="0"/>
+                    <a:pt x="9097" y="0"/>
+                  </a:cubicBezTo>
+                  <a:close/>
+                </a:path>
+              </a:pathLst>
+            </a:custGeom>
+            <a:solidFill>
+              <a:srgbClr val="324B64"/>
+            </a:solidFill>
+            <a:ln>
+              <a:noFill/>
+            </a:ln>
+          </p:spPr>
+          <p:txBody>
+            <a:bodyPr anchorCtr="0" anchor="ctr" bIns="91425" lIns="91425" spcFirstLastPara="1" rIns="91425" wrap="square" tIns="91425">
+              <a:noAutofit/>
+            </a:bodyPr>
+            <a:lstStyle/>
+            <a:p>
+              <a:pPr indent="0" lvl="0" marL="0" rtl="0" algn="l">
+                <a:spcBef>
+                  <a:spcPts val="0"/>
+                </a:spcBef>
+                <a:spcAft>
+                  <a:spcPts val="0"/>
+                </a:spcAft>
+                <a:buNone/>
+              </a:pPr>
+              <a:r>
+                <a:t/>
+              </a:r>
+              <a:endParaRPr/>
+            </a:p>
+          </p:txBody>
+        </p:sp>
+        <p:sp>
+          <p:nvSpPr>
+            <p:cNvPr id="277" name="Google Shape;277;p30"/>
+            <p:cNvSpPr/>
+            <p:nvPr/>
+          </p:nvSpPr>
+          <p:spPr>
+            <a:xfrm>
+              <a:off x="5290499" y="2481533"/>
+              <a:ext cx="146760" cy="147021"/>
+            </a:xfrm>
+            <a:custGeom>
+              <a:rect b="b" l="l" r="r" t="t"/>
+              <a:pathLst>
+                <a:path extrusionOk="0" h="5626" w="5616">
+                  <a:moveTo>
+                    <a:pt x="2808" y="0"/>
+                  </a:moveTo>
+                  <a:cubicBezTo>
+                    <a:pt x="1250" y="0"/>
+                    <a:pt x="0" y="1260"/>
+                    <a:pt x="0" y="2818"/>
+                  </a:cubicBezTo>
+                  <a:cubicBezTo>
+                    <a:pt x="0" y="4366"/>
+                    <a:pt x="1250" y="5626"/>
+                    <a:pt x="2808" y="5626"/>
+                  </a:cubicBezTo>
+                  <a:cubicBezTo>
+                    <a:pt x="4356" y="5626"/>
+                    <a:pt x="5616" y="4366"/>
+                    <a:pt x="5616" y="2818"/>
+                  </a:cubicBezTo>
+                  <a:cubicBezTo>
+                    <a:pt x="5616" y="1260"/>
+                    <a:pt x="4356" y="0"/>
+                    <a:pt x="2808" y="0"/>
+                  </a:cubicBezTo>
+                  <a:close/>
+                </a:path>
+              </a:pathLst>
+            </a:custGeom>
+            <a:solidFill>
+              <a:srgbClr val="395169"/>
+            </a:solidFill>
+            <a:ln>
+              <a:noFill/>
+            </a:ln>
+          </p:spPr>
+          <p:txBody>
+            <a:bodyPr anchorCtr="0" anchor="ctr" bIns="91425" lIns="91425" spcFirstLastPara="1" rIns="91425" wrap="square" tIns="91425">
+              <a:noAutofit/>
+            </a:bodyPr>
+            <a:lstStyle/>
+            <a:p>
+              <a:pPr indent="0" lvl="0" marL="0" rtl="0" algn="l">
+                <a:spcBef>
+                  <a:spcPts val="0"/>
+                </a:spcBef>
+                <a:spcAft>
+                  <a:spcPts val="0"/>
+                </a:spcAft>
+                <a:buNone/>
+              </a:pPr>
+              <a:r>
+                <a:t/>
+              </a:r>
+              <a:endParaRPr/>
+            </a:p>
+          </p:txBody>
+        </p:sp>
+        <p:sp>
+          <p:nvSpPr>
+            <p:cNvPr id="278" name="Google Shape;278;p30"/>
+            <p:cNvSpPr/>
+            <p:nvPr/>
+          </p:nvSpPr>
+          <p:spPr>
+            <a:xfrm>
+              <a:off x="5311850" y="2503145"/>
+              <a:ext cx="132701" cy="125279"/>
+            </a:xfrm>
+            <a:custGeom>
+              <a:rect b="b" l="l" r="r" t="t"/>
+              <a:pathLst>
+                <a:path extrusionOk="0" h="4794" w="5078">
+                  <a:moveTo>
+                    <a:pt x="3982" y="0"/>
+                  </a:moveTo>
+                  <a:lnTo>
+                    <a:pt x="1" y="3972"/>
+                  </a:lnTo>
+                  <a:cubicBezTo>
+                    <a:pt x="549" y="4520"/>
+                    <a:pt x="1268" y="4794"/>
+                    <a:pt x="1986" y="4794"/>
+                  </a:cubicBezTo>
+                  <a:cubicBezTo>
+                    <a:pt x="2705" y="4794"/>
+                    <a:pt x="3424" y="4520"/>
+                    <a:pt x="3972" y="3972"/>
+                  </a:cubicBezTo>
+                  <a:cubicBezTo>
+                    <a:pt x="5078" y="2875"/>
+                    <a:pt x="5078" y="1096"/>
+                    <a:pt x="3982" y="0"/>
+                  </a:cubicBezTo>
+                  <a:close/>
+                </a:path>
+              </a:pathLst>
+            </a:custGeom>
+            <a:solidFill>
+              <a:srgbClr val="27415B"/>
+            </a:solidFill>
+            <a:ln>
+              <a:noFill/>
+            </a:ln>
+          </p:spPr>
+          <p:txBody>
+            <a:bodyPr anchorCtr="0" anchor="ctr" bIns="91425" lIns="91425" spcFirstLastPara="1" rIns="91425" wrap="square" tIns="91425">
+              <a:noAutofit/>
+            </a:bodyPr>
+            <a:lstStyle/>
+            <a:p>
+              <a:pPr indent="0" lvl="0" marL="0" rtl="0" algn="l">
+                <a:spcBef>
+                  <a:spcPts val="0"/>
+                </a:spcBef>
+                <a:spcAft>
+                  <a:spcPts val="0"/>
+                </a:spcAft>
+                <a:buNone/>
+              </a:pPr>
+              <a:r>
+                <a:t/>
+              </a:r>
+              <a:endParaRPr/>
+            </a:p>
+          </p:txBody>
+        </p:sp>
+        <p:sp>
+          <p:nvSpPr>
+            <p:cNvPr id="279" name="Google Shape;279;p30"/>
+            <p:cNvSpPr/>
+            <p:nvPr/>
+          </p:nvSpPr>
+          <p:spPr>
+            <a:xfrm>
+              <a:off x="5476693" y="2650401"/>
+              <a:ext cx="53807" cy="53781"/>
+            </a:xfrm>
+            <a:custGeom>
+              <a:rect b="b" l="l" r="r" t="t"/>
+              <a:pathLst>
+                <a:path extrusionOk="0" h="2058" w="2059">
+                  <a:moveTo>
+                    <a:pt x="97" y="0"/>
+                  </a:moveTo>
+                  <a:cubicBezTo>
+                    <a:pt x="39" y="0"/>
+                    <a:pt x="1" y="39"/>
+                    <a:pt x="1" y="96"/>
+                  </a:cubicBezTo>
+                  <a:lnTo>
+                    <a:pt x="1" y="1962"/>
+                  </a:lnTo>
+                  <a:cubicBezTo>
+                    <a:pt x="1" y="2010"/>
+                    <a:pt x="39" y="2058"/>
+                    <a:pt x="97" y="2058"/>
+                  </a:cubicBezTo>
+                  <a:lnTo>
+                    <a:pt x="1962" y="2058"/>
+                  </a:lnTo>
+                  <a:cubicBezTo>
+                    <a:pt x="2010" y="2058"/>
+                    <a:pt x="2059" y="2010"/>
+                    <a:pt x="2059" y="1962"/>
+                  </a:cubicBezTo>
+                  <a:lnTo>
+                    <a:pt x="2059" y="96"/>
+                  </a:lnTo>
+                  <a:cubicBezTo>
+                    <a:pt x="2059" y="39"/>
+                    <a:pt x="2010" y="0"/>
+                    <a:pt x="1962" y="0"/>
+                  </a:cubicBezTo>
+                  <a:close/>
+                </a:path>
+              </a:pathLst>
+            </a:custGeom>
+            <a:solidFill>
+              <a:srgbClr val="A9BBC8"/>
+            </a:solidFill>
+            <a:ln>
+              <a:noFill/>
+            </a:ln>
+          </p:spPr>
+          <p:txBody>
+            <a:bodyPr anchorCtr="0" anchor="ctr" bIns="91425" lIns="91425" spcFirstLastPara="1" rIns="91425" wrap="square" tIns="91425">
+              <a:noAutofit/>
+            </a:bodyPr>
+            <a:lstStyle/>
+            <a:p>
+              <a:pPr indent="0" lvl="0" marL="0" rtl="0" algn="l">
+                <a:spcBef>
+                  <a:spcPts val="0"/>
+                </a:spcBef>
+                <a:spcAft>
+                  <a:spcPts val="0"/>
+                </a:spcAft>
+                <a:buNone/>
+              </a:pPr>
+              <a:r>
+                <a:t/>
+              </a:r>
+              <a:endParaRPr/>
+            </a:p>
+          </p:txBody>
+        </p:sp>
+        <p:sp>
+          <p:nvSpPr>
+            <p:cNvPr id="280" name="Google Shape;280;p30"/>
+            <p:cNvSpPr/>
+            <p:nvPr/>
+          </p:nvSpPr>
+          <p:spPr>
+            <a:xfrm>
+              <a:off x="5330953" y="2530401"/>
+              <a:ext cx="57570" cy="49155"/>
+            </a:xfrm>
+            <a:custGeom>
+              <a:rect b="b" l="l" r="r" t="t"/>
+              <a:pathLst>
+                <a:path extrusionOk="0" h="1881" w="2203">
+                  <a:moveTo>
+                    <a:pt x="1251" y="0"/>
+                  </a:moveTo>
+                  <a:cubicBezTo>
+                    <a:pt x="1020" y="0"/>
+                    <a:pt x="786" y="85"/>
+                    <a:pt x="597" y="275"/>
+                  </a:cubicBezTo>
+                  <a:cubicBezTo>
+                    <a:pt x="0" y="871"/>
+                    <a:pt x="424" y="1880"/>
+                    <a:pt x="1260" y="1880"/>
+                  </a:cubicBezTo>
+                  <a:cubicBezTo>
+                    <a:pt x="1779" y="1880"/>
+                    <a:pt x="2202" y="1467"/>
+                    <a:pt x="2202" y="948"/>
+                  </a:cubicBezTo>
+                  <a:cubicBezTo>
+                    <a:pt x="2202" y="375"/>
+                    <a:pt x="1735" y="0"/>
+                    <a:pt x="1251" y="0"/>
+                  </a:cubicBezTo>
+                  <a:close/>
+                </a:path>
+              </a:pathLst>
+            </a:custGeom>
+            <a:solidFill>
+              <a:srgbClr val="CDD8DF"/>
+            </a:solidFill>
+            <a:ln>
+              <a:noFill/>
+            </a:ln>
+          </p:spPr>
+          <p:txBody>
+            <a:bodyPr anchorCtr="0" anchor="ctr" bIns="91425" lIns="91425" spcFirstLastPara="1" rIns="91425" wrap="square" tIns="91425">
+              <a:noAutofit/>
+            </a:bodyPr>
+            <a:lstStyle/>
+            <a:p>
+              <a:pPr indent="0" lvl="0" marL="0" rtl="0" algn="l">
+                <a:spcBef>
+                  <a:spcPts val="0"/>
+                </a:spcBef>
+                <a:spcAft>
+                  <a:spcPts val="0"/>
+                </a:spcAft>
+                <a:buNone/>
+              </a:pPr>
+              <a:r>
+                <a:t/>
+              </a:r>
+              <a:endParaRPr/>
+            </a:p>
+          </p:txBody>
+        </p:sp>
+        <p:sp>
+          <p:nvSpPr>
+            <p:cNvPr id="281" name="Google Shape;281;p30"/>
+            <p:cNvSpPr/>
+            <p:nvPr/>
+          </p:nvSpPr>
+          <p:spPr>
+            <a:xfrm>
+              <a:off x="5456598" y="2498624"/>
+              <a:ext cx="112866" cy="112840"/>
+            </a:xfrm>
+            <a:custGeom>
+              <a:rect b="b" l="l" r="r" t="t"/>
+              <a:pathLst>
+                <a:path extrusionOk="0" h="4318" w="4319">
+                  <a:moveTo>
+                    <a:pt x="2164" y="0"/>
+                  </a:moveTo>
+                  <a:cubicBezTo>
+                    <a:pt x="972" y="0"/>
+                    <a:pt x="0" y="971"/>
+                    <a:pt x="0" y="2164"/>
+                  </a:cubicBezTo>
+                  <a:cubicBezTo>
+                    <a:pt x="0" y="3356"/>
+                    <a:pt x="972" y="4318"/>
+                    <a:pt x="2164" y="4318"/>
+                  </a:cubicBezTo>
+                  <a:cubicBezTo>
+                    <a:pt x="3356" y="4318"/>
+                    <a:pt x="4318" y="3356"/>
+                    <a:pt x="4318" y="2164"/>
+                  </a:cubicBezTo>
+                  <a:cubicBezTo>
+                    <a:pt x="4318" y="971"/>
+                    <a:pt x="3356" y="0"/>
+                    <a:pt x="2164" y="0"/>
+                  </a:cubicBezTo>
+                  <a:close/>
+                </a:path>
+              </a:pathLst>
+            </a:custGeom>
+            <a:solidFill>
+              <a:srgbClr val="395169"/>
+            </a:solidFill>
+            <a:ln>
+              <a:noFill/>
+            </a:ln>
+          </p:spPr>
+          <p:txBody>
+            <a:bodyPr anchorCtr="0" anchor="ctr" bIns="91425" lIns="91425" spcFirstLastPara="1" rIns="91425" wrap="square" tIns="91425">
+              <a:noAutofit/>
+            </a:bodyPr>
+            <a:lstStyle/>
+            <a:p>
+              <a:pPr indent="0" lvl="0" marL="0" rtl="0" algn="l">
+                <a:spcBef>
+                  <a:spcPts val="0"/>
+                </a:spcBef>
+                <a:spcAft>
+                  <a:spcPts val="0"/>
+                </a:spcAft>
+                <a:buNone/>
+              </a:pPr>
+              <a:r>
+                <a:t/>
+              </a:r>
+              <a:endParaRPr/>
+            </a:p>
+          </p:txBody>
+        </p:sp>
+        <p:sp>
+          <p:nvSpPr>
+            <p:cNvPr id="282" name="Google Shape;282;p30"/>
+            <p:cNvSpPr/>
+            <p:nvPr/>
+          </p:nvSpPr>
+          <p:spPr>
+            <a:xfrm>
+              <a:off x="5473427" y="2515192"/>
+              <a:ext cx="101551" cy="96272"/>
+            </a:xfrm>
+            <a:custGeom>
+              <a:rect b="b" l="l" r="r" t="t"/>
+              <a:pathLst>
+                <a:path extrusionOk="0" h="3684" w="3886">
+                  <a:moveTo>
+                    <a:pt x="3049" y="1"/>
+                  </a:moveTo>
+                  <a:lnTo>
+                    <a:pt x="1" y="3049"/>
+                  </a:lnTo>
+                  <a:cubicBezTo>
+                    <a:pt x="419" y="3472"/>
+                    <a:pt x="970" y="3684"/>
+                    <a:pt x="1521" y="3684"/>
+                  </a:cubicBezTo>
+                  <a:cubicBezTo>
+                    <a:pt x="2073" y="3684"/>
+                    <a:pt x="2626" y="3472"/>
+                    <a:pt x="3049" y="3049"/>
+                  </a:cubicBezTo>
+                  <a:cubicBezTo>
+                    <a:pt x="3886" y="2203"/>
+                    <a:pt x="3886" y="847"/>
+                    <a:pt x="3049" y="1"/>
+                  </a:cubicBezTo>
+                  <a:close/>
+                </a:path>
+              </a:pathLst>
+            </a:custGeom>
+            <a:solidFill>
+              <a:srgbClr val="27415B"/>
+            </a:solidFill>
+            <a:ln>
+              <a:noFill/>
+            </a:ln>
+          </p:spPr>
+          <p:txBody>
+            <a:bodyPr anchorCtr="0" anchor="ctr" bIns="91425" lIns="91425" spcFirstLastPara="1" rIns="91425" wrap="square" tIns="91425">
+              <a:noAutofit/>
+            </a:bodyPr>
+            <a:lstStyle/>
+            <a:p>
+              <a:pPr indent="0" lvl="0" marL="0" rtl="0" algn="l">
+                <a:spcBef>
+                  <a:spcPts val="0"/>
+                </a:spcBef>
+                <a:spcAft>
+                  <a:spcPts val="0"/>
+                </a:spcAft>
+                <a:buNone/>
+              </a:pPr>
+              <a:r>
+                <a:t/>
+              </a:r>
+              <a:endParaRPr/>
+            </a:p>
+          </p:txBody>
+        </p:sp>
+        <p:sp>
+          <p:nvSpPr>
+            <p:cNvPr id="283" name="Google Shape;283;p30"/>
+            <p:cNvSpPr/>
+            <p:nvPr/>
+          </p:nvSpPr>
+          <p:spPr>
+            <a:xfrm>
+              <a:off x="5493026" y="2539992"/>
+              <a:ext cx="35200" cy="30261"/>
+            </a:xfrm>
+            <a:custGeom>
+              <a:rect b="b" l="l" r="r" t="t"/>
+              <a:pathLst>
+                <a:path extrusionOk="0" h="1158" w="1347">
+                  <a:moveTo>
+                    <a:pt x="761" y="1"/>
+                  </a:moveTo>
+                  <a:cubicBezTo>
+                    <a:pt x="619" y="1"/>
+                    <a:pt x="474" y="52"/>
+                    <a:pt x="357" y="167"/>
+                  </a:cubicBezTo>
+                  <a:cubicBezTo>
+                    <a:pt x="1" y="533"/>
+                    <a:pt x="251" y="1158"/>
+                    <a:pt x="770" y="1158"/>
+                  </a:cubicBezTo>
+                  <a:cubicBezTo>
+                    <a:pt x="1087" y="1148"/>
+                    <a:pt x="1347" y="898"/>
+                    <a:pt x="1347" y="581"/>
+                  </a:cubicBezTo>
+                  <a:cubicBezTo>
+                    <a:pt x="1347" y="229"/>
+                    <a:pt x="1060" y="1"/>
+                    <a:pt x="761" y="1"/>
+                  </a:cubicBezTo>
+                  <a:close/>
+                </a:path>
+              </a:pathLst>
+            </a:custGeom>
+            <a:solidFill>
+              <a:srgbClr val="CDD8DF"/>
+            </a:solidFill>
+            <a:ln>
+              <a:noFill/>
+            </a:ln>
+          </p:spPr>
+          <p:txBody>
+            <a:bodyPr anchorCtr="0" anchor="ctr" bIns="91425" lIns="91425" spcFirstLastPara="1" rIns="91425" wrap="square" tIns="91425">
+              <a:noAutofit/>
+            </a:bodyPr>
+            <a:lstStyle/>
+            <a:p>
+              <a:pPr indent="0" lvl="0" marL="0" rtl="0" algn="l">
+                <a:spcBef>
+                  <a:spcPts val="0"/>
+                </a:spcBef>
+                <a:spcAft>
+                  <a:spcPts val="0"/>
+                </a:spcAft>
+                <a:buNone/>
+              </a:pPr>
+              <a:r>
+                <a:t/>
+              </a:r>
+              <a:endParaRPr/>
+            </a:p>
+          </p:txBody>
+        </p:sp>
+        <p:sp>
+          <p:nvSpPr>
+            <p:cNvPr id="284" name="Google Shape;284;p30"/>
+            <p:cNvSpPr/>
+            <p:nvPr/>
+          </p:nvSpPr>
+          <p:spPr>
+            <a:xfrm>
+              <a:off x="5384890" y="2509782"/>
+              <a:ext cx="26603" cy="22160"/>
+            </a:xfrm>
+            <a:custGeom>
+              <a:rect b="b" l="l" r="r" t="t"/>
+              <a:pathLst>
+                <a:path extrusionOk="0" h="848" w="1018">
+                  <a:moveTo>
+                    <a:pt x="718" y="0"/>
+                  </a:moveTo>
+                  <a:cubicBezTo>
+                    <a:pt x="669" y="0"/>
+                    <a:pt x="618" y="19"/>
+                    <a:pt x="571" y="63"/>
+                  </a:cubicBezTo>
+                  <a:lnTo>
+                    <a:pt x="148" y="487"/>
+                  </a:lnTo>
+                  <a:cubicBezTo>
+                    <a:pt x="0" y="642"/>
+                    <a:pt x="136" y="848"/>
+                    <a:pt x="299" y="848"/>
+                  </a:cubicBezTo>
+                  <a:cubicBezTo>
+                    <a:pt x="348" y="848"/>
+                    <a:pt x="399" y="829"/>
+                    <a:pt x="446" y="785"/>
+                  </a:cubicBezTo>
+                  <a:lnTo>
+                    <a:pt x="869" y="362"/>
+                  </a:lnTo>
+                  <a:cubicBezTo>
+                    <a:pt x="1017" y="206"/>
+                    <a:pt x="881" y="0"/>
+                    <a:pt x="718" y="0"/>
+                  </a:cubicBezTo>
+                  <a:close/>
+                </a:path>
+              </a:pathLst>
+            </a:custGeom>
+            <a:solidFill>
+              <a:srgbClr val="203B56"/>
+            </a:solidFill>
+            <a:ln>
+              <a:noFill/>
+            </a:ln>
+          </p:spPr>
+          <p:txBody>
+            <a:bodyPr anchorCtr="0" anchor="ctr" bIns="91425" lIns="91425" spcFirstLastPara="1" rIns="91425" wrap="square" tIns="91425">
+              <a:noAutofit/>
+            </a:bodyPr>
+            <a:lstStyle/>
+            <a:p>
+              <a:pPr indent="0" lvl="0" marL="0" rtl="0" algn="l">
+                <a:spcBef>
+                  <a:spcPts val="0"/>
+                </a:spcBef>
+                <a:spcAft>
+                  <a:spcPts val="0"/>
+                </a:spcAft>
+                <a:buNone/>
+              </a:pPr>
+              <a:r>
+                <a:t/>
+              </a:r>
+              <a:endParaRPr/>
+            </a:p>
+          </p:txBody>
+        </p:sp>
+        <p:sp>
+          <p:nvSpPr>
+            <p:cNvPr id="285" name="Google Shape;285;p30"/>
+            <p:cNvSpPr/>
+            <p:nvPr/>
+          </p:nvSpPr>
+          <p:spPr>
+            <a:xfrm>
+              <a:off x="5316109" y="2578276"/>
+              <a:ext cx="26760" cy="22134"/>
+            </a:xfrm>
+            <a:custGeom>
+              <a:rect b="b" l="l" r="r" t="t"/>
+              <a:pathLst>
+                <a:path extrusionOk="0" h="847" w="1024">
+                  <a:moveTo>
+                    <a:pt x="724" y="0"/>
+                  </a:moveTo>
+                  <a:cubicBezTo>
+                    <a:pt x="675" y="0"/>
+                    <a:pt x="623" y="20"/>
+                    <a:pt x="578" y="68"/>
+                  </a:cubicBezTo>
+                  <a:lnTo>
+                    <a:pt x="155" y="491"/>
+                  </a:lnTo>
+                  <a:cubicBezTo>
+                    <a:pt x="1" y="638"/>
+                    <a:pt x="138" y="847"/>
+                    <a:pt x="302" y="847"/>
+                  </a:cubicBezTo>
+                  <a:cubicBezTo>
+                    <a:pt x="353" y="847"/>
+                    <a:pt x="405" y="827"/>
+                    <a:pt x="453" y="779"/>
+                  </a:cubicBezTo>
+                  <a:lnTo>
+                    <a:pt x="876" y="356"/>
+                  </a:lnTo>
+                  <a:cubicBezTo>
+                    <a:pt x="1023" y="209"/>
+                    <a:pt x="884" y="0"/>
+                    <a:pt x="724" y="0"/>
+                  </a:cubicBezTo>
+                  <a:close/>
+                </a:path>
+              </a:pathLst>
+            </a:custGeom>
+            <a:solidFill>
+              <a:srgbClr val="203B56"/>
+            </a:solidFill>
+            <a:ln>
+              <a:noFill/>
+            </a:ln>
+          </p:spPr>
+          <p:txBody>
+            <a:bodyPr anchorCtr="0" anchor="ctr" bIns="91425" lIns="91425" spcFirstLastPara="1" rIns="91425" wrap="square" tIns="91425">
+              <a:noAutofit/>
+            </a:bodyPr>
+            <a:lstStyle/>
+            <a:p>
+              <a:pPr indent="0" lvl="0" marL="0" rtl="0" algn="l">
+                <a:spcBef>
+                  <a:spcPts val="0"/>
+                </a:spcBef>
+                <a:spcAft>
+                  <a:spcPts val="0"/>
+                </a:spcAft>
+                <a:buNone/>
+              </a:pPr>
+              <a:r>
+                <a:t/>
+              </a:r>
+              <a:endParaRPr/>
+            </a:p>
+          </p:txBody>
+        </p:sp>
+        <p:sp>
+          <p:nvSpPr>
+            <p:cNvPr id="286" name="Google Shape;286;p30"/>
+            <p:cNvSpPr/>
+            <p:nvPr/>
+          </p:nvSpPr>
+          <p:spPr>
+            <a:xfrm>
+              <a:off x="5384916" y="2578276"/>
+              <a:ext cx="26551" cy="22134"/>
+            </a:xfrm>
+            <a:custGeom>
+              <a:rect b="b" l="l" r="r" t="t"/>
+              <a:pathLst>
+                <a:path extrusionOk="0" h="847" w="1016">
+                  <a:moveTo>
+                    <a:pt x="296" y="0"/>
+                  </a:moveTo>
+                  <a:cubicBezTo>
+                    <a:pt x="134" y="0"/>
+                    <a:pt x="0" y="209"/>
+                    <a:pt x="147" y="356"/>
+                  </a:cubicBezTo>
+                  <a:lnTo>
+                    <a:pt x="570" y="779"/>
+                  </a:lnTo>
+                  <a:cubicBezTo>
+                    <a:pt x="618" y="827"/>
+                    <a:pt x="670" y="847"/>
+                    <a:pt x="720" y="847"/>
+                  </a:cubicBezTo>
+                  <a:cubicBezTo>
+                    <a:pt x="881" y="847"/>
+                    <a:pt x="1015" y="638"/>
+                    <a:pt x="868" y="491"/>
+                  </a:cubicBezTo>
+                  <a:lnTo>
+                    <a:pt x="445" y="68"/>
+                  </a:lnTo>
+                  <a:cubicBezTo>
+                    <a:pt x="398" y="20"/>
+                    <a:pt x="345" y="0"/>
+                    <a:pt x="296" y="0"/>
+                  </a:cubicBezTo>
+                  <a:close/>
+                </a:path>
+              </a:pathLst>
+            </a:custGeom>
+            <a:solidFill>
+              <a:srgbClr val="203B56"/>
+            </a:solidFill>
+            <a:ln>
+              <a:noFill/>
+            </a:ln>
+          </p:spPr>
+          <p:txBody>
+            <a:bodyPr anchorCtr="0" anchor="ctr" bIns="91425" lIns="91425" spcFirstLastPara="1" rIns="91425" wrap="square" tIns="91425">
+              <a:noAutofit/>
+            </a:bodyPr>
+            <a:lstStyle/>
+            <a:p>
+              <a:pPr indent="0" lvl="0" marL="0" rtl="0" algn="l">
+                <a:spcBef>
+                  <a:spcPts val="0"/>
+                </a:spcBef>
+                <a:spcAft>
+                  <a:spcPts val="0"/>
+                </a:spcAft>
+                <a:buNone/>
+              </a:pPr>
+              <a:r>
+                <a:t/>
+              </a:r>
+              <a:endParaRPr/>
+            </a:p>
+          </p:txBody>
+        </p:sp>
+        <p:sp>
+          <p:nvSpPr>
+            <p:cNvPr id="287" name="Google Shape;287;p30"/>
+            <p:cNvSpPr/>
+            <p:nvPr/>
+          </p:nvSpPr>
+          <p:spPr>
+            <a:xfrm>
+              <a:off x="5316083" y="2509782"/>
+              <a:ext cx="26786" cy="22160"/>
+            </a:xfrm>
+            <a:custGeom>
+              <a:rect b="b" l="l" r="r" t="t"/>
+              <a:pathLst>
+                <a:path extrusionOk="0" h="848" w="1025">
+                  <a:moveTo>
+                    <a:pt x="306" y="0"/>
+                  </a:moveTo>
+                  <a:cubicBezTo>
+                    <a:pt x="141" y="0"/>
+                    <a:pt x="1" y="206"/>
+                    <a:pt x="156" y="362"/>
+                  </a:cubicBezTo>
+                  <a:lnTo>
+                    <a:pt x="579" y="785"/>
+                  </a:lnTo>
+                  <a:cubicBezTo>
+                    <a:pt x="624" y="829"/>
+                    <a:pt x="674" y="848"/>
+                    <a:pt x="722" y="848"/>
+                  </a:cubicBezTo>
+                  <a:cubicBezTo>
+                    <a:pt x="883" y="848"/>
+                    <a:pt x="1025" y="642"/>
+                    <a:pt x="877" y="487"/>
+                  </a:cubicBezTo>
+                  <a:lnTo>
+                    <a:pt x="454" y="63"/>
+                  </a:lnTo>
+                  <a:cubicBezTo>
+                    <a:pt x="407" y="19"/>
+                    <a:pt x="355" y="0"/>
+                    <a:pt x="306" y="0"/>
+                  </a:cubicBezTo>
+                  <a:close/>
+                </a:path>
+              </a:pathLst>
+            </a:custGeom>
+            <a:solidFill>
+              <a:srgbClr val="203B56"/>
+            </a:solidFill>
+            <a:ln>
+              <a:noFill/>
+            </a:ln>
+          </p:spPr>
+          <p:txBody>
+            <a:bodyPr anchorCtr="0" anchor="ctr" bIns="91425" lIns="91425" spcFirstLastPara="1" rIns="91425" wrap="square" tIns="91425">
+              <a:noAutofit/>
+            </a:bodyPr>
+            <a:lstStyle/>
+            <a:p>
+              <a:pPr indent="0" lvl="0" marL="0" rtl="0" algn="l">
+                <a:spcBef>
+                  <a:spcPts val="0"/>
+                </a:spcBef>
+                <a:spcAft>
+                  <a:spcPts val="0"/>
+                </a:spcAft>
+                <a:buNone/>
+              </a:pPr>
+              <a:r>
+                <a:t/>
+              </a:r>
+              <a:endParaRPr/>
+            </a:p>
+          </p:txBody>
+        </p:sp>
+        <p:sp>
+          <p:nvSpPr>
+            <p:cNvPr id="288" name="Google Shape;288;p30"/>
+            <p:cNvSpPr/>
+            <p:nvPr/>
+          </p:nvSpPr>
+          <p:spPr>
+            <a:xfrm>
+              <a:off x="5528802" y="2520340"/>
+              <a:ext cx="21324" cy="17012"/>
+            </a:xfrm>
+            <a:custGeom>
+              <a:rect b="b" l="l" r="r" t="t"/>
+              <a:pathLst>
+                <a:path extrusionOk="0" h="651" w="816">
+                  <a:moveTo>
+                    <a:pt x="515" y="0"/>
+                  </a:moveTo>
+                  <a:cubicBezTo>
+                    <a:pt x="467" y="0"/>
+                    <a:pt x="417" y="19"/>
+                    <a:pt x="372" y="63"/>
+                  </a:cubicBezTo>
+                  <a:lnTo>
+                    <a:pt x="141" y="294"/>
+                  </a:lnTo>
+                  <a:cubicBezTo>
+                    <a:pt x="0" y="417"/>
+                    <a:pt x="90" y="650"/>
+                    <a:pt x="275" y="650"/>
+                  </a:cubicBezTo>
+                  <a:cubicBezTo>
+                    <a:pt x="278" y="650"/>
+                    <a:pt x="282" y="650"/>
+                    <a:pt x="286" y="650"/>
+                  </a:cubicBezTo>
+                  <a:cubicBezTo>
+                    <a:pt x="343" y="650"/>
+                    <a:pt x="392" y="631"/>
+                    <a:pt x="440" y="592"/>
+                  </a:cubicBezTo>
+                  <a:lnTo>
+                    <a:pt x="661" y="361"/>
+                  </a:lnTo>
+                  <a:cubicBezTo>
+                    <a:pt x="816" y="206"/>
+                    <a:pt x="676" y="0"/>
+                    <a:pt x="515" y="0"/>
+                  </a:cubicBezTo>
+                  <a:close/>
+                </a:path>
+              </a:pathLst>
+            </a:custGeom>
+            <a:solidFill>
+              <a:srgbClr val="203B56"/>
+            </a:solidFill>
+            <a:ln>
+              <a:noFill/>
+            </a:ln>
+          </p:spPr>
+          <p:txBody>
+            <a:bodyPr anchorCtr="0" anchor="ctr" bIns="91425" lIns="91425" spcFirstLastPara="1" rIns="91425" wrap="square" tIns="91425">
+              <a:noAutofit/>
+            </a:bodyPr>
+            <a:lstStyle/>
+            <a:p>
+              <a:pPr indent="0" lvl="0" marL="0" rtl="0" algn="l">
+                <a:spcBef>
+                  <a:spcPts val="0"/>
+                </a:spcBef>
+                <a:spcAft>
+                  <a:spcPts val="0"/>
+                </a:spcAft>
+                <a:buNone/>
+              </a:pPr>
+              <a:r>
+                <a:t/>
+              </a:r>
+              <a:endParaRPr/>
+            </a:p>
+          </p:txBody>
+        </p:sp>
+        <p:sp>
+          <p:nvSpPr>
+            <p:cNvPr id="289" name="Google Shape;289;p30"/>
+            <p:cNvSpPr/>
+            <p:nvPr/>
+          </p:nvSpPr>
+          <p:spPr>
+            <a:xfrm>
+              <a:off x="5476119" y="2572736"/>
+              <a:ext cx="21533" cy="17117"/>
+            </a:xfrm>
+            <a:custGeom>
+              <a:rect b="b" l="l" r="r" t="t"/>
+              <a:pathLst>
+                <a:path extrusionOk="0" h="655" w="824">
+                  <a:moveTo>
+                    <a:pt x="524" y="1"/>
+                  </a:moveTo>
+                  <a:cubicBezTo>
+                    <a:pt x="475" y="1"/>
+                    <a:pt x="424" y="21"/>
+                    <a:pt x="379" y="68"/>
+                  </a:cubicBezTo>
+                  <a:lnTo>
+                    <a:pt x="148" y="299"/>
+                  </a:lnTo>
+                  <a:cubicBezTo>
+                    <a:pt x="1" y="446"/>
+                    <a:pt x="135" y="655"/>
+                    <a:pt x="296" y="655"/>
+                  </a:cubicBezTo>
+                  <a:cubicBezTo>
+                    <a:pt x="346" y="655"/>
+                    <a:pt x="398" y="635"/>
+                    <a:pt x="446" y="587"/>
+                  </a:cubicBezTo>
+                  <a:lnTo>
+                    <a:pt x="677" y="357"/>
+                  </a:lnTo>
+                  <a:cubicBezTo>
+                    <a:pt x="824" y="210"/>
+                    <a:pt x="684" y="1"/>
+                    <a:pt x="524" y="1"/>
+                  </a:cubicBezTo>
+                  <a:close/>
+                </a:path>
+              </a:pathLst>
+            </a:custGeom>
+            <a:solidFill>
+              <a:srgbClr val="203B56"/>
+            </a:solidFill>
+            <a:ln>
+              <a:noFill/>
+            </a:ln>
+          </p:spPr>
+          <p:txBody>
+            <a:bodyPr anchorCtr="0" anchor="ctr" bIns="91425" lIns="91425" spcFirstLastPara="1" rIns="91425" wrap="square" tIns="91425">
+              <a:noAutofit/>
+            </a:bodyPr>
+            <a:lstStyle/>
+            <a:p>
+              <a:pPr indent="0" lvl="0" marL="0" rtl="0" algn="l">
+                <a:spcBef>
+                  <a:spcPts val="0"/>
+                </a:spcBef>
+                <a:spcAft>
+                  <a:spcPts val="0"/>
+                </a:spcAft>
+                <a:buNone/>
+              </a:pPr>
+              <a:r>
+                <a:t/>
+              </a:r>
+              <a:endParaRPr/>
+            </a:p>
+          </p:txBody>
+        </p:sp>
+        <p:sp>
+          <p:nvSpPr>
+            <p:cNvPr id="290" name="Google Shape;290;p30"/>
+            <p:cNvSpPr/>
+            <p:nvPr/>
+          </p:nvSpPr>
+          <p:spPr>
+            <a:xfrm>
+              <a:off x="5528462" y="2572736"/>
+              <a:ext cx="21664" cy="17117"/>
+            </a:xfrm>
+            <a:custGeom>
+              <a:rect b="b" l="l" r="r" t="t"/>
+              <a:pathLst>
+                <a:path extrusionOk="0" h="655" w="829">
+                  <a:moveTo>
+                    <a:pt x="302" y="1"/>
+                  </a:moveTo>
+                  <a:cubicBezTo>
+                    <a:pt x="138" y="1"/>
+                    <a:pt x="0" y="210"/>
+                    <a:pt x="154" y="357"/>
+                  </a:cubicBezTo>
+                  <a:lnTo>
+                    <a:pt x="385" y="587"/>
+                  </a:lnTo>
+                  <a:cubicBezTo>
+                    <a:pt x="431" y="635"/>
+                    <a:pt x="482" y="655"/>
+                    <a:pt x="531" y="655"/>
+                  </a:cubicBezTo>
+                  <a:cubicBezTo>
+                    <a:pt x="690" y="655"/>
+                    <a:pt x="828" y="446"/>
+                    <a:pt x="674" y="299"/>
+                  </a:cubicBezTo>
+                  <a:lnTo>
+                    <a:pt x="453" y="68"/>
+                  </a:lnTo>
+                  <a:cubicBezTo>
+                    <a:pt x="405" y="21"/>
+                    <a:pt x="352" y="1"/>
+                    <a:pt x="302" y="1"/>
+                  </a:cubicBezTo>
+                  <a:close/>
+                </a:path>
+              </a:pathLst>
+            </a:custGeom>
+            <a:solidFill>
+              <a:srgbClr val="203B56"/>
+            </a:solidFill>
+            <a:ln>
+              <a:noFill/>
+            </a:ln>
+          </p:spPr>
+          <p:txBody>
+            <a:bodyPr anchorCtr="0" anchor="ctr" bIns="91425" lIns="91425" spcFirstLastPara="1" rIns="91425" wrap="square" tIns="91425">
+              <a:noAutofit/>
+            </a:bodyPr>
+            <a:lstStyle/>
+            <a:p>
+              <a:pPr indent="0" lvl="0" marL="0" rtl="0" algn="l">
+                <a:spcBef>
+                  <a:spcPts val="0"/>
+                </a:spcBef>
+                <a:spcAft>
+                  <a:spcPts val="0"/>
+                </a:spcAft>
+                <a:buNone/>
+              </a:pPr>
+              <a:r>
+                <a:t/>
+              </a:r>
+              <a:endParaRPr/>
+            </a:p>
+          </p:txBody>
+        </p:sp>
+        <p:sp>
+          <p:nvSpPr>
+            <p:cNvPr id="291" name="Google Shape;291;p30"/>
+            <p:cNvSpPr/>
+            <p:nvPr/>
+          </p:nvSpPr>
+          <p:spPr>
+            <a:xfrm>
+              <a:off x="5476092" y="2520340"/>
+              <a:ext cx="21612" cy="17117"/>
+            </a:xfrm>
+            <a:custGeom>
+              <a:rect b="b" l="l" r="r" t="t"/>
+              <a:pathLst>
+                <a:path extrusionOk="0" h="655" w="827">
+                  <a:moveTo>
+                    <a:pt x="300" y="0"/>
+                  </a:moveTo>
+                  <a:cubicBezTo>
+                    <a:pt x="137" y="0"/>
+                    <a:pt x="1" y="206"/>
+                    <a:pt x="149" y="361"/>
+                  </a:cubicBezTo>
+                  <a:lnTo>
+                    <a:pt x="380" y="592"/>
+                  </a:lnTo>
+                  <a:cubicBezTo>
+                    <a:pt x="425" y="636"/>
+                    <a:pt x="476" y="654"/>
+                    <a:pt x="524" y="654"/>
+                  </a:cubicBezTo>
+                  <a:cubicBezTo>
+                    <a:pt x="688" y="654"/>
+                    <a:pt x="826" y="443"/>
+                    <a:pt x="678" y="294"/>
+                  </a:cubicBezTo>
+                  <a:lnTo>
+                    <a:pt x="447" y="63"/>
+                  </a:lnTo>
+                  <a:cubicBezTo>
+                    <a:pt x="400" y="19"/>
+                    <a:pt x="349" y="0"/>
+                    <a:pt x="300" y="0"/>
+                  </a:cubicBezTo>
+                  <a:close/>
+                </a:path>
+              </a:pathLst>
+            </a:custGeom>
+            <a:solidFill>
+              <a:srgbClr val="203B56"/>
+            </a:solidFill>
+            <a:ln>
+              <a:noFill/>
+            </a:ln>
+          </p:spPr>
+          <p:txBody>
+            <a:bodyPr anchorCtr="0" anchor="ctr" bIns="91425" lIns="91425" spcFirstLastPara="1" rIns="91425" wrap="square" tIns="91425">
+              <a:noAutofit/>
+            </a:bodyPr>
+            <a:lstStyle/>
+            <a:p>
+              <a:pPr indent="0" lvl="0" marL="0" rtl="0" algn="l">
+                <a:spcBef>
+                  <a:spcPts val="0"/>
+                </a:spcBef>
+                <a:spcAft>
+                  <a:spcPts val="0"/>
+                </a:spcAft>
+                <a:buNone/>
+              </a:pPr>
+              <a:r>
+                <a:t/>
+              </a:r>
+              <a:endParaRPr/>
+            </a:p>
+          </p:txBody>
+        </p:sp>
+        <p:sp>
+          <p:nvSpPr>
+            <p:cNvPr id="292" name="Google Shape;292;p30"/>
+            <p:cNvSpPr/>
+            <p:nvPr/>
+          </p:nvSpPr>
+          <p:spPr>
+            <a:xfrm>
+              <a:off x="5339994" y="2645123"/>
+              <a:ext cx="104556" cy="10819"/>
+            </a:xfrm>
+            <a:custGeom>
+              <a:rect b="b" l="l" r="r" t="t"/>
+              <a:pathLst>
+                <a:path extrusionOk="0" h="414" w="4001">
+                  <a:moveTo>
+                    <a:pt x="279" y="0"/>
+                  </a:moveTo>
+                  <a:cubicBezTo>
+                    <a:pt x="1" y="0"/>
+                    <a:pt x="1" y="414"/>
+                    <a:pt x="279" y="414"/>
+                  </a:cubicBezTo>
+                  <a:lnTo>
+                    <a:pt x="3722" y="414"/>
+                  </a:lnTo>
+                  <a:cubicBezTo>
+                    <a:pt x="4001" y="414"/>
+                    <a:pt x="4001" y="0"/>
+                    <a:pt x="3722" y="0"/>
+                  </a:cubicBezTo>
+                  <a:close/>
+                </a:path>
+              </a:pathLst>
+            </a:custGeom>
+            <a:solidFill>
+              <a:srgbClr val="FFFFFF"/>
+            </a:solidFill>
+            <a:ln>
+              <a:noFill/>
+            </a:ln>
+          </p:spPr>
+          <p:txBody>
+            <a:bodyPr anchorCtr="0" anchor="ctr" bIns="91425" lIns="91425" spcFirstLastPara="1" rIns="91425" wrap="square" tIns="91425">
+              <a:noAutofit/>
+            </a:bodyPr>
+            <a:lstStyle/>
+            <a:p>
+              <a:pPr indent="0" lvl="0" marL="0" rtl="0" algn="l">
+                <a:spcBef>
+                  <a:spcPts val="0"/>
+                </a:spcBef>
+                <a:spcAft>
+                  <a:spcPts val="0"/>
+                </a:spcAft>
+                <a:buNone/>
+              </a:pPr>
+              <a:r>
+                <a:t/>
+              </a:r>
+              <a:endParaRPr/>
+            </a:p>
+          </p:txBody>
+        </p:sp>
+        <p:sp>
+          <p:nvSpPr>
+            <p:cNvPr id="293" name="Google Shape;293;p30"/>
+            <p:cNvSpPr/>
+            <p:nvPr/>
+          </p:nvSpPr>
+          <p:spPr>
+            <a:xfrm>
+              <a:off x="5339994" y="2698642"/>
+              <a:ext cx="104556" cy="11080"/>
+            </a:xfrm>
+            <a:custGeom>
+              <a:rect b="b" l="l" r="r" t="t"/>
+              <a:pathLst>
+                <a:path extrusionOk="0" h="424" w="4001">
+                  <a:moveTo>
+                    <a:pt x="279" y="0"/>
+                  </a:moveTo>
+                  <a:cubicBezTo>
+                    <a:pt x="1" y="0"/>
+                    <a:pt x="1" y="424"/>
+                    <a:pt x="279" y="424"/>
+                  </a:cubicBezTo>
+                  <a:lnTo>
+                    <a:pt x="3722" y="424"/>
+                  </a:lnTo>
+                  <a:cubicBezTo>
+                    <a:pt x="4001" y="424"/>
+                    <a:pt x="4001" y="0"/>
+                    <a:pt x="3722" y="0"/>
+                  </a:cubicBezTo>
+                  <a:close/>
+                </a:path>
+              </a:pathLst>
+            </a:custGeom>
+            <a:solidFill>
+              <a:srgbClr val="FFFFFF"/>
+            </a:solidFill>
+            <a:ln>
+              <a:noFill/>
+            </a:ln>
+          </p:spPr>
+          <p:txBody>
+            <a:bodyPr anchorCtr="0" anchor="ctr" bIns="91425" lIns="91425" spcFirstLastPara="1" rIns="91425" wrap="square" tIns="91425">
+              <a:noAutofit/>
+            </a:bodyPr>
+            <a:lstStyle/>
+            <a:p>
+              <a:pPr indent="0" lvl="0" marL="0" rtl="0" algn="l">
+                <a:spcBef>
+                  <a:spcPts val="0"/>
+                </a:spcBef>
+                <a:spcAft>
+                  <a:spcPts val="0"/>
+                </a:spcAft>
+                <a:buNone/>
+              </a:pPr>
+              <a:r>
+                <a:t/>
+              </a:r>
+              <a:endParaRPr/>
+            </a:p>
+          </p:txBody>
+        </p:sp>
+        <p:sp>
+          <p:nvSpPr>
+            <p:cNvPr id="294" name="Google Shape;294;p30"/>
+            <p:cNvSpPr/>
+            <p:nvPr/>
+          </p:nvSpPr>
+          <p:spPr>
+            <a:xfrm>
+              <a:off x="5339994" y="2671752"/>
+              <a:ext cx="104556" cy="11080"/>
+            </a:xfrm>
+            <a:custGeom>
+              <a:rect b="b" l="l" r="r" t="t"/>
+              <a:pathLst>
+                <a:path extrusionOk="0" h="424" w="4001">
+                  <a:moveTo>
+                    <a:pt x="279" y="1"/>
+                  </a:moveTo>
+                  <a:cubicBezTo>
+                    <a:pt x="1" y="1"/>
+                    <a:pt x="1" y="424"/>
+                    <a:pt x="279" y="424"/>
+                  </a:cubicBezTo>
+                  <a:lnTo>
+                    <a:pt x="3722" y="424"/>
+                  </a:lnTo>
+                  <a:cubicBezTo>
+                    <a:pt x="4001" y="424"/>
+                    <a:pt x="4001" y="1"/>
+                    <a:pt x="3722" y="1"/>
+                  </a:cubicBezTo>
+                  <a:close/>
+                </a:path>
+              </a:pathLst>
+            </a:custGeom>
+            <a:solidFill>
+              <a:srgbClr val="FFFFFF"/>
+            </a:solidFill>
+            <a:ln>
+              <a:noFill/>
+            </a:ln>
+          </p:spPr>
+          <p:txBody>
+            <a:bodyPr anchorCtr="0" anchor="ctr" bIns="91425" lIns="91425" spcFirstLastPara="1" rIns="91425" wrap="square" tIns="91425">
+              <a:noAutofit/>
+            </a:bodyPr>
+            <a:lstStyle/>
+            <a:p>
+              <a:pPr indent="0" lvl="0" marL="0" rtl="0" algn="l">
+                <a:spcBef>
+                  <a:spcPts val="0"/>
+                </a:spcBef>
+                <a:spcAft>
+                  <a:spcPts val="0"/>
+                </a:spcAft>
+                <a:buNone/>
+              </a:pPr>
+              <a:r>
+                <a:t/>
+              </a:r>
+              <a:endParaRPr/>
+            </a:p>
+          </p:txBody>
+        </p:sp>
+        <p:sp>
+          <p:nvSpPr>
+            <p:cNvPr id="295" name="Google Shape;295;p30"/>
+            <p:cNvSpPr/>
+            <p:nvPr/>
+          </p:nvSpPr>
+          <p:spPr>
+            <a:xfrm>
+              <a:off x="5503584" y="2650401"/>
+              <a:ext cx="26916" cy="53781"/>
+            </a:xfrm>
+            <a:custGeom>
+              <a:rect b="b" l="l" r="r" t="t"/>
+              <a:pathLst>
+                <a:path extrusionOk="0" h="2058" w="1030">
+                  <a:moveTo>
+                    <a:pt x="1" y="0"/>
+                  </a:moveTo>
+                  <a:lnTo>
+                    <a:pt x="1" y="2058"/>
+                  </a:lnTo>
+                  <a:lnTo>
+                    <a:pt x="933" y="2058"/>
+                  </a:lnTo>
+                  <a:cubicBezTo>
+                    <a:pt x="981" y="2058"/>
+                    <a:pt x="1030" y="2020"/>
+                    <a:pt x="1030" y="1962"/>
+                  </a:cubicBezTo>
+                  <a:lnTo>
+                    <a:pt x="1030" y="96"/>
+                  </a:lnTo>
+                  <a:cubicBezTo>
+                    <a:pt x="1030" y="39"/>
+                    <a:pt x="981" y="0"/>
+                    <a:pt x="933" y="0"/>
+                  </a:cubicBezTo>
+                  <a:close/>
+                </a:path>
+              </a:pathLst>
+            </a:custGeom>
+            <a:solidFill>
+              <a:srgbClr val="9BAFBF"/>
+            </a:solidFill>
+            <a:ln>
+              <a:noFill/>
+            </a:ln>
+          </p:spPr>
+          <p:txBody>
+            <a:bodyPr anchorCtr="0" anchor="ctr" bIns="91425" lIns="91425" spcFirstLastPara="1" rIns="91425" wrap="square" tIns="91425">
+              <a:noAutofit/>
+            </a:bodyPr>
+            <a:lstStyle/>
+            <a:p>
+              <a:pPr indent="0" lvl="0" marL="0" rtl="0" algn="l">
+                <a:spcBef>
+                  <a:spcPts val="0"/>
+                </a:spcBef>
+                <a:spcAft>
+                  <a:spcPts val="0"/>
+                </a:spcAft>
+                <a:buNone/>
+              </a:pPr>
+              <a:r>
+                <a:t/>
+              </a:r>
+              <a:endParaRPr/>
+            </a:p>
+          </p:txBody>
+        </p:sp>
+        <p:sp>
+          <p:nvSpPr>
+            <p:cNvPr id="296" name="Google Shape;296;p30"/>
+            <p:cNvSpPr/>
+            <p:nvPr/>
+          </p:nvSpPr>
+          <p:spPr>
+            <a:xfrm>
+              <a:off x="5597582" y="2648128"/>
+              <a:ext cx="53545" cy="57282"/>
+            </a:xfrm>
+            <a:custGeom>
+              <a:rect b="b" l="l" r="r" t="t"/>
+              <a:pathLst>
+                <a:path extrusionOk="0" h="2192" w="2049">
+                  <a:moveTo>
+                    <a:pt x="2048" y="1"/>
+                  </a:moveTo>
+                  <a:lnTo>
+                    <a:pt x="0" y="10"/>
+                  </a:lnTo>
+                  <a:lnTo>
+                    <a:pt x="0" y="1530"/>
+                  </a:lnTo>
+                  <a:cubicBezTo>
+                    <a:pt x="0" y="1626"/>
+                    <a:pt x="67" y="1712"/>
+                    <a:pt x="164" y="1741"/>
+                  </a:cubicBezTo>
+                  <a:lnTo>
+                    <a:pt x="1760" y="2183"/>
+                  </a:lnTo>
+                  <a:cubicBezTo>
+                    <a:pt x="1780" y="2189"/>
+                    <a:pt x="1800" y="2191"/>
+                    <a:pt x="1820" y="2191"/>
+                  </a:cubicBezTo>
+                  <a:cubicBezTo>
+                    <a:pt x="1942" y="2191"/>
+                    <a:pt x="2048" y="2095"/>
+                    <a:pt x="2048" y="1962"/>
+                  </a:cubicBezTo>
+                  <a:lnTo>
+                    <a:pt x="2048" y="1"/>
+                  </a:lnTo>
+                  <a:close/>
+                </a:path>
+              </a:pathLst>
+            </a:custGeom>
+            <a:solidFill>
+              <a:srgbClr val="BFCCD6"/>
+            </a:solidFill>
+            <a:ln>
+              <a:noFill/>
+            </a:ln>
+          </p:spPr>
+          <p:txBody>
+            <a:bodyPr anchorCtr="0" anchor="ctr" bIns="91425" lIns="91425" spcFirstLastPara="1" rIns="91425" wrap="square" tIns="91425">
+              <a:noAutofit/>
+            </a:bodyPr>
+            <a:lstStyle/>
+            <a:p>
+              <a:pPr indent="0" lvl="0" marL="0" rtl="0" algn="l">
+                <a:spcBef>
+                  <a:spcPts val="0"/>
+                </a:spcBef>
+                <a:spcAft>
+                  <a:spcPts val="0"/>
+                </a:spcAft>
+                <a:buNone/>
+              </a:pPr>
+              <a:r>
+                <a:t/>
+              </a:r>
+              <a:endParaRPr/>
+            </a:p>
+          </p:txBody>
+        </p:sp>
+        <p:sp>
+          <p:nvSpPr>
+            <p:cNvPr id="297" name="Google Shape;297;p30"/>
+            <p:cNvSpPr/>
+            <p:nvPr/>
+          </p:nvSpPr>
+          <p:spPr>
+            <a:xfrm>
+              <a:off x="5363879" y="2530532"/>
+              <a:ext cx="23650" cy="49025"/>
+            </a:xfrm>
+            <a:custGeom>
+              <a:rect b="b" l="l" r="r" t="t"/>
+              <a:pathLst>
+                <a:path extrusionOk="0" h="1876" w="905">
+                  <a:moveTo>
+                    <a:pt x="0" y="0"/>
+                  </a:moveTo>
+                  <a:lnTo>
+                    <a:pt x="0" y="1875"/>
+                  </a:lnTo>
+                  <a:cubicBezTo>
+                    <a:pt x="510" y="1856"/>
+                    <a:pt x="904" y="1443"/>
+                    <a:pt x="904" y="943"/>
+                  </a:cubicBezTo>
+                  <a:cubicBezTo>
+                    <a:pt x="904" y="433"/>
+                    <a:pt x="510" y="20"/>
+                    <a:pt x="0" y="0"/>
+                  </a:cubicBezTo>
+                  <a:close/>
+                </a:path>
+              </a:pathLst>
+            </a:custGeom>
+            <a:solidFill>
+              <a:srgbClr val="BFCCD6"/>
+            </a:solidFill>
+            <a:ln>
+              <a:noFill/>
+            </a:ln>
+          </p:spPr>
+          <p:txBody>
+            <a:bodyPr anchorCtr="0" anchor="ctr" bIns="91425" lIns="91425" spcFirstLastPara="1" rIns="91425" wrap="square" tIns="91425">
+              <a:noAutofit/>
+            </a:bodyPr>
+            <a:lstStyle/>
+            <a:p>
+              <a:pPr indent="0" lvl="0" marL="0" rtl="0" algn="l">
+                <a:spcBef>
+                  <a:spcPts val="0"/>
+                </a:spcBef>
+                <a:spcAft>
+                  <a:spcPts val="0"/>
+                </a:spcAft>
+                <a:buNone/>
+              </a:pPr>
+              <a:r>
+                <a:t/>
+              </a:r>
+              <a:endParaRPr/>
+            </a:p>
+          </p:txBody>
+        </p:sp>
+        <p:sp>
+          <p:nvSpPr>
+            <p:cNvPr id="298" name="Google Shape;298;p30"/>
+            <p:cNvSpPr/>
+            <p:nvPr/>
+          </p:nvSpPr>
+          <p:spPr>
+            <a:xfrm>
+              <a:off x="5513148" y="2540070"/>
+              <a:ext cx="15078" cy="29948"/>
+            </a:xfrm>
+            <a:custGeom>
+              <a:rect b="b" l="l" r="r" t="t"/>
+              <a:pathLst>
+                <a:path extrusionOk="0" h="1146" w="577">
+                  <a:moveTo>
+                    <a:pt x="0" y="1"/>
+                  </a:moveTo>
+                  <a:lnTo>
+                    <a:pt x="0" y="1145"/>
+                  </a:lnTo>
+                  <a:cubicBezTo>
+                    <a:pt x="317" y="1145"/>
+                    <a:pt x="577" y="895"/>
+                    <a:pt x="577" y="578"/>
+                  </a:cubicBezTo>
+                  <a:cubicBezTo>
+                    <a:pt x="577" y="251"/>
+                    <a:pt x="317" y="1"/>
+                    <a:pt x="0" y="1"/>
+                  </a:cubicBezTo>
+                  <a:close/>
+                </a:path>
+              </a:pathLst>
+            </a:custGeom>
+            <a:solidFill>
+              <a:srgbClr val="BFCCD6"/>
+            </a:solidFill>
+            <a:ln>
+              <a:noFill/>
+            </a:ln>
+          </p:spPr>
+          <p:txBody>
+            <a:bodyPr anchorCtr="0" anchor="ctr" bIns="91425" lIns="91425" spcFirstLastPara="1" rIns="91425" wrap="square" tIns="91425">
+              <a:noAutofit/>
+            </a:bodyPr>
+            <a:lstStyle/>
+            <a:p>
+              <a:pPr indent="0" lvl="0" marL="0" rtl="0" algn="l">
+                <a:spcBef>
+                  <a:spcPts val="0"/>
+                </a:spcBef>
+                <a:spcAft>
+                  <a:spcPts val="0"/>
+                </a:spcAft>
+                <a:buNone/>
+              </a:pPr>
+              <a:r>
+                <a:t/>
+              </a:r>
+              <a:endParaRPr/>
+            </a:p>
+          </p:txBody>
+        </p:sp>
+      </p:grpSp>
     </p:spTree>
   </p:cSld>
   <p:clrMapOvr>
@@ -27520,6 +28659,285 @@
 </file>
 
 <file path=ppt/theme/theme1.xml><?xml version="1.0" encoding="utf-8"?>
+<a:theme xmlns:a="http://schemas.openxmlformats.org/drawingml/2006/main" xmlns:r="http://schemas.openxmlformats.org/officeDocument/2006/relationships">
+  <a:themeElements>
+    <a:clrScheme name="Default">
+      <a:dk1>
+        <a:srgbClr val="000000"/>
+      </a:dk1>
+      <a:lt1>
+        <a:srgbClr val="FFFFFF"/>
+      </a:lt1>
+      <a:dk2>
+        <a:srgbClr val="158158"/>
+      </a:dk2>
+      <a:lt2>
+        <a:srgbClr val="F3F3F3"/>
+      </a:lt2>
+      <a:accent1>
+        <a:srgbClr val="058DC7"/>
+      </a:accent1>
+      <a:accent2>
+        <a:srgbClr val="50B432"/>
+      </a:accent2>
+      <a:accent3>
+        <a:srgbClr val="ED561B"/>
+      </a:accent3>
+      <a:accent4>
+        <a:srgbClr val="EDEF00"/>
+      </a:accent4>
+      <a:accent5>
+        <a:srgbClr val="24CBE5"/>
+      </a:accent5>
+      <a:accent6>
+        <a:srgbClr val="64E572"/>
+      </a:accent6>
+      <a:hlink>
+        <a:srgbClr val="2200CC"/>
+      </a:hlink>
+      <a:folHlink>
+        <a:srgbClr val="551A8B"/>
+      </a:folHlink>
+    </a:clrScheme>
+    <a:fontScheme name="Office">
+      <a:majorFont>
+        <a:latin typeface="Arial"/>
+        <a:ea typeface=""/>
+        <a:cs typeface=""/>
+        <a:font script="Jpan" typeface="ＭＳ Ｐゴシック"/>
+        <a:font script="Hang" typeface="맑은 고딕"/>
+        <a:font script="Hans" typeface="宋体"/>
+        <a:font script="Hant" typeface="新細明體"/>
+        <a:font script="Arab" typeface="Times New Roman"/>
+        <a:font script="Hebr" typeface="Times New Roman"/>
+        <a:font script="Thai" typeface="Angsana New"/>
+        <a:font script="Ethi" typeface="Nyala"/>
+        <a:font script="Beng" typeface="Vrinda"/>
+        <a:font script="Gujr" typeface="Shruti"/>
+        <a:font script="Khmr" typeface="MoolBoran"/>
+        <a:font script="Knda" typeface="Tunga"/>
+        <a:font script="Guru" typeface="Raavi"/>
+        <a:font script="Cans" typeface="Euphemia"/>
+        <a:font script="Cher" typeface="Plantagenet Cherokee"/>
+        <a:font script="Yiii" typeface="Microsoft Yi Baiti"/>
+        <a:font script="Tibt" typeface="Microsoft Himalaya"/>
+        <a:font script="Thaa" typeface="MV Boli"/>
+        <a:font script="Deva" typeface="Mangal"/>
+        <a:font script="Telu" typeface="Gautami"/>
+        <a:font script="Taml" typeface="Latha"/>
+        <a:font script="Syrc" typeface="Estrangelo Edessa"/>
+        <a:font script="Orya" typeface="Kalinga"/>
+        <a:font script="Mlym" typeface="Kartika"/>
+        <a:font script="Laoo" typeface="DokChampa"/>
+        <a:font script="Sinh" typeface="Iskoola Pota"/>
+        <a:font script="Mong" typeface="Mongolian Baiti"/>
+        <a:font script="Viet" typeface="Times New Roman"/>
+        <a:font script="Uigh" typeface="Microsoft Uighur"/>
+        <a:font script="Geor" typeface="Sylfaen"/>
+      </a:majorFont>
+      <a:minorFont>
+        <a:latin typeface="Arial"/>
+        <a:ea typeface=""/>
+        <a:cs typeface=""/>
+        <a:font script="Jpan" typeface="ＭＳ Ｐゴシック"/>
+        <a:font script="Hang" typeface="맑은 고딕"/>
+        <a:font script="Hans" typeface="宋体"/>
+        <a:font script="Hant" typeface="新細明體"/>
+        <a:font script="Arab" typeface="Arial"/>
+        <a:font script="Hebr" typeface="Arial"/>
+        <a:font script="Thai" typeface="Cordia New"/>
+        <a:font script="Ethi" typeface="Nyala"/>
+        <a:font script="Beng" typeface="Vrinda"/>
+        <a:font script="Gujr" typeface="Shruti"/>
+        <a:font script="Khmr" typeface="DaunPenh"/>
+        <a:font script="Knda" typeface="Tunga"/>
+        <a:font script="Guru" typeface="Raavi"/>
+        <a:font script="Cans" typeface="Euphemia"/>
+        <a:font script="Cher" typeface="Plantagenet Cherokee"/>
+        <a:font script="Yiii" typeface="Microsoft Yi Baiti"/>
+        <a:font script="Tibt" typeface="Microsoft Himalaya"/>
+        <a:font script="Thaa" typeface="MV Boli"/>
+        <a:font script="Deva" typeface="Mangal"/>
+        <a:font script="Telu" typeface="Gautami"/>
+        <a:font script="Taml" typeface="Latha"/>
+        <a:font script="Syrc" typeface="Estrangelo Edessa"/>
+        <a:font script="Orya" typeface="Kalinga"/>
+        <a:font script="Mlym" typeface="Kartika"/>
+        <a:font script="Laoo" typeface="DokChampa"/>
+        <a:font script="Sinh" typeface="Iskoola Pota"/>
+        <a:font script="Mong" typeface="Mongolian Baiti"/>
+        <a:font script="Viet" typeface="Arial"/>
+        <a:font script="Uigh" typeface="Microsoft Uighur"/>
+        <a:font script="Geor" typeface="Sylfaen"/>
+      </a:minorFont>
+    </a:fontScheme>
+    <a:fmtScheme name="Office">
+      <a:fillStyleLst>
+        <a:solidFill>
+          <a:schemeClr val="phClr"/>
+        </a:solidFill>
+        <a:gradFill rotWithShape="1">
+          <a:gsLst>
+            <a:gs pos="0">
+              <a:schemeClr val="phClr">
+                <a:tint val="50000"/>
+                <a:satMod val="300000"/>
+              </a:schemeClr>
+            </a:gs>
+            <a:gs pos="35000">
+              <a:schemeClr val="phClr">
+                <a:tint val="37000"/>
+                <a:satMod val="300000"/>
+              </a:schemeClr>
+            </a:gs>
+            <a:gs pos="100000">
+              <a:schemeClr val="phClr">
+                <a:tint val="15000"/>
+                <a:satMod val="350000"/>
+              </a:schemeClr>
+            </a:gs>
+          </a:gsLst>
+          <a:lin ang="16200000" scaled="1"/>
+        </a:gradFill>
+        <a:gradFill rotWithShape="1">
+          <a:gsLst>
+            <a:gs pos="0">
+              <a:schemeClr val="phClr">
+                <a:tint val="100000"/>
+                <a:shade val="100000"/>
+                <a:satMod val="130000"/>
+              </a:schemeClr>
+            </a:gs>
+            <a:gs pos="100000">
+              <a:schemeClr val="phClr">
+                <a:tint val="50000"/>
+                <a:shade val="100000"/>
+                <a:satMod val="350000"/>
+              </a:schemeClr>
+            </a:gs>
+          </a:gsLst>
+          <a:lin ang="16200000" scaled="0"/>
+        </a:gradFill>
+      </a:fillStyleLst>
+      <a:lnStyleLst>
+        <a:ln w="9525" cap="flat" cmpd="sng" algn="ctr">
+          <a:solidFill>
+            <a:schemeClr val="phClr">
+              <a:shade val="95000"/>
+              <a:satMod val="105000"/>
+            </a:schemeClr>
+          </a:solidFill>
+          <a:prstDash val="solid"/>
+        </a:ln>
+        <a:ln w="25400" cap="flat" cmpd="sng" algn="ctr">
+          <a:solidFill>
+            <a:schemeClr val="phClr"/>
+          </a:solidFill>
+          <a:prstDash val="solid"/>
+        </a:ln>
+        <a:ln w="38100" cap="flat" cmpd="sng" algn="ctr">
+          <a:solidFill>
+            <a:schemeClr val="phClr"/>
+          </a:solidFill>
+          <a:prstDash val="solid"/>
+        </a:ln>
+      </a:lnStyleLst>
+      <a:effectStyleLst>
+        <a:effectStyle>
+          <a:effectLst>
+            <a:outerShdw blurRad="40000" dist="20000" dir="5400000" rotWithShape="0">
+              <a:srgbClr val="000000">
+                <a:alpha val="38000"/>
+              </a:srgbClr>
+            </a:outerShdw>
+          </a:effectLst>
+        </a:effectStyle>
+        <a:effectStyle>
+          <a:effectLst>
+            <a:outerShdw blurRad="40000" dist="23000" dir="5400000" rotWithShape="0">
+              <a:srgbClr val="000000">
+                <a:alpha val="35000"/>
+              </a:srgbClr>
+            </a:outerShdw>
+          </a:effectLst>
+        </a:effectStyle>
+        <a:effectStyle>
+          <a:effectLst>
+            <a:outerShdw blurRad="40000" dist="23000" dir="5400000" rotWithShape="0">
+              <a:srgbClr val="000000">
+                <a:alpha val="35000"/>
+              </a:srgbClr>
+            </a:outerShdw>
+          </a:effectLst>
+          <a:scene3d>
+            <a:camera prst="orthographicFront">
+              <a:rot lat="0" lon="0" rev="0"/>
+            </a:camera>
+            <a:lightRig rig="threePt" dir="t">
+              <a:rot lat="0" lon="0" rev="1200000"/>
+            </a:lightRig>
+          </a:scene3d>
+          <a:sp3d>
+            <a:bevelT w="63500" h="25400"/>
+          </a:sp3d>
+        </a:effectStyle>
+      </a:effectStyleLst>
+      <a:bgFillStyleLst>
+        <a:solidFill>
+          <a:schemeClr val="phClr"/>
+        </a:solidFill>
+        <a:gradFill rotWithShape="1">
+          <a:gsLst>
+            <a:gs pos="0">
+              <a:schemeClr val="phClr">
+                <a:tint val="40000"/>
+                <a:satMod val="350000"/>
+              </a:schemeClr>
+            </a:gs>
+            <a:gs pos="40000">
+              <a:schemeClr val="phClr">
+                <a:tint val="45000"/>
+                <a:shade val="99000"/>
+                <a:satMod val="350000"/>
+              </a:schemeClr>
+            </a:gs>
+            <a:gs pos="100000">
+              <a:schemeClr val="phClr">
+                <a:shade val="20000"/>
+                <a:satMod val="255000"/>
+              </a:schemeClr>
+            </a:gs>
+          </a:gsLst>
+          <a:path path="circle">
+            <a:fillToRect l="50000" t="-80000" r="50000" b="180000"/>
+          </a:path>
+        </a:gradFill>
+        <a:gradFill rotWithShape="1">
+          <a:gsLst>
+            <a:gs pos="0">
+              <a:schemeClr val="phClr">
+                <a:tint val="80000"/>
+                <a:satMod val="300000"/>
+              </a:schemeClr>
+            </a:gs>
+            <a:gs pos="100000">
+              <a:schemeClr val="phClr">
+                <a:shade val="30000"/>
+                <a:satMod val="200000"/>
+              </a:schemeClr>
+            </a:gs>
+          </a:gsLst>
+          <a:path path="circle">
+            <a:fillToRect l="50000" t="50000" r="50000" b="50000"/>
+          </a:path>
+        </a:gradFill>
+      </a:bgFillStyleLst>
+    </a:fmtScheme>
+  </a:themeElements>
+</a:theme>
+</file>
+
+<file path=ppt/theme/theme2.xml><?xml version="1.0" encoding="utf-8"?>
 <a:theme xmlns:a="http://schemas.openxmlformats.org/drawingml/2006/main" xmlns:r="http://schemas.openxmlformats.org/officeDocument/2006/relationships" name="Robotic Workshop by Slidesgo">
   <a:themeElements>
     <a:clrScheme name="Simple Light">
@@ -27796,283 +29214,4 @@
     </a:fmtScheme>
   </a:themeElements>
 </a:theme>
-</file>
-
-<file path=ppt/theme/theme2.xml><?xml version="1.0" encoding="utf-8"?>
-<a:theme xmlns:a="http://schemas.openxmlformats.org/drawingml/2006/main" xmlns:r="http://schemas.openxmlformats.org/officeDocument/2006/relationships">
-  <a:themeElements>
-    <a:clrScheme name="Default">
-      <a:dk1>
-        <a:srgbClr val="000000"/>
-      </a:dk1>
-      <a:lt1>
-        <a:srgbClr val="FFFFFF"/>
-      </a:lt1>
-      <a:dk2>
-        <a:srgbClr val="158158"/>
-      </a:dk2>
-      <a:lt2>
-        <a:srgbClr val="F3F3F3"/>
-      </a:lt2>
-      <a:accent1>
-        <a:srgbClr val="058DC7"/>
-      </a:accent1>
-      <a:accent2>
-        <a:srgbClr val="50B432"/>
-      </a:accent2>
-      <a:accent3>
-        <a:srgbClr val="ED561B"/>
-      </a:accent3>
-      <a:accent4>
-        <a:srgbClr val="EDEF00"/>
-      </a:accent4>
-      <a:accent5>
-        <a:srgbClr val="24CBE5"/>
-      </a:accent5>
-      <a:accent6>
-        <a:srgbClr val="64E572"/>
-      </a:accent6>
-      <a:hlink>
-        <a:srgbClr val="2200CC"/>
-      </a:hlink>
-      <a:folHlink>
-        <a:srgbClr val="551A8B"/>
-      </a:folHlink>
-    </a:clrScheme>
-    <a:fontScheme name="Office">
-      <a:majorFont>
-        <a:latin typeface="Arial"/>
-        <a:ea typeface=""/>
-        <a:cs typeface=""/>
-        <a:font script="Jpan" typeface="ＭＳ Ｐゴシック"/>
-        <a:font script="Hang" typeface="맑은 고딕"/>
-        <a:font script="Hans" typeface="宋体"/>
-        <a:font script="Hant" typeface="新細明體"/>
-        <a:font script="Arab" typeface="Times New Roman"/>
-        <a:font script="Hebr" typeface="Times New Roman"/>
-        <a:font script="Thai" typeface="Angsana New"/>
-        <a:font script="Ethi" typeface="Nyala"/>
-        <a:font script="Beng" typeface="Vrinda"/>
-        <a:font script="Gujr" typeface="Shruti"/>
-        <a:font script="Khmr" typeface="MoolBoran"/>
-        <a:font script="Knda" typeface="Tunga"/>
-        <a:font script="Guru" typeface="Raavi"/>
-        <a:font script="Cans" typeface="Euphemia"/>
-        <a:font script="Cher" typeface="Plantagenet Cherokee"/>
-        <a:font script="Yiii" typeface="Microsoft Yi Baiti"/>
-        <a:font script="Tibt" typeface="Microsoft Himalaya"/>
-        <a:font script="Thaa" typeface="MV Boli"/>
-        <a:font script="Deva" typeface="Mangal"/>
-        <a:font script="Telu" typeface="Gautami"/>
-        <a:font script="Taml" typeface="Latha"/>
-        <a:font script="Syrc" typeface="Estrangelo Edessa"/>
-        <a:font script="Orya" typeface="Kalinga"/>
-        <a:font script="Mlym" typeface="Kartika"/>
-        <a:font script="Laoo" typeface="DokChampa"/>
-        <a:font script="Sinh" typeface="Iskoola Pota"/>
-        <a:font script="Mong" typeface="Mongolian Baiti"/>
-        <a:font script="Viet" typeface="Times New Roman"/>
-        <a:font script="Uigh" typeface="Microsoft Uighur"/>
-        <a:font script="Geor" typeface="Sylfaen"/>
-      </a:majorFont>
-      <a:minorFont>
-        <a:latin typeface="Arial"/>
-        <a:ea typeface=""/>
-        <a:cs typeface=""/>
-        <a:font script="Jpan" typeface="ＭＳ Ｐゴシック"/>
-        <a:font script="Hang" typeface="맑은 고딕"/>
-        <a:font script="Hans" typeface="宋体"/>
-        <a:font script="Hant" typeface="新細明體"/>
-        <a:font script="Arab" typeface="Arial"/>
-        <a:font script="Hebr" typeface="Arial"/>
-        <a:font script="Thai" typeface="Cordia New"/>
-        <a:font script="Ethi" typeface="Nyala"/>
-        <a:font script="Beng" typeface="Vrinda"/>
-        <a:font script="Gujr" typeface="Shruti"/>
-        <a:font script="Khmr" typeface="DaunPenh"/>
-        <a:font script="Knda" typeface="Tunga"/>
-        <a:font script="Guru" typeface="Raavi"/>
-        <a:font script="Cans" typeface="Euphemia"/>
-        <a:font script="Cher" typeface="Plantagenet Cherokee"/>
-        <a:font script="Yiii" typeface="Microsoft Yi Baiti"/>
-        <a:font script="Tibt" typeface="Microsoft Himalaya"/>
-        <a:font script="Thaa" typeface="MV Boli"/>
-        <a:font script="Deva" typeface="Mangal"/>
-        <a:font script="Telu" typeface="Gautami"/>
-        <a:font script="Taml" typeface="Latha"/>
-        <a:font script="Syrc" typeface="Estrangelo Edessa"/>
-        <a:font script="Orya" typeface="Kalinga"/>
-        <a:font script="Mlym" typeface="Kartika"/>
-        <a:font script="Laoo" typeface="DokChampa"/>
-        <a:font script="Sinh" typeface="Iskoola Pota"/>
-        <a:font script="Mong" typeface="Mongolian Baiti"/>
-        <a:font script="Viet" typeface="Arial"/>
-        <a:font script="Uigh" typeface="Microsoft Uighur"/>
-        <a:font script="Geor" typeface="Sylfaen"/>
-      </a:minorFont>
-    </a:fontScheme>
-    <a:fmtScheme name="Office">
-      <a:fillStyleLst>
-        <a:solidFill>
-          <a:schemeClr val="phClr"/>
-        </a:solidFill>
-        <a:gradFill rotWithShape="1">
-          <a:gsLst>
-            <a:gs pos="0">
-              <a:schemeClr val="phClr">
-                <a:tint val="50000"/>
-                <a:satMod val="300000"/>
-              </a:schemeClr>
-            </a:gs>
-            <a:gs pos="35000">
-              <a:schemeClr val="phClr">
-                <a:tint val="37000"/>
-                <a:satMod val="300000"/>
-              </a:schemeClr>
-            </a:gs>
-            <a:gs pos="100000">
-              <a:schemeClr val="phClr">
-                <a:tint val="15000"/>
-                <a:satMod val="350000"/>
-              </a:schemeClr>
-            </a:gs>
-          </a:gsLst>
-          <a:lin ang="16200000" scaled="1"/>
-        </a:gradFill>
-        <a:gradFill rotWithShape="1">
-          <a:gsLst>
-            <a:gs pos="0">
-              <a:schemeClr val="phClr">
-                <a:tint val="100000"/>
-                <a:shade val="100000"/>
-                <a:satMod val="130000"/>
-              </a:schemeClr>
-            </a:gs>
-            <a:gs pos="100000">
-              <a:schemeClr val="phClr">
-                <a:tint val="50000"/>
-                <a:shade val="100000"/>
-                <a:satMod val="350000"/>
-              </a:schemeClr>
-            </a:gs>
-          </a:gsLst>
-          <a:lin ang="16200000" scaled="0"/>
-        </a:gradFill>
-      </a:fillStyleLst>
-      <a:lnStyleLst>
-        <a:ln w="9525" cap="flat" cmpd="sng" algn="ctr">
-          <a:solidFill>
-            <a:schemeClr val="phClr">
-              <a:shade val="95000"/>
-              <a:satMod val="105000"/>
-            </a:schemeClr>
-          </a:solidFill>
-          <a:prstDash val="solid"/>
-        </a:ln>
-        <a:ln w="25400" cap="flat" cmpd="sng" algn="ctr">
-          <a:solidFill>
-            <a:schemeClr val="phClr"/>
-          </a:solidFill>
-          <a:prstDash val="solid"/>
-        </a:ln>
-        <a:ln w="38100" cap="flat" cmpd="sng" algn="ctr">
-          <a:solidFill>
-            <a:schemeClr val="phClr"/>
-          </a:solidFill>
-          <a:prstDash val="solid"/>
-        </a:ln>
-      </a:lnStyleLst>
-      <a:effectStyleLst>
-        <a:effectStyle>
-          <a:effectLst>
-            <a:outerShdw blurRad="40000" dist="20000" dir="5400000" rotWithShape="0">
-              <a:srgbClr val="000000">
-                <a:alpha val="38000"/>
-              </a:srgbClr>
-            </a:outerShdw>
-          </a:effectLst>
-        </a:effectStyle>
-        <a:effectStyle>
-          <a:effectLst>
-            <a:outerShdw blurRad="40000" dist="23000" dir="5400000" rotWithShape="0">
-              <a:srgbClr val="000000">
-                <a:alpha val="35000"/>
-              </a:srgbClr>
-            </a:outerShdw>
-          </a:effectLst>
-        </a:effectStyle>
-        <a:effectStyle>
-          <a:effectLst>
-            <a:outerShdw blurRad="40000" dist="23000" dir="5400000" rotWithShape="0">
-              <a:srgbClr val="000000">
-                <a:alpha val="35000"/>
-              </a:srgbClr>
-            </a:outerShdw>
-          </a:effectLst>
-          <a:scene3d>
-            <a:camera prst="orthographicFront">
-              <a:rot lat="0" lon="0" rev="0"/>
-            </a:camera>
-            <a:lightRig rig="threePt" dir="t">
-              <a:rot lat="0" lon="0" rev="1200000"/>
-            </a:lightRig>
-          </a:scene3d>
-          <a:sp3d>
-            <a:bevelT w="63500" h="25400"/>
-          </a:sp3d>
-        </a:effectStyle>
-      </a:effectStyleLst>
-      <a:bgFillStyleLst>
-        <a:solidFill>
-          <a:schemeClr val="phClr"/>
-        </a:solidFill>
-        <a:gradFill rotWithShape="1">
-          <a:gsLst>
-            <a:gs pos="0">
-              <a:schemeClr val="phClr">
-                <a:tint val="40000"/>
-                <a:satMod val="350000"/>
-              </a:schemeClr>
-            </a:gs>
-            <a:gs pos="40000">
-              <a:schemeClr val="phClr">
-                <a:tint val="45000"/>
-                <a:shade val="99000"/>
-                <a:satMod val="350000"/>
-              </a:schemeClr>
-            </a:gs>
-            <a:gs pos="100000">
-              <a:schemeClr val="phClr">
-                <a:shade val="20000"/>
-                <a:satMod val="255000"/>
-              </a:schemeClr>
-            </a:gs>
-          </a:gsLst>
-          <a:path path="circle">
-            <a:fillToRect l="50000" t="-80000" r="50000" b="180000"/>
-          </a:path>
-        </a:gradFill>
-        <a:gradFill rotWithShape="1">
-          <a:gsLst>
-            <a:gs pos="0">
-              <a:schemeClr val="phClr">
-                <a:tint val="80000"/>
-                <a:satMod val="300000"/>
-              </a:schemeClr>
-            </a:gs>
-            <a:gs pos="100000">
-              <a:schemeClr val="phClr">
-                <a:shade val="30000"/>
-                <a:satMod val="200000"/>
-              </a:schemeClr>
-            </a:gs>
-          </a:gsLst>
-          <a:path path="circle">
-            <a:fillToRect l="50000" t="50000" r="50000" b="50000"/>
-          </a:path>
-        </a:gradFill>
-      </a:bgFillStyleLst>
-    </a:fmtScheme>
-  </a:themeElements>
-</a:theme>
 </file>